--- a/images/elec_circuit_image.pptx
+++ b/images/elec_circuit_image.pptx
@@ -13,6 +13,9 @@
     <p:sldId id="261" r:id="rId7"/>
     <p:sldId id="262" r:id="rId8"/>
     <p:sldId id="263" r:id="rId9"/>
+    <p:sldId id="264" r:id="rId10"/>
+    <p:sldId id="265" r:id="rId11"/>
+    <p:sldId id="266" r:id="rId12"/>
   </p:sldIdLst>
   <p:sldSz cx="12192000" cy="6858000"/>
   <p:notesSz cx="6858000" cy="9144000"/>
@@ -111,6 +114,11 @@
       </a:defRPr>
     </a:lvl9pPr>
   </p:defaultTextStyle>
+  <p:extLst>
+    <p:ext uri="{EFAFB233-063F-42B5-8137-9DF3F51BA10A}">
+      <p15:sldGuideLst xmlns:p15="http://schemas.microsoft.com/office/powerpoint/2012/main"/>
+    </p:ext>
+  </p:extLst>
 </p:presentation>
 </file>
 
@@ -3422,6 +3430,1022 @@
 </p:sld>
 </file>
 
+<file path=ppt/slides/slide10.xml><?xml version="1.0" encoding="utf-8"?>
+<p:sld xmlns:a="http://schemas.openxmlformats.org/drawingml/2006/main" xmlns:r="http://schemas.openxmlformats.org/officeDocument/2006/relationships" xmlns:p="http://schemas.openxmlformats.org/presentationml/2006/main">
+  <p:cSld>
+    <p:spTree>
+      <p:nvGrpSpPr>
+        <p:cNvPr id="1" name=""/>
+        <p:cNvGrpSpPr/>
+        <p:nvPr/>
+      </p:nvGrpSpPr>
+      <p:grpSpPr>
+        <a:xfrm>
+          <a:off x="0" y="0"/>
+          <a:ext cx="0" cy="0"/>
+          <a:chOff x="0" y="0"/>
+          <a:chExt cx="0" cy="0"/>
+        </a:xfrm>
+      </p:grpSpPr>
+      <p:sp>
+        <p:nvSpPr>
+          <p:cNvPr id="2" name="직사각형 1">
+            <a:extLst>
+              <a:ext uri="{FF2B5EF4-FFF2-40B4-BE49-F238E27FC236}">
+                <a16:creationId xmlns:a16="http://schemas.microsoft.com/office/drawing/2014/main" id="{57356988-437B-4FDB-A1BD-1F470DE36DF2}"/>
+              </a:ext>
+            </a:extLst>
+          </p:cNvPr>
+          <p:cNvSpPr/>
+          <p:nvPr/>
+        </p:nvSpPr>
+        <p:spPr>
+          <a:xfrm>
+            <a:off x="1429305" y="3000652"/>
+            <a:ext cx="4323425" cy="1358284"/>
+          </a:xfrm>
+          <a:prstGeom prst="rect">
+            <a:avLst/>
+          </a:prstGeom>
+          <a:solidFill>
+            <a:srgbClr val="FF0000"/>
+          </a:solidFill>
+        </p:spPr>
+        <p:style>
+          <a:lnRef idx="2">
+            <a:schemeClr val="accent1">
+              <a:shade val="50000"/>
+            </a:schemeClr>
+          </a:lnRef>
+          <a:fillRef idx="1">
+            <a:schemeClr val="accent1"/>
+          </a:fillRef>
+          <a:effectRef idx="0">
+            <a:schemeClr val="accent1"/>
+          </a:effectRef>
+          <a:fontRef idx="minor">
+            <a:schemeClr val="lt1"/>
+          </a:fontRef>
+        </p:style>
+        <p:txBody>
+          <a:bodyPr rtlCol="0" anchor="ctr"/>
+          <a:lstStyle/>
+          <a:p>
+            <a:pPr algn="ctr"/>
+            <a:endParaRPr lang="ko-KR" altLang="en-US"/>
+          </a:p>
+        </p:txBody>
+      </p:sp>
+      <p:sp>
+        <p:nvSpPr>
+          <p:cNvPr id="3" name="직사각형 2">
+            <a:extLst>
+              <a:ext uri="{FF2B5EF4-FFF2-40B4-BE49-F238E27FC236}">
+                <a16:creationId xmlns:a16="http://schemas.microsoft.com/office/drawing/2014/main" id="{918806AC-9D28-4661-B2A1-5CD7B52A445B}"/>
+              </a:ext>
+            </a:extLst>
+          </p:cNvPr>
+          <p:cNvSpPr/>
+          <p:nvPr/>
+        </p:nvSpPr>
+        <p:spPr>
+          <a:xfrm>
+            <a:off x="1429304" y="736847"/>
+            <a:ext cx="4323425" cy="1207363"/>
+          </a:xfrm>
+          <a:prstGeom prst="rect">
+            <a:avLst/>
+          </a:prstGeom>
+          <a:solidFill>
+            <a:schemeClr val="accent3">
+              <a:lumMod val="75000"/>
+            </a:schemeClr>
+          </a:solidFill>
+        </p:spPr>
+        <p:style>
+          <a:lnRef idx="2">
+            <a:schemeClr val="accent1">
+              <a:shade val="50000"/>
+            </a:schemeClr>
+          </a:lnRef>
+          <a:fillRef idx="1">
+            <a:schemeClr val="accent1"/>
+          </a:fillRef>
+          <a:effectRef idx="0">
+            <a:schemeClr val="accent1"/>
+          </a:effectRef>
+          <a:fontRef idx="minor">
+            <a:schemeClr val="lt1"/>
+          </a:fontRef>
+        </p:style>
+        <p:txBody>
+          <a:bodyPr rtlCol="0" anchor="ctr"/>
+          <a:lstStyle/>
+          <a:p>
+            <a:pPr algn="ctr"/>
+            <a:endParaRPr lang="ko-KR" altLang="en-US"/>
+          </a:p>
+        </p:txBody>
+      </p:sp>
+      <p:sp>
+        <p:nvSpPr>
+          <p:cNvPr id="4" name="TextBox 3">
+            <a:extLst>
+              <a:ext uri="{FF2B5EF4-FFF2-40B4-BE49-F238E27FC236}">
+                <a16:creationId xmlns:a16="http://schemas.microsoft.com/office/drawing/2014/main" id="{A1B7BBF4-9B0F-46D8-AA08-84F622FCFEB4}"/>
+              </a:ext>
+            </a:extLst>
+          </p:cNvPr>
+          <p:cNvSpPr txBox="1"/>
+          <p:nvPr/>
+        </p:nvSpPr>
+        <p:spPr>
+          <a:xfrm>
+            <a:off x="878889" y="2814221"/>
+            <a:ext cx="452761" cy="369332"/>
+          </a:xfrm>
+          <a:prstGeom prst="rect">
+            <a:avLst/>
+          </a:prstGeom>
+          <a:noFill/>
+        </p:spPr>
+        <p:txBody>
+          <a:bodyPr wrap="square" rtlCol="0">
+            <a:spAutoFit/>
+          </a:bodyPr>
+          <a:lstStyle/>
+          <a:p>
+            <a:r>
+              <a:rPr lang="en-US" altLang="ko-KR" dirty="0" err="1"/>
+              <a:t>Ev</a:t>
+            </a:r>
+            <a:endParaRPr lang="ko-KR" altLang="en-US" dirty="0"/>
+          </a:p>
+        </p:txBody>
+      </p:sp>
+      <p:sp>
+        <p:nvSpPr>
+          <p:cNvPr id="5" name="TextBox 4">
+            <a:extLst>
+              <a:ext uri="{FF2B5EF4-FFF2-40B4-BE49-F238E27FC236}">
+                <a16:creationId xmlns:a16="http://schemas.microsoft.com/office/drawing/2014/main" id="{FB54FF07-D873-498D-8ABE-3CD742C45A21}"/>
+              </a:ext>
+            </a:extLst>
+          </p:cNvPr>
+          <p:cNvSpPr txBox="1"/>
+          <p:nvPr/>
+        </p:nvSpPr>
+        <p:spPr>
+          <a:xfrm>
+            <a:off x="878888" y="1759544"/>
+            <a:ext cx="452761" cy="369332"/>
+          </a:xfrm>
+          <a:prstGeom prst="rect">
+            <a:avLst/>
+          </a:prstGeom>
+          <a:noFill/>
+        </p:spPr>
+        <p:txBody>
+          <a:bodyPr wrap="square" rtlCol="0">
+            <a:spAutoFit/>
+          </a:bodyPr>
+          <a:lstStyle/>
+          <a:p>
+            <a:r>
+              <a:rPr lang="en-US" altLang="ko-KR" dirty="0" err="1"/>
+              <a:t>Ec</a:t>
+            </a:r>
+            <a:endParaRPr lang="ko-KR" altLang="en-US" dirty="0"/>
+          </a:p>
+        </p:txBody>
+      </p:sp>
+      <p:cxnSp>
+        <p:nvCxnSpPr>
+          <p:cNvPr id="6" name="직선 연결선 5">
+            <a:extLst>
+              <a:ext uri="{FF2B5EF4-FFF2-40B4-BE49-F238E27FC236}">
+                <a16:creationId xmlns:a16="http://schemas.microsoft.com/office/drawing/2014/main" id="{1922B9E3-C105-48E0-9081-F76EFE2AE747}"/>
+              </a:ext>
+            </a:extLst>
+          </p:cNvPr>
+          <p:cNvCxnSpPr>
+            <a:cxnSpLocks/>
+          </p:cNvCxnSpPr>
+          <p:nvPr/>
+        </p:nvCxnSpPr>
+        <p:spPr>
+          <a:xfrm>
+            <a:off x="1429304" y="2494625"/>
+            <a:ext cx="4323425" cy="0"/>
+          </a:xfrm>
+          <a:prstGeom prst="line">
+            <a:avLst/>
+          </a:prstGeom>
+          <a:ln>
+            <a:solidFill>
+              <a:schemeClr val="bg1">
+                <a:lumMod val="85000"/>
+              </a:schemeClr>
+            </a:solidFill>
+          </a:ln>
+        </p:spPr>
+        <p:style>
+          <a:lnRef idx="1">
+            <a:schemeClr val="accent1"/>
+          </a:lnRef>
+          <a:fillRef idx="0">
+            <a:schemeClr val="accent1"/>
+          </a:fillRef>
+          <a:effectRef idx="0">
+            <a:schemeClr val="accent1"/>
+          </a:effectRef>
+          <a:fontRef idx="minor">
+            <a:schemeClr val="tx1"/>
+          </a:fontRef>
+        </p:style>
+      </p:cxnSp>
+      <p:sp>
+        <p:nvSpPr>
+          <p:cNvPr id="7" name="TextBox 6">
+            <a:extLst>
+              <a:ext uri="{FF2B5EF4-FFF2-40B4-BE49-F238E27FC236}">
+                <a16:creationId xmlns:a16="http://schemas.microsoft.com/office/drawing/2014/main" id="{766328E5-A0B5-4A6B-B6CD-BEAE0A7084C8}"/>
+              </a:ext>
+            </a:extLst>
+          </p:cNvPr>
+          <p:cNvSpPr txBox="1"/>
+          <p:nvPr/>
+        </p:nvSpPr>
+        <p:spPr>
+          <a:xfrm>
+            <a:off x="878888" y="2286882"/>
+            <a:ext cx="452761" cy="369332"/>
+          </a:xfrm>
+          <a:prstGeom prst="rect">
+            <a:avLst/>
+          </a:prstGeom>
+          <a:noFill/>
+        </p:spPr>
+        <p:txBody>
+          <a:bodyPr wrap="square" rtlCol="0">
+            <a:spAutoFit/>
+          </a:bodyPr>
+          <a:lstStyle/>
+          <a:p>
+            <a:r>
+              <a:rPr lang="en-US" altLang="ko-KR" dirty="0" err="1">
+                <a:solidFill>
+                  <a:schemeClr val="bg1">
+                    <a:lumMod val="75000"/>
+                  </a:schemeClr>
+                </a:solidFill>
+              </a:rPr>
+              <a:t>Ei</a:t>
+            </a:r>
+            <a:endParaRPr lang="ko-KR" altLang="en-US" dirty="0">
+              <a:solidFill>
+                <a:schemeClr val="bg1">
+                  <a:lumMod val="75000"/>
+                </a:schemeClr>
+              </a:solidFill>
+            </a:endParaRPr>
+          </a:p>
+        </p:txBody>
+      </p:sp>
+      <p:cxnSp>
+        <p:nvCxnSpPr>
+          <p:cNvPr id="8" name="직선 연결선 7">
+            <a:extLst>
+              <a:ext uri="{FF2B5EF4-FFF2-40B4-BE49-F238E27FC236}">
+                <a16:creationId xmlns:a16="http://schemas.microsoft.com/office/drawing/2014/main" id="{FF13DBD5-950D-4F0A-8A92-25DFC5836284}"/>
+              </a:ext>
+            </a:extLst>
+          </p:cNvPr>
+          <p:cNvCxnSpPr>
+            <a:cxnSpLocks/>
+          </p:cNvCxnSpPr>
+          <p:nvPr/>
+        </p:nvCxnSpPr>
+        <p:spPr>
+          <a:xfrm>
+            <a:off x="1429304" y="2816881"/>
+            <a:ext cx="4323425" cy="0"/>
+          </a:xfrm>
+          <a:prstGeom prst="line">
+            <a:avLst/>
+          </a:prstGeom>
+          <a:ln>
+            <a:solidFill>
+              <a:schemeClr val="accent5">
+                <a:lumMod val="75000"/>
+              </a:schemeClr>
+            </a:solidFill>
+          </a:ln>
+        </p:spPr>
+        <p:style>
+          <a:lnRef idx="1">
+            <a:schemeClr val="accent1"/>
+          </a:lnRef>
+          <a:fillRef idx="0">
+            <a:schemeClr val="accent1"/>
+          </a:fillRef>
+          <a:effectRef idx="0">
+            <a:schemeClr val="accent1"/>
+          </a:effectRef>
+          <a:fontRef idx="minor">
+            <a:schemeClr val="tx1"/>
+          </a:fontRef>
+        </p:style>
+      </p:cxnSp>
+      <p:sp>
+        <p:nvSpPr>
+          <p:cNvPr id="9" name="TextBox 8">
+            <a:extLst>
+              <a:ext uri="{FF2B5EF4-FFF2-40B4-BE49-F238E27FC236}">
+                <a16:creationId xmlns:a16="http://schemas.microsoft.com/office/drawing/2014/main" id="{89DC43F2-5F3A-42DD-A79A-C50C31113518}"/>
+              </a:ext>
+            </a:extLst>
+          </p:cNvPr>
+          <p:cNvSpPr txBox="1"/>
+          <p:nvPr/>
+        </p:nvSpPr>
+        <p:spPr>
+          <a:xfrm>
+            <a:off x="878888" y="2609138"/>
+            <a:ext cx="452761" cy="369332"/>
+          </a:xfrm>
+          <a:prstGeom prst="rect">
+            <a:avLst/>
+          </a:prstGeom>
+          <a:noFill/>
+        </p:spPr>
+        <p:txBody>
+          <a:bodyPr wrap="square" rtlCol="0">
+            <a:spAutoFit/>
+          </a:bodyPr>
+          <a:lstStyle/>
+          <a:p>
+            <a:r>
+              <a:rPr lang="en-US" altLang="ko-KR" dirty="0"/>
+              <a:t>EF</a:t>
+            </a:r>
+            <a:endParaRPr lang="ko-KR" altLang="en-US" dirty="0"/>
+          </a:p>
+        </p:txBody>
+      </p:sp>
+      <p:cxnSp>
+        <p:nvCxnSpPr>
+          <p:cNvPr id="11" name="직선 화살표 연결선 10">
+            <a:extLst>
+              <a:ext uri="{FF2B5EF4-FFF2-40B4-BE49-F238E27FC236}">
+                <a16:creationId xmlns:a16="http://schemas.microsoft.com/office/drawing/2014/main" id="{D5A5B6AA-AD77-4FDA-B821-6F9B6CA947CC}"/>
+              </a:ext>
+            </a:extLst>
+          </p:cNvPr>
+          <p:cNvCxnSpPr>
+            <a:cxnSpLocks/>
+          </p:cNvCxnSpPr>
+          <p:nvPr/>
+        </p:nvCxnSpPr>
+        <p:spPr>
+          <a:xfrm>
+            <a:off x="3364637" y="2494626"/>
+            <a:ext cx="0" cy="319595"/>
+          </a:xfrm>
+          <a:prstGeom prst="straightConnector1">
+            <a:avLst/>
+          </a:prstGeom>
+          <a:ln>
+            <a:tailEnd type="triangle"/>
+          </a:ln>
+        </p:spPr>
+        <p:style>
+          <a:lnRef idx="1">
+            <a:schemeClr val="accent1"/>
+          </a:lnRef>
+          <a:fillRef idx="0">
+            <a:schemeClr val="accent1"/>
+          </a:fillRef>
+          <a:effectRef idx="0">
+            <a:schemeClr val="accent1"/>
+          </a:effectRef>
+          <a:fontRef idx="minor">
+            <a:schemeClr val="tx1"/>
+          </a:fontRef>
+        </p:style>
+      </p:cxnSp>
+    </p:spTree>
+    <p:extLst>
+      <p:ext uri="{BB962C8B-B14F-4D97-AF65-F5344CB8AC3E}">
+        <p14:creationId xmlns:p14="http://schemas.microsoft.com/office/powerpoint/2010/main" val="812041747"/>
+      </p:ext>
+    </p:extLst>
+  </p:cSld>
+  <p:clrMapOvr>
+    <a:masterClrMapping/>
+  </p:clrMapOvr>
+</p:sld>
+</file>
+
+<file path=ppt/slides/slide11.xml><?xml version="1.0" encoding="utf-8"?>
+<p:sld xmlns:a="http://schemas.openxmlformats.org/drawingml/2006/main" xmlns:r="http://schemas.openxmlformats.org/officeDocument/2006/relationships" xmlns:p="http://schemas.openxmlformats.org/presentationml/2006/main">
+  <p:cSld>
+    <p:spTree>
+      <p:nvGrpSpPr>
+        <p:cNvPr id="1" name=""/>
+        <p:cNvGrpSpPr/>
+        <p:nvPr/>
+      </p:nvGrpSpPr>
+      <p:grpSpPr>
+        <a:xfrm>
+          <a:off x="0" y="0"/>
+          <a:ext cx="0" cy="0"/>
+          <a:chOff x="0" y="0"/>
+          <a:chExt cx="0" cy="0"/>
+        </a:xfrm>
+      </p:grpSpPr>
+      <p:sp>
+        <p:nvSpPr>
+          <p:cNvPr id="2" name="직사각형 1">
+            <a:extLst>
+              <a:ext uri="{FF2B5EF4-FFF2-40B4-BE49-F238E27FC236}">
+                <a16:creationId xmlns:a16="http://schemas.microsoft.com/office/drawing/2014/main" id="{87ECC7EA-04D6-463A-9ACF-1F2E18DA3DDA}"/>
+              </a:ext>
+            </a:extLst>
+          </p:cNvPr>
+          <p:cNvSpPr/>
+          <p:nvPr/>
+        </p:nvSpPr>
+        <p:spPr>
+          <a:xfrm>
+            <a:off x="2352583" y="1100831"/>
+            <a:ext cx="656947" cy="2485748"/>
+          </a:xfrm>
+          <a:prstGeom prst="rect">
+            <a:avLst/>
+          </a:prstGeom>
+        </p:spPr>
+        <p:style>
+          <a:lnRef idx="2">
+            <a:schemeClr val="accent1">
+              <a:shade val="50000"/>
+            </a:schemeClr>
+          </a:lnRef>
+          <a:fillRef idx="1">
+            <a:schemeClr val="accent1"/>
+          </a:fillRef>
+          <a:effectRef idx="0">
+            <a:schemeClr val="accent1"/>
+          </a:effectRef>
+          <a:fontRef idx="minor">
+            <a:schemeClr val="lt1"/>
+          </a:fontRef>
+        </p:style>
+        <p:txBody>
+          <a:bodyPr rtlCol="0" anchor="ctr"/>
+          <a:lstStyle/>
+          <a:p>
+            <a:pPr algn="ctr"/>
+            <a:endParaRPr lang="ko-KR" altLang="en-US"/>
+          </a:p>
+        </p:txBody>
+      </p:sp>
+      <p:sp>
+        <p:nvSpPr>
+          <p:cNvPr id="3" name="직사각형 2">
+            <a:extLst>
+              <a:ext uri="{FF2B5EF4-FFF2-40B4-BE49-F238E27FC236}">
+                <a16:creationId xmlns:a16="http://schemas.microsoft.com/office/drawing/2014/main" id="{176A4B58-C2A6-4A3A-A19D-14AC09F0A8A7}"/>
+              </a:ext>
+            </a:extLst>
+          </p:cNvPr>
+          <p:cNvSpPr/>
+          <p:nvPr/>
+        </p:nvSpPr>
+        <p:spPr>
+          <a:xfrm>
+            <a:off x="3009530" y="1793289"/>
+            <a:ext cx="656947" cy="1793290"/>
+          </a:xfrm>
+          <a:prstGeom prst="rect">
+            <a:avLst/>
+          </a:prstGeom>
+        </p:spPr>
+        <p:style>
+          <a:lnRef idx="2">
+            <a:schemeClr val="accent1">
+              <a:shade val="50000"/>
+            </a:schemeClr>
+          </a:lnRef>
+          <a:fillRef idx="1">
+            <a:schemeClr val="accent1"/>
+          </a:fillRef>
+          <a:effectRef idx="0">
+            <a:schemeClr val="accent1"/>
+          </a:effectRef>
+          <a:fontRef idx="minor">
+            <a:schemeClr val="lt1"/>
+          </a:fontRef>
+        </p:style>
+        <p:txBody>
+          <a:bodyPr rtlCol="0" anchor="ctr"/>
+          <a:lstStyle/>
+          <a:p>
+            <a:pPr algn="ctr"/>
+            <a:endParaRPr lang="ko-KR" altLang="en-US"/>
+          </a:p>
+        </p:txBody>
+      </p:sp>
+      <p:cxnSp>
+        <p:nvCxnSpPr>
+          <p:cNvPr id="5" name="직선 연결선 4">
+            <a:extLst>
+              <a:ext uri="{FF2B5EF4-FFF2-40B4-BE49-F238E27FC236}">
+                <a16:creationId xmlns:a16="http://schemas.microsoft.com/office/drawing/2014/main" id="{8002FD93-E890-4F4F-A0A4-58A6BA20CC73}"/>
+              </a:ext>
+            </a:extLst>
+          </p:cNvPr>
+          <p:cNvCxnSpPr>
+            <a:cxnSpLocks/>
+            <a:endCxn id="3" idx="0"/>
+          </p:cNvCxnSpPr>
+          <p:nvPr/>
+        </p:nvCxnSpPr>
+        <p:spPr>
+          <a:xfrm flipV="1">
+            <a:off x="3338003" y="1793289"/>
+            <a:ext cx="1" cy="1864312"/>
+          </a:xfrm>
+          <a:prstGeom prst="line">
+            <a:avLst/>
+          </a:prstGeom>
+        </p:spPr>
+        <p:style>
+          <a:lnRef idx="1">
+            <a:schemeClr val="accent2"/>
+          </a:lnRef>
+          <a:fillRef idx="0">
+            <a:schemeClr val="accent2"/>
+          </a:fillRef>
+          <a:effectRef idx="0">
+            <a:schemeClr val="accent2"/>
+          </a:effectRef>
+          <a:fontRef idx="minor">
+            <a:schemeClr val="tx1"/>
+          </a:fontRef>
+        </p:style>
+      </p:cxnSp>
+      <p:sp>
+        <p:nvSpPr>
+          <p:cNvPr id="7" name="TextBox 6">
+            <a:extLst>
+              <a:ext uri="{FF2B5EF4-FFF2-40B4-BE49-F238E27FC236}">
+                <a16:creationId xmlns:a16="http://schemas.microsoft.com/office/drawing/2014/main" id="{F52681A9-8D5D-4DEF-9AC5-9A46F4B88257}"/>
+              </a:ext>
+            </a:extLst>
+          </p:cNvPr>
+          <p:cNvSpPr txBox="1"/>
+          <p:nvPr/>
+        </p:nvSpPr>
+        <p:spPr>
+          <a:xfrm>
+            <a:off x="2220674" y="3582750"/>
+            <a:ext cx="476412" cy="261610"/>
+          </a:xfrm>
+          <a:prstGeom prst="rect">
+            <a:avLst/>
+          </a:prstGeom>
+          <a:noFill/>
+        </p:spPr>
+        <p:txBody>
+          <a:bodyPr wrap="none" rtlCol="0">
+            <a:spAutoFit/>
+          </a:bodyPr>
+          <a:lstStyle/>
+          <a:p>
+            <a:r>
+              <a:rPr lang="en-US" altLang="ko-KR" sz="1100" dirty="0"/>
+              <a:t>n1/2</a:t>
+            </a:r>
+            <a:endParaRPr lang="ko-KR" altLang="en-US" sz="1100" dirty="0"/>
+          </a:p>
+        </p:txBody>
+      </p:sp>
+      <p:sp>
+        <p:nvSpPr>
+          <p:cNvPr id="8" name="TextBox 7">
+            <a:extLst>
+              <a:ext uri="{FF2B5EF4-FFF2-40B4-BE49-F238E27FC236}">
+                <a16:creationId xmlns:a16="http://schemas.microsoft.com/office/drawing/2014/main" id="{C6816541-891B-47CC-B1A1-225ECD96EBBF}"/>
+              </a:ext>
+            </a:extLst>
+          </p:cNvPr>
+          <p:cNvSpPr txBox="1"/>
+          <p:nvPr/>
+        </p:nvSpPr>
+        <p:spPr>
+          <a:xfrm>
+            <a:off x="3115577" y="1453227"/>
+            <a:ext cx="444352" cy="369332"/>
+          </a:xfrm>
+          <a:prstGeom prst="rect">
+            <a:avLst/>
+          </a:prstGeom>
+          <a:noFill/>
+        </p:spPr>
+        <p:txBody>
+          <a:bodyPr wrap="none" rtlCol="0">
+            <a:spAutoFit/>
+          </a:bodyPr>
+          <a:lstStyle/>
+          <a:p>
+            <a:r>
+              <a:rPr lang="en-US" altLang="ko-KR" dirty="0"/>
+              <a:t>n2</a:t>
+            </a:r>
+            <a:endParaRPr lang="ko-KR" altLang="en-US" dirty="0"/>
+          </a:p>
+        </p:txBody>
+      </p:sp>
+      <p:cxnSp>
+        <p:nvCxnSpPr>
+          <p:cNvPr id="9" name="직선 연결선 8">
+            <a:extLst>
+              <a:ext uri="{FF2B5EF4-FFF2-40B4-BE49-F238E27FC236}">
+                <a16:creationId xmlns:a16="http://schemas.microsoft.com/office/drawing/2014/main" id="{DE1F0867-75FA-47EC-81E4-46851630D263}"/>
+              </a:ext>
+            </a:extLst>
+          </p:cNvPr>
+          <p:cNvCxnSpPr>
+            <a:cxnSpLocks/>
+          </p:cNvCxnSpPr>
+          <p:nvPr/>
+        </p:nvCxnSpPr>
+        <p:spPr>
+          <a:xfrm flipV="1">
+            <a:off x="2681056" y="1100830"/>
+            <a:ext cx="0" cy="2556769"/>
+          </a:xfrm>
+          <a:prstGeom prst="line">
+            <a:avLst/>
+          </a:prstGeom>
+        </p:spPr>
+        <p:style>
+          <a:lnRef idx="1">
+            <a:schemeClr val="accent2"/>
+          </a:lnRef>
+          <a:fillRef idx="0">
+            <a:schemeClr val="accent2"/>
+          </a:fillRef>
+          <a:effectRef idx="0">
+            <a:schemeClr val="accent2"/>
+          </a:effectRef>
+          <a:fontRef idx="minor">
+            <a:schemeClr val="tx1"/>
+          </a:fontRef>
+        </p:style>
+      </p:cxnSp>
+      <p:sp>
+        <p:nvSpPr>
+          <p:cNvPr id="11" name="TextBox 10">
+            <a:extLst>
+              <a:ext uri="{FF2B5EF4-FFF2-40B4-BE49-F238E27FC236}">
+                <a16:creationId xmlns:a16="http://schemas.microsoft.com/office/drawing/2014/main" id="{46DD43C6-3289-492D-86FA-6D083E673F49}"/>
+              </a:ext>
+            </a:extLst>
+          </p:cNvPr>
+          <p:cNvSpPr txBox="1"/>
+          <p:nvPr/>
+        </p:nvSpPr>
+        <p:spPr>
+          <a:xfrm>
+            <a:off x="2458880" y="717571"/>
+            <a:ext cx="444352" cy="369332"/>
+          </a:xfrm>
+          <a:prstGeom prst="rect">
+            <a:avLst/>
+          </a:prstGeom>
+          <a:noFill/>
+        </p:spPr>
+        <p:txBody>
+          <a:bodyPr wrap="none" rtlCol="0">
+            <a:spAutoFit/>
+          </a:bodyPr>
+          <a:lstStyle/>
+          <a:p>
+            <a:r>
+              <a:rPr lang="en-US" altLang="ko-KR" dirty="0"/>
+              <a:t>n1</a:t>
+            </a:r>
+            <a:endParaRPr lang="ko-KR" altLang="en-US" dirty="0"/>
+          </a:p>
+        </p:txBody>
+      </p:sp>
+      <p:sp>
+        <p:nvSpPr>
+          <p:cNvPr id="12" name="TextBox 11">
+            <a:extLst>
+              <a:ext uri="{FF2B5EF4-FFF2-40B4-BE49-F238E27FC236}">
+                <a16:creationId xmlns:a16="http://schemas.microsoft.com/office/drawing/2014/main" id="{7FF6706F-431F-4428-B0A4-F3DBA055E304}"/>
+              </a:ext>
+            </a:extLst>
+          </p:cNvPr>
+          <p:cNvSpPr txBox="1"/>
+          <p:nvPr/>
+        </p:nvSpPr>
+        <p:spPr>
+          <a:xfrm>
+            <a:off x="2573066" y="3586578"/>
+            <a:ext cx="476412" cy="261610"/>
+          </a:xfrm>
+          <a:prstGeom prst="rect">
+            <a:avLst/>
+          </a:prstGeom>
+          <a:noFill/>
+        </p:spPr>
+        <p:txBody>
+          <a:bodyPr wrap="none" rtlCol="0">
+            <a:spAutoFit/>
+          </a:bodyPr>
+          <a:lstStyle/>
+          <a:p>
+            <a:r>
+              <a:rPr lang="en-US" altLang="ko-KR" sz="1100" dirty="0"/>
+              <a:t>n1/2</a:t>
+            </a:r>
+            <a:endParaRPr lang="ko-KR" altLang="en-US" sz="1100" dirty="0"/>
+          </a:p>
+        </p:txBody>
+      </p:sp>
+      <p:sp>
+        <p:nvSpPr>
+          <p:cNvPr id="13" name="TextBox 12">
+            <a:extLst>
+              <a:ext uri="{FF2B5EF4-FFF2-40B4-BE49-F238E27FC236}">
+                <a16:creationId xmlns:a16="http://schemas.microsoft.com/office/drawing/2014/main" id="{B4229754-D663-4190-8E84-0A0F54F3B293}"/>
+              </a:ext>
+            </a:extLst>
+          </p:cNvPr>
+          <p:cNvSpPr txBox="1"/>
+          <p:nvPr/>
+        </p:nvSpPr>
+        <p:spPr>
+          <a:xfrm>
+            <a:off x="2991807" y="3586578"/>
+            <a:ext cx="476412" cy="261610"/>
+          </a:xfrm>
+          <a:prstGeom prst="rect">
+            <a:avLst/>
+          </a:prstGeom>
+          <a:noFill/>
+        </p:spPr>
+        <p:txBody>
+          <a:bodyPr wrap="none" rtlCol="0">
+            <a:spAutoFit/>
+          </a:bodyPr>
+          <a:lstStyle/>
+          <a:p>
+            <a:r>
+              <a:rPr lang="en-US" altLang="ko-KR" sz="1100" dirty="0"/>
+              <a:t>n2/2</a:t>
+            </a:r>
+            <a:endParaRPr lang="ko-KR" altLang="en-US" sz="1100" dirty="0"/>
+          </a:p>
+        </p:txBody>
+      </p:sp>
+      <p:sp>
+        <p:nvSpPr>
+          <p:cNvPr id="14" name="TextBox 13">
+            <a:extLst>
+              <a:ext uri="{FF2B5EF4-FFF2-40B4-BE49-F238E27FC236}">
+                <a16:creationId xmlns:a16="http://schemas.microsoft.com/office/drawing/2014/main" id="{7A19D8AB-6BFA-489E-B4C9-4FE60C7CC24F}"/>
+              </a:ext>
+            </a:extLst>
+          </p:cNvPr>
+          <p:cNvSpPr txBox="1"/>
+          <p:nvPr/>
+        </p:nvSpPr>
+        <p:spPr>
+          <a:xfrm>
+            <a:off x="3329142" y="3568822"/>
+            <a:ext cx="476412" cy="261610"/>
+          </a:xfrm>
+          <a:prstGeom prst="rect">
+            <a:avLst/>
+          </a:prstGeom>
+          <a:noFill/>
+        </p:spPr>
+        <p:txBody>
+          <a:bodyPr wrap="none" rtlCol="0">
+            <a:spAutoFit/>
+          </a:bodyPr>
+          <a:lstStyle/>
+          <a:p>
+            <a:r>
+              <a:rPr lang="en-US" altLang="ko-KR" sz="1100" dirty="0"/>
+              <a:t>n2/2</a:t>
+            </a:r>
+            <a:endParaRPr lang="ko-KR" altLang="en-US" sz="1100" dirty="0"/>
+          </a:p>
+        </p:txBody>
+      </p:sp>
+      <p:sp>
+        <p:nvSpPr>
+          <p:cNvPr id="15" name="화살표: 오른쪽 14">
+            <a:extLst>
+              <a:ext uri="{FF2B5EF4-FFF2-40B4-BE49-F238E27FC236}">
+                <a16:creationId xmlns:a16="http://schemas.microsoft.com/office/drawing/2014/main" id="{0E845FE3-5C5C-4D47-A0A2-DD4EC377CF67}"/>
+              </a:ext>
+            </a:extLst>
+          </p:cNvPr>
+          <p:cNvSpPr/>
+          <p:nvPr/>
+        </p:nvSpPr>
+        <p:spPr>
+          <a:xfrm>
+            <a:off x="2787604" y="1257641"/>
+            <a:ext cx="443852" cy="261610"/>
+          </a:xfrm>
+          <a:prstGeom prst="rightArrow">
+            <a:avLst/>
+          </a:prstGeom>
+        </p:spPr>
+        <p:style>
+          <a:lnRef idx="2">
+            <a:schemeClr val="accent4">
+              <a:shade val="50000"/>
+            </a:schemeClr>
+          </a:lnRef>
+          <a:fillRef idx="1">
+            <a:schemeClr val="accent4"/>
+          </a:fillRef>
+          <a:effectRef idx="0">
+            <a:schemeClr val="accent4"/>
+          </a:effectRef>
+          <a:fontRef idx="minor">
+            <a:schemeClr val="lt1"/>
+          </a:fontRef>
+        </p:style>
+        <p:txBody>
+          <a:bodyPr rtlCol="0" anchor="ctr"/>
+          <a:lstStyle/>
+          <a:p>
+            <a:pPr algn="ctr"/>
+            <a:endParaRPr lang="ko-KR" altLang="en-US"/>
+          </a:p>
+        </p:txBody>
+      </p:sp>
+      <p:sp>
+        <p:nvSpPr>
+          <p:cNvPr id="16" name="화살표: 오른쪽 15">
+            <a:extLst>
+              <a:ext uri="{FF2B5EF4-FFF2-40B4-BE49-F238E27FC236}">
+                <a16:creationId xmlns:a16="http://schemas.microsoft.com/office/drawing/2014/main" id="{C777B643-D5E1-44B0-883A-9E428BCE3CEC}"/>
+              </a:ext>
+            </a:extLst>
+          </p:cNvPr>
+          <p:cNvSpPr/>
+          <p:nvPr/>
+        </p:nvSpPr>
+        <p:spPr>
+          <a:xfrm flipH="1">
+            <a:off x="2090709" y="1257641"/>
+            <a:ext cx="443852" cy="261610"/>
+          </a:xfrm>
+          <a:prstGeom prst="rightArrow">
+            <a:avLst/>
+          </a:prstGeom>
+        </p:spPr>
+        <p:style>
+          <a:lnRef idx="2">
+            <a:schemeClr val="accent4">
+              <a:shade val="50000"/>
+            </a:schemeClr>
+          </a:lnRef>
+          <a:fillRef idx="1">
+            <a:schemeClr val="accent4"/>
+          </a:fillRef>
+          <a:effectRef idx="0">
+            <a:schemeClr val="accent4"/>
+          </a:effectRef>
+          <a:fontRef idx="minor">
+            <a:schemeClr val="lt1"/>
+          </a:fontRef>
+        </p:style>
+        <p:txBody>
+          <a:bodyPr rtlCol="0" anchor="ctr"/>
+          <a:lstStyle/>
+          <a:p>
+            <a:pPr algn="ctr"/>
+            <a:endParaRPr lang="ko-KR" altLang="en-US"/>
+          </a:p>
+        </p:txBody>
+      </p:sp>
+      <p:sp>
+        <p:nvSpPr>
+          <p:cNvPr id="17" name="화살표: 오른쪽 16">
+            <a:extLst>
+              <a:ext uri="{FF2B5EF4-FFF2-40B4-BE49-F238E27FC236}">
+                <a16:creationId xmlns:a16="http://schemas.microsoft.com/office/drawing/2014/main" id="{09D943D5-3116-4AEC-96D9-6EF2493C0DAA}"/>
+              </a:ext>
+            </a:extLst>
+          </p:cNvPr>
+          <p:cNvSpPr/>
+          <p:nvPr/>
+        </p:nvSpPr>
+        <p:spPr>
+          <a:xfrm>
+            <a:off x="3444301" y="2417085"/>
+            <a:ext cx="427597" cy="261610"/>
+          </a:xfrm>
+          <a:prstGeom prst="rightArrow">
+            <a:avLst/>
+          </a:prstGeom>
+        </p:spPr>
+        <p:style>
+          <a:lnRef idx="2">
+            <a:schemeClr val="accent6">
+              <a:shade val="50000"/>
+            </a:schemeClr>
+          </a:lnRef>
+          <a:fillRef idx="1">
+            <a:schemeClr val="accent6"/>
+          </a:fillRef>
+          <a:effectRef idx="0">
+            <a:schemeClr val="accent6"/>
+          </a:effectRef>
+          <a:fontRef idx="minor">
+            <a:schemeClr val="lt1"/>
+          </a:fontRef>
+        </p:style>
+        <p:txBody>
+          <a:bodyPr rtlCol="0" anchor="ctr"/>
+          <a:lstStyle/>
+          <a:p>
+            <a:pPr algn="ctr"/>
+            <a:endParaRPr lang="ko-KR" altLang="en-US"/>
+          </a:p>
+        </p:txBody>
+      </p:sp>
+      <p:sp>
+        <p:nvSpPr>
+          <p:cNvPr id="18" name="화살표: 오른쪽 17">
+            <a:extLst>
+              <a:ext uri="{FF2B5EF4-FFF2-40B4-BE49-F238E27FC236}">
+                <a16:creationId xmlns:a16="http://schemas.microsoft.com/office/drawing/2014/main" id="{EA59C3EB-C853-4234-B4A2-FC3AC06E25FE}"/>
+              </a:ext>
+            </a:extLst>
+          </p:cNvPr>
+          <p:cNvSpPr/>
+          <p:nvPr/>
+        </p:nvSpPr>
+        <p:spPr>
+          <a:xfrm flipH="1">
+            <a:off x="2769820" y="2422109"/>
+            <a:ext cx="427597" cy="261610"/>
+          </a:xfrm>
+          <a:prstGeom prst="rightArrow">
+            <a:avLst/>
+          </a:prstGeom>
+        </p:spPr>
+        <p:style>
+          <a:lnRef idx="2">
+            <a:schemeClr val="accent6">
+              <a:shade val="50000"/>
+            </a:schemeClr>
+          </a:lnRef>
+          <a:fillRef idx="1">
+            <a:schemeClr val="accent6"/>
+          </a:fillRef>
+          <a:effectRef idx="0">
+            <a:schemeClr val="accent6"/>
+          </a:effectRef>
+          <a:fontRef idx="minor">
+            <a:schemeClr val="lt1"/>
+          </a:fontRef>
+        </p:style>
+        <p:txBody>
+          <a:bodyPr rtlCol="0" anchor="ctr"/>
+          <a:lstStyle/>
+          <a:p>
+            <a:pPr algn="ctr"/>
+            <a:endParaRPr lang="ko-KR" altLang="en-US"/>
+          </a:p>
+        </p:txBody>
+      </p:sp>
+    </p:spTree>
+    <p:extLst>
+      <p:ext uri="{BB962C8B-B14F-4D97-AF65-F5344CB8AC3E}">
+        <p14:creationId xmlns:p14="http://schemas.microsoft.com/office/powerpoint/2010/main" val="872754386"/>
+      </p:ext>
+    </p:extLst>
+  </p:cSld>
+  <p:clrMapOvr>
+    <a:masterClrMapping/>
+  </p:clrMapOvr>
+</p:sld>
+</file>
+
 <file path=ppt/slides/slide2.xml><?xml version="1.0" encoding="utf-8"?>
 <p:sld xmlns:a="http://schemas.openxmlformats.org/drawingml/2006/main" xmlns:r="http://schemas.openxmlformats.org/officeDocument/2006/relationships" xmlns:p="http://schemas.openxmlformats.org/presentationml/2006/main">
   <p:cSld>
@@ -8905,6 +9929,1269 @@
     <p:extLst>
       <p:ext uri="{BB962C8B-B14F-4D97-AF65-F5344CB8AC3E}">
         <p14:creationId xmlns:p14="http://schemas.microsoft.com/office/powerpoint/2010/main" val="3751805541"/>
+      </p:ext>
+    </p:extLst>
+  </p:cSld>
+  <p:clrMapOvr>
+    <a:masterClrMapping/>
+  </p:clrMapOvr>
+</p:sld>
+</file>
+
+<file path=ppt/slides/slide9.xml><?xml version="1.0" encoding="utf-8"?>
+<p:sld xmlns:a="http://schemas.openxmlformats.org/drawingml/2006/main" xmlns:r="http://schemas.openxmlformats.org/officeDocument/2006/relationships" xmlns:p="http://schemas.openxmlformats.org/presentationml/2006/main">
+  <p:cSld>
+    <p:spTree>
+      <p:nvGrpSpPr>
+        <p:cNvPr id="1" name=""/>
+        <p:cNvGrpSpPr/>
+        <p:nvPr/>
+      </p:nvGrpSpPr>
+      <p:grpSpPr>
+        <a:xfrm>
+          <a:off x="0" y="0"/>
+          <a:ext cx="0" cy="0"/>
+          <a:chOff x="0" y="0"/>
+          <a:chExt cx="0" cy="0"/>
+        </a:xfrm>
+      </p:grpSpPr>
+      <p:sp>
+        <p:nvSpPr>
+          <p:cNvPr id="2" name="TextBox 1">
+            <a:extLst>
+              <a:ext uri="{FF2B5EF4-FFF2-40B4-BE49-F238E27FC236}">
+                <a16:creationId xmlns:a16="http://schemas.microsoft.com/office/drawing/2014/main" id="{91420A2A-C499-49ED-952C-CAAF36E98973}"/>
+              </a:ext>
+            </a:extLst>
+          </p:cNvPr>
+          <p:cNvSpPr txBox="1"/>
+          <p:nvPr/>
+        </p:nvSpPr>
+        <p:spPr>
+          <a:xfrm>
+            <a:off x="4286775" y="2427877"/>
+            <a:ext cx="578840" cy="646331"/>
+          </a:xfrm>
+          <a:prstGeom prst="rect">
+            <a:avLst/>
+          </a:prstGeom>
+          <a:noFill/>
+        </p:spPr>
+        <p:txBody>
+          <a:bodyPr wrap="square" rtlCol="0">
+            <a:spAutoFit/>
+          </a:bodyPr>
+          <a:lstStyle/>
+          <a:p>
+            <a:r>
+              <a:rPr lang="en-US" altLang="ko-KR" sz="3600" dirty="0"/>
+              <a:t>B</a:t>
+            </a:r>
+            <a:endParaRPr lang="ko-KR" altLang="en-US" sz="3600" dirty="0"/>
+          </a:p>
+        </p:txBody>
+      </p:sp>
+      <p:sp>
+        <p:nvSpPr>
+          <p:cNvPr id="3" name="타원 2">
+            <a:extLst>
+              <a:ext uri="{FF2B5EF4-FFF2-40B4-BE49-F238E27FC236}">
+                <a16:creationId xmlns:a16="http://schemas.microsoft.com/office/drawing/2014/main" id="{69C18D45-F96B-4091-8E87-BB06E2466033}"/>
+              </a:ext>
+            </a:extLst>
+          </p:cNvPr>
+          <p:cNvSpPr/>
+          <p:nvPr/>
+        </p:nvSpPr>
+        <p:spPr>
+          <a:xfrm>
+            <a:off x="4783612" y="2669040"/>
+            <a:ext cx="207417" cy="207417"/>
+          </a:xfrm>
+          <a:prstGeom prst="ellipse">
+            <a:avLst/>
+          </a:prstGeom>
+          <a:solidFill>
+            <a:schemeClr val="accent2">
+              <a:lumMod val="75000"/>
+            </a:schemeClr>
+          </a:solidFill>
+        </p:spPr>
+        <p:style>
+          <a:lnRef idx="2">
+            <a:schemeClr val="accent1">
+              <a:shade val="50000"/>
+            </a:schemeClr>
+          </a:lnRef>
+          <a:fillRef idx="1">
+            <a:schemeClr val="accent1"/>
+          </a:fillRef>
+          <a:effectRef idx="0">
+            <a:schemeClr val="accent1"/>
+          </a:effectRef>
+          <a:fontRef idx="minor">
+            <a:schemeClr val="lt1"/>
+          </a:fontRef>
+        </p:style>
+        <p:txBody>
+          <a:bodyPr rtlCol="0" anchor="ctr"/>
+          <a:lstStyle/>
+          <a:p>
+            <a:pPr algn="ctr"/>
+            <a:endParaRPr lang="ko-KR" altLang="en-US"/>
+          </a:p>
+        </p:txBody>
+      </p:sp>
+      <p:sp>
+        <p:nvSpPr>
+          <p:cNvPr id="4" name="타원 3">
+            <a:extLst>
+              <a:ext uri="{FF2B5EF4-FFF2-40B4-BE49-F238E27FC236}">
+                <a16:creationId xmlns:a16="http://schemas.microsoft.com/office/drawing/2014/main" id="{F902A007-CC98-431E-945D-CDB5A57D9B91}"/>
+              </a:ext>
+            </a:extLst>
+          </p:cNvPr>
+          <p:cNvSpPr/>
+          <p:nvPr/>
+        </p:nvSpPr>
+        <p:spPr>
+          <a:xfrm>
+            <a:off x="4390483" y="3127541"/>
+            <a:ext cx="207417" cy="207417"/>
+          </a:xfrm>
+          <a:prstGeom prst="ellipse">
+            <a:avLst/>
+          </a:prstGeom>
+        </p:spPr>
+        <p:style>
+          <a:lnRef idx="2">
+            <a:schemeClr val="accent1">
+              <a:shade val="50000"/>
+            </a:schemeClr>
+          </a:lnRef>
+          <a:fillRef idx="1">
+            <a:schemeClr val="accent1"/>
+          </a:fillRef>
+          <a:effectRef idx="0">
+            <a:schemeClr val="accent1"/>
+          </a:effectRef>
+          <a:fontRef idx="minor">
+            <a:schemeClr val="lt1"/>
+          </a:fontRef>
+        </p:style>
+        <p:txBody>
+          <a:bodyPr rtlCol="0" anchor="ctr"/>
+          <a:lstStyle/>
+          <a:p>
+            <a:pPr algn="ctr"/>
+            <a:endParaRPr lang="ko-KR" altLang="en-US"/>
+          </a:p>
+        </p:txBody>
+      </p:sp>
+      <p:sp>
+        <p:nvSpPr>
+          <p:cNvPr id="5" name="타원 4">
+            <a:extLst>
+              <a:ext uri="{FF2B5EF4-FFF2-40B4-BE49-F238E27FC236}">
+                <a16:creationId xmlns:a16="http://schemas.microsoft.com/office/drawing/2014/main" id="{A64A2047-E665-475E-B89C-BBC3F5F94170}"/>
+              </a:ext>
+            </a:extLst>
+          </p:cNvPr>
+          <p:cNvSpPr/>
+          <p:nvPr/>
+        </p:nvSpPr>
+        <p:spPr>
+          <a:xfrm>
+            <a:off x="4381360" y="2210541"/>
+            <a:ext cx="207417" cy="207417"/>
+          </a:xfrm>
+          <a:prstGeom prst="ellipse">
+            <a:avLst/>
+          </a:prstGeom>
+        </p:spPr>
+        <p:style>
+          <a:lnRef idx="2">
+            <a:schemeClr val="accent1">
+              <a:shade val="50000"/>
+            </a:schemeClr>
+          </a:lnRef>
+          <a:fillRef idx="1">
+            <a:schemeClr val="accent1"/>
+          </a:fillRef>
+          <a:effectRef idx="0">
+            <a:schemeClr val="accent1"/>
+          </a:effectRef>
+          <a:fontRef idx="minor">
+            <a:schemeClr val="lt1"/>
+          </a:fontRef>
+        </p:style>
+        <p:txBody>
+          <a:bodyPr rtlCol="0" anchor="ctr"/>
+          <a:lstStyle/>
+          <a:p>
+            <a:pPr algn="ctr"/>
+            <a:endParaRPr lang="ko-KR" altLang="en-US"/>
+          </a:p>
+        </p:txBody>
+      </p:sp>
+      <p:sp>
+        <p:nvSpPr>
+          <p:cNvPr id="6" name="타원 5">
+            <a:extLst>
+              <a:ext uri="{FF2B5EF4-FFF2-40B4-BE49-F238E27FC236}">
+                <a16:creationId xmlns:a16="http://schemas.microsoft.com/office/drawing/2014/main" id="{4F46E912-4CB1-47E0-BBFA-7503AD3791E0}"/>
+              </a:ext>
+            </a:extLst>
+          </p:cNvPr>
+          <p:cNvSpPr/>
+          <p:nvPr/>
+        </p:nvSpPr>
+        <p:spPr>
+          <a:xfrm>
+            <a:off x="3992006" y="2673421"/>
+            <a:ext cx="207417" cy="207417"/>
+          </a:xfrm>
+          <a:prstGeom prst="ellipse">
+            <a:avLst/>
+          </a:prstGeom>
+        </p:spPr>
+        <p:style>
+          <a:lnRef idx="2">
+            <a:schemeClr val="accent1">
+              <a:shade val="50000"/>
+            </a:schemeClr>
+          </a:lnRef>
+          <a:fillRef idx="1">
+            <a:schemeClr val="accent1"/>
+          </a:fillRef>
+          <a:effectRef idx="0">
+            <a:schemeClr val="accent1"/>
+          </a:effectRef>
+          <a:fontRef idx="minor">
+            <a:schemeClr val="lt1"/>
+          </a:fontRef>
+        </p:style>
+        <p:txBody>
+          <a:bodyPr rtlCol="0" anchor="ctr"/>
+          <a:lstStyle/>
+          <a:p>
+            <a:pPr algn="ctr"/>
+            <a:endParaRPr lang="ko-KR" altLang="en-US"/>
+          </a:p>
+        </p:txBody>
+      </p:sp>
+      <p:sp>
+        <p:nvSpPr>
+          <p:cNvPr id="7" name="TextBox 6">
+            <a:extLst>
+              <a:ext uri="{FF2B5EF4-FFF2-40B4-BE49-F238E27FC236}">
+                <a16:creationId xmlns:a16="http://schemas.microsoft.com/office/drawing/2014/main" id="{C1275BE1-70E5-43F9-9728-9929194BE0A7}"/>
+              </a:ext>
+            </a:extLst>
+          </p:cNvPr>
+          <p:cNvSpPr txBox="1"/>
+          <p:nvPr/>
+        </p:nvSpPr>
+        <p:spPr>
+          <a:xfrm>
+            <a:off x="5309743" y="2449584"/>
+            <a:ext cx="578840" cy="646331"/>
+          </a:xfrm>
+          <a:prstGeom prst="rect">
+            <a:avLst/>
+          </a:prstGeom>
+          <a:noFill/>
+        </p:spPr>
+        <p:txBody>
+          <a:bodyPr wrap="square" rtlCol="0">
+            <a:spAutoFit/>
+          </a:bodyPr>
+          <a:lstStyle/>
+          <a:p>
+            <a:r>
+              <a:rPr lang="en-US" altLang="ko-KR" sz="3600" dirty="0"/>
+              <a:t>Si</a:t>
+            </a:r>
+            <a:endParaRPr lang="ko-KR" altLang="en-US" sz="3600" dirty="0"/>
+          </a:p>
+        </p:txBody>
+      </p:sp>
+      <p:sp>
+        <p:nvSpPr>
+          <p:cNvPr id="8" name="타원 7">
+            <a:extLst>
+              <a:ext uri="{FF2B5EF4-FFF2-40B4-BE49-F238E27FC236}">
+                <a16:creationId xmlns:a16="http://schemas.microsoft.com/office/drawing/2014/main" id="{4BCDA703-055B-481E-B198-ABC128ABADDE}"/>
+              </a:ext>
+            </a:extLst>
+          </p:cNvPr>
+          <p:cNvSpPr/>
+          <p:nvPr/>
+        </p:nvSpPr>
+        <p:spPr>
+          <a:xfrm>
+            <a:off x="5490770" y="2210540"/>
+            <a:ext cx="207417" cy="207417"/>
+          </a:xfrm>
+          <a:prstGeom prst="ellipse">
+            <a:avLst/>
+          </a:prstGeom>
+        </p:spPr>
+        <p:style>
+          <a:lnRef idx="2">
+            <a:schemeClr val="accent1">
+              <a:shade val="50000"/>
+            </a:schemeClr>
+          </a:lnRef>
+          <a:fillRef idx="1">
+            <a:schemeClr val="accent1"/>
+          </a:fillRef>
+          <a:effectRef idx="0">
+            <a:schemeClr val="accent1"/>
+          </a:effectRef>
+          <a:fontRef idx="minor">
+            <a:schemeClr val="lt1"/>
+          </a:fontRef>
+        </p:style>
+        <p:txBody>
+          <a:bodyPr rtlCol="0" anchor="ctr"/>
+          <a:lstStyle/>
+          <a:p>
+            <a:pPr algn="ctr"/>
+            <a:endParaRPr lang="ko-KR" altLang="en-US"/>
+          </a:p>
+        </p:txBody>
+      </p:sp>
+      <p:sp>
+        <p:nvSpPr>
+          <p:cNvPr id="9" name="타원 8">
+            <a:extLst>
+              <a:ext uri="{FF2B5EF4-FFF2-40B4-BE49-F238E27FC236}">
+                <a16:creationId xmlns:a16="http://schemas.microsoft.com/office/drawing/2014/main" id="{9258D860-2974-48C3-9437-B2FA749A24B9}"/>
+              </a:ext>
+            </a:extLst>
+          </p:cNvPr>
+          <p:cNvSpPr/>
+          <p:nvPr/>
+        </p:nvSpPr>
+        <p:spPr>
+          <a:xfrm>
+            <a:off x="5888583" y="2669040"/>
+            <a:ext cx="207417" cy="207417"/>
+          </a:xfrm>
+          <a:prstGeom prst="ellipse">
+            <a:avLst/>
+          </a:prstGeom>
+        </p:spPr>
+        <p:style>
+          <a:lnRef idx="2">
+            <a:schemeClr val="accent1">
+              <a:shade val="50000"/>
+            </a:schemeClr>
+          </a:lnRef>
+          <a:fillRef idx="1">
+            <a:schemeClr val="accent1"/>
+          </a:fillRef>
+          <a:effectRef idx="0">
+            <a:schemeClr val="accent1"/>
+          </a:effectRef>
+          <a:fontRef idx="minor">
+            <a:schemeClr val="lt1"/>
+          </a:fontRef>
+        </p:style>
+        <p:txBody>
+          <a:bodyPr rtlCol="0" anchor="ctr"/>
+          <a:lstStyle/>
+          <a:p>
+            <a:pPr algn="ctr"/>
+            <a:endParaRPr lang="ko-KR" altLang="en-US"/>
+          </a:p>
+        </p:txBody>
+      </p:sp>
+      <p:sp>
+        <p:nvSpPr>
+          <p:cNvPr id="10" name="타원 9">
+            <a:extLst>
+              <a:ext uri="{FF2B5EF4-FFF2-40B4-BE49-F238E27FC236}">
+                <a16:creationId xmlns:a16="http://schemas.microsoft.com/office/drawing/2014/main" id="{03DF63AD-0139-4F60-88D2-C4589BB128D8}"/>
+              </a:ext>
+            </a:extLst>
+          </p:cNvPr>
+          <p:cNvSpPr/>
+          <p:nvPr/>
+        </p:nvSpPr>
+        <p:spPr>
+          <a:xfrm>
+            <a:off x="5495454" y="3127541"/>
+            <a:ext cx="207417" cy="207417"/>
+          </a:xfrm>
+          <a:prstGeom prst="ellipse">
+            <a:avLst/>
+          </a:prstGeom>
+        </p:spPr>
+        <p:style>
+          <a:lnRef idx="2">
+            <a:schemeClr val="accent1">
+              <a:shade val="50000"/>
+            </a:schemeClr>
+          </a:lnRef>
+          <a:fillRef idx="1">
+            <a:schemeClr val="accent1"/>
+          </a:fillRef>
+          <a:effectRef idx="0">
+            <a:schemeClr val="accent1"/>
+          </a:effectRef>
+          <a:fontRef idx="minor">
+            <a:schemeClr val="lt1"/>
+          </a:fontRef>
+        </p:style>
+        <p:txBody>
+          <a:bodyPr rtlCol="0" anchor="ctr"/>
+          <a:lstStyle/>
+          <a:p>
+            <a:pPr algn="ctr"/>
+            <a:endParaRPr lang="ko-KR" altLang="en-US"/>
+          </a:p>
+        </p:txBody>
+      </p:sp>
+      <p:sp>
+        <p:nvSpPr>
+          <p:cNvPr id="11" name="타원 10">
+            <a:extLst>
+              <a:ext uri="{FF2B5EF4-FFF2-40B4-BE49-F238E27FC236}">
+                <a16:creationId xmlns:a16="http://schemas.microsoft.com/office/drawing/2014/main" id="{E63C767D-7DB6-4D50-9EFF-A140822040D0}"/>
+              </a:ext>
+            </a:extLst>
+          </p:cNvPr>
+          <p:cNvSpPr/>
+          <p:nvPr/>
+        </p:nvSpPr>
+        <p:spPr>
+          <a:xfrm>
+            <a:off x="5096977" y="2673421"/>
+            <a:ext cx="207417" cy="207417"/>
+          </a:xfrm>
+          <a:prstGeom prst="ellipse">
+            <a:avLst/>
+          </a:prstGeom>
+        </p:spPr>
+        <p:style>
+          <a:lnRef idx="2">
+            <a:schemeClr val="accent1">
+              <a:shade val="50000"/>
+            </a:schemeClr>
+          </a:lnRef>
+          <a:fillRef idx="1">
+            <a:schemeClr val="accent1"/>
+          </a:fillRef>
+          <a:effectRef idx="0">
+            <a:schemeClr val="accent1"/>
+          </a:effectRef>
+          <a:fontRef idx="minor">
+            <a:schemeClr val="lt1"/>
+          </a:fontRef>
+        </p:style>
+        <p:txBody>
+          <a:bodyPr rtlCol="0" anchor="ctr"/>
+          <a:lstStyle/>
+          <a:p>
+            <a:pPr algn="ctr"/>
+            <a:endParaRPr lang="ko-KR" altLang="en-US"/>
+          </a:p>
+        </p:txBody>
+      </p:sp>
+      <p:sp>
+        <p:nvSpPr>
+          <p:cNvPr id="12" name="TextBox 11">
+            <a:extLst>
+              <a:ext uri="{FF2B5EF4-FFF2-40B4-BE49-F238E27FC236}">
+                <a16:creationId xmlns:a16="http://schemas.microsoft.com/office/drawing/2014/main" id="{6F604249-DCB7-4463-A48F-713A9C8280B3}"/>
+              </a:ext>
+            </a:extLst>
+          </p:cNvPr>
+          <p:cNvSpPr txBox="1"/>
+          <p:nvPr/>
+        </p:nvSpPr>
+        <p:spPr>
+          <a:xfrm>
+            <a:off x="4204772" y="3730460"/>
+            <a:ext cx="578840" cy="646331"/>
+          </a:xfrm>
+          <a:prstGeom prst="rect">
+            <a:avLst/>
+          </a:prstGeom>
+          <a:noFill/>
+        </p:spPr>
+        <p:txBody>
+          <a:bodyPr wrap="square" rtlCol="0">
+            <a:spAutoFit/>
+          </a:bodyPr>
+          <a:lstStyle/>
+          <a:p>
+            <a:r>
+              <a:rPr lang="en-US" altLang="ko-KR" sz="3600" dirty="0"/>
+              <a:t>Si</a:t>
+            </a:r>
+            <a:endParaRPr lang="ko-KR" altLang="en-US" sz="3600" dirty="0"/>
+          </a:p>
+        </p:txBody>
+      </p:sp>
+      <p:sp>
+        <p:nvSpPr>
+          <p:cNvPr id="13" name="타원 12">
+            <a:extLst>
+              <a:ext uri="{FF2B5EF4-FFF2-40B4-BE49-F238E27FC236}">
+                <a16:creationId xmlns:a16="http://schemas.microsoft.com/office/drawing/2014/main" id="{D8649DF7-F9A5-4E78-9A38-F48236F8C8A8}"/>
+              </a:ext>
+            </a:extLst>
+          </p:cNvPr>
+          <p:cNvSpPr/>
+          <p:nvPr/>
+        </p:nvSpPr>
+        <p:spPr>
+          <a:xfrm>
+            <a:off x="4390483" y="3523043"/>
+            <a:ext cx="207417" cy="207417"/>
+          </a:xfrm>
+          <a:prstGeom prst="ellipse">
+            <a:avLst/>
+          </a:prstGeom>
+        </p:spPr>
+        <p:style>
+          <a:lnRef idx="2">
+            <a:schemeClr val="accent1">
+              <a:shade val="50000"/>
+            </a:schemeClr>
+          </a:lnRef>
+          <a:fillRef idx="1">
+            <a:schemeClr val="accent1"/>
+          </a:fillRef>
+          <a:effectRef idx="0">
+            <a:schemeClr val="accent1"/>
+          </a:effectRef>
+          <a:fontRef idx="minor">
+            <a:schemeClr val="lt1"/>
+          </a:fontRef>
+        </p:style>
+        <p:txBody>
+          <a:bodyPr rtlCol="0" anchor="ctr"/>
+          <a:lstStyle/>
+          <a:p>
+            <a:pPr algn="ctr"/>
+            <a:endParaRPr lang="ko-KR" altLang="en-US"/>
+          </a:p>
+        </p:txBody>
+      </p:sp>
+      <p:sp>
+        <p:nvSpPr>
+          <p:cNvPr id="14" name="타원 13">
+            <a:extLst>
+              <a:ext uri="{FF2B5EF4-FFF2-40B4-BE49-F238E27FC236}">
+                <a16:creationId xmlns:a16="http://schemas.microsoft.com/office/drawing/2014/main" id="{7E88C101-F3B1-41C7-950D-75916655F871}"/>
+              </a:ext>
+            </a:extLst>
+          </p:cNvPr>
+          <p:cNvSpPr/>
+          <p:nvPr/>
+        </p:nvSpPr>
+        <p:spPr>
+          <a:xfrm>
+            <a:off x="4783612" y="3937877"/>
+            <a:ext cx="207417" cy="207417"/>
+          </a:xfrm>
+          <a:prstGeom prst="ellipse">
+            <a:avLst/>
+          </a:prstGeom>
+        </p:spPr>
+        <p:style>
+          <a:lnRef idx="2">
+            <a:schemeClr val="accent1">
+              <a:shade val="50000"/>
+            </a:schemeClr>
+          </a:lnRef>
+          <a:fillRef idx="1">
+            <a:schemeClr val="accent1"/>
+          </a:fillRef>
+          <a:effectRef idx="0">
+            <a:schemeClr val="accent1"/>
+          </a:effectRef>
+          <a:fontRef idx="minor">
+            <a:schemeClr val="lt1"/>
+          </a:fontRef>
+        </p:style>
+        <p:txBody>
+          <a:bodyPr rtlCol="0" anchor="ctr"/>
+          <a:lstStyle/>
+          <a:p>
+            <a:pPr algn="ctr"/>
+            <a:endParaRPr lang="ko-KR" altLang="en-US"/>
+          </a:p>
+        </p:txBody>
+      </p:sp>
+      <p:sp>
+        <p:nvSpPr>
+          <p:cNvPr id="15" name="타원 14">
+            <a:extLst>
+              <a:ext uri="{FF2B5EF4-FFF2-40B4-BE49-F238E27FC236}">
+                <a16:creationId xmlns:a16="http://schemas.microsoft.com/office/drawing/2014/main" id="{7224B5A3-45D2-40B9-9784-B0C2BE7F5655}"/>
+              </a:ext>
+            </a:extLst>
+          </p:cNvPr>
+          <p:cNvSpPr/>
+          <p:nvPr/>
+        </p:nvSpPr>
+        <p:spPr>
+          <a:xfrm>
+            <a:off x="4390483" y="4396378"/>
+            <a:ext cx="207417" cy="207417"/>
+          </a:xfrm>
+          <a:prstGeom prst="ellipse">
+            <a:avLst/>
+          </a:prstGeom>
+        </p:spPr>
+        <p:style>
+          <a:lnRef idx="2">
+            <a:schemeClr val="accent1">
+              <a:shade val="50000"/>
+            </a:schemeClr>
+          </a:lnRef>
+          <a:fillRef idx="1">
+            <a:schemeClr val="accent1"/>
+          </a:fillRef>
+          <a:effectRef idx="0">
+            <a:schemeClr val="accent1"/>
+          </a:effectRef>
+          <a:fontRef idx="minor">
+            <a:schemeClr val="lt1"/>
+          </a:fontRef>
+        </p:style>
+        <p:txBody>
+          <a:bodyPr rtlCol="0" anchor="ctr"/>
+          <a:lstStyle/>
+          <a:p>
+            <a:pPr algn="ctr"/>
+            <a:endParaRPr lang="ko-KR" altLang="en-US"/>
+          </a:p>
+        </p:txBody>
+      </p:sp>
+      <p:sp>
+        <p:nvSpPr>
+          <p:cNvPr id="16" name="타원 15">
+            <a:extLst>
+              <a:ext uri="{FF2B5EF4-FFF2-40B4-BE49-F238E27FC236}">
+                <a16:creationId xmlns:a16="http://schemas.microsoft.com/office/drawing/2014/main" id="{A986F788-1D08-4EF0-AB8E-1C25FCEDE779}"/>
+              </a:ext>
+            </a:extLst>
+          </p:cNvPr>
+          <p:cNvSpPr/>
+          <p:nvPr/>
+        </p:nvSpPr>
+        <p:spPr>
+          <a:xfrm>
+            <a:off x="3992006" y="3942258"/>
+            <a:ext cx="207417" cy="207417"/>
+          </a:xfrm>
+          <a:prstGeom prst="ellipse">
+            <a:avLst/>
+          </a:prstGeom>
+        </p:spPr>
+        <p:style>
+          <a:lnRef idx="2">
+            <a:schemeClr val="accent1">
+              <a:shade val="50000"/>
+            </a:schemeClr>
+          </a:lnRef>
+          <a:fillRef idx="1">
+            <a:schemeClr val="accent1"/>
+          </a:fillRef>
+          <a:effectRef idx="0">
+            <a:schemeClr val="accent1"/>
+          </a:effectRef>
+          <a:fontRef idx="minor">
+            <a:schemeClr val="lt1"/>
+          </a:fontRef>
+        </p:style>
+        <p:txBody>
+          <a:bodyPr rtlCol="0" anchor="ctr"/>
+          <a:lstStyle/>
+          <a:p>
+            <a:pPr algn="ctr"/>
+            <a:endParaRPr lang="ko-KR" altLang="en-US"/>
+          </a:p>
+        </p:txBody>
+      </p:sp>
+      <p:sp>
+        <p:nvSpPr>
+          <p:cNvPr id="17" name="TextBox 16">
+            <a:extLst>
+              <a:ext uri="{FF2B5EF4-FFF2-40B4-BE49-F238E27FC236}">
+                <a16:creationId xmlns:a16="http://schemas.microsoft.com/office/drawing/2014/main" id="{E8E4250C-FC21-45D6-BABB-39C6F40F1115}"/>
+              </a:ext>
+            </a:extLst>
+          </p:cNvPr>
+          <p:cNvSpPr txBox="1"/>
+          <p:nvPr/>
+        </p:nvSpPr>
+        <p:spPr>
+          <a:xfrm>
+            <a:off x="3072747" y="2461623"/>
+            <a:ext cx="578840" cy="646331"/>
+          </a:xfrm>
+          <a:prstGeom prst="rect">
+            <a:avLst/>
+          </a:prstGeom>
+          <a:noFill/>
+        </p:spPr>
+        <p:txBody>
+          <a:bodyPr wrap="square" rtlCol="0">
+            <a:spAutoFit/>
+          </a:bodyPr>
+          <a:lstStyle/>
+          <a:p>
+            <a:r>
+              <a:rPr lang="en-US" altLang="ko-KR" sz="3600" dirty="0"/>
+              <a:t>Si</a:t>
+            </a:r>
+            <a:endParaRPr lang="ko-KR" altLang="en-US" sz="3600" dirty="0"/>
+          </a:p>
+        </p:txBody>
+      </p:sp>
+      <p:sp>
+        <p:nvSpPr>
+          <p:cNvPr id="18" name="타원 17">
+            <a:extLst>
+              <a:ext uri="{FF2B5EF4-FFF2-40B4-BE49-F238E27FC236}">
+                <a16:creationId xmlns:a16="http://schemas.microsoft.com/office/drawing/2014/main" id="{391F1340-065E-4B75-B882-B64C596CB8CF}"/>
+              </a:ext>
+            </a:extLst>
+          </p:cNvPr>
+          <p:cNvSpPr/>
+          <p:nvPr/>
+        </p:nvSpPr>
+        <p:spPr>
+          <a:xfrm>
+            <a:off x="3258458" y="2254206"/>
+            <a:ext cx="207417" cy="207417"/>
+          </a:xfrm>
+          <a:prstGeom prst="ellipse">
+            <a:avLst/>
+          </a:prstGeom>
+        </p:spPr>
+        <p:style>
+          <a:lnRef idx="2">
+            <a:schemeClr val="accent1">
+              <a:shade val="50000"/>
+            </a:schemeClr>
+          </a:lnRef>
+          <a:fillRef idx="1">
+            <a:schemeClr val="accent1"/>
+          </a:fillRef>
+          <a:effectRef idx="0">
+            <a:schemeClr val="accent1"/>
+          </a:effectRef>
+          <a:fontRef idx="minor">
+            <a:schemeClr val="lt1"/>
+          </a:fontRef>
+        </p:style>
+        <p:txBody>
+          <a:bodyPr rtlCol="0" anchor="ctr"/>
+          <a:lstStyle/>
+          <a:p>
+            <a:pPr algn="ctr"/>
+            <a:endParaRPr lang="ko-KR" altLang="en-US"/>
+          </a:p>
+        </p:txBody>
+      </p:sp>
+      <p:sp>
+        <p:nvSpPr>
+          <p:cNvPr id="19" name="타원 18">
+            <a:extLst>
+              <a:ext uri="{FF2B5EF4-FFF2-40B4-BE49-F238E27FC236}">
+                <a16:creationId xmlns:a16="http://schemas.microsoft.com/office/drawing/2014/main" id="{7DAA7A97-5044-4756-AC6F-28642B03CB17}"/>
+              </a:ext>
+            </a:extLst>
+          </p:cNvPr>
+          <p:cNvSpPr/>
+          <p:nvPr/>
+        </p:nvSpPr>
+        <p:spPr>
+          <a:xfrm>
+            <a:off x="3651587" y="2669040"/>
+            <a:ext cx="207417" cy="207417"/>
+          </a:xfrm>
+          <a:prstGeom prst="ellipse">
+            <a:avLst/>
+          </a:prstGeom>
+        </p:spPr>
+        <p:style>
+          <a:lnRef idx="2">
+            <a:schemeClr val="accent1">
+              <a:shade val="50000"/>
+            </a:schemeClr>
+          </a:lnRef>
+          <a:fillRef idx="1">
+            <a:schemeClr val="accent1"/>
+          </a:fillRef>
+          <a:effectRef idx="0">
+            <a:schemeClr val="accent1"/>
+          </a:effectRef>
+          <a:fontRef idx="minor">
+            <a:schemeClr val="lt1"/>
+          </a:fontRef>
+        </p:style>
+        <p:txBody>
+          <a:bodyPr rtlCol="0" anchor="ctr"/>
+          <a:lstStyle/>
+          <a:p>
+            <a:pPr algn="ctr"/>
+            <a:endParaRPr lang="ko-KR" altLang="en-US"/>
+          </a:p>
+        </p:txBody>
+      </p:sp>
+      <p:sp>
+        <p:nvSpPr>
+          <p:cNvPr id="20" name="타원 19">
+            <a:extLst>
+              <a:ext uri="{FF2B5EF4-FFF2-40B4-BE49-F238E27FC236}">
+                <a16:creationId xmlns:a16="http://schemas.microsoft.com/office/drawing/2014/main" id="{040FC40F-4FE8-4DD1-AA35-28ADC1B5654B}"/>
+              </a:ext>
+            </a:extLst>
+          </p:cNvPr>
+          <p:cNvSpPr/>
+          <p:nvPr/>
+        </p:nvSpPr>
+        <p:spPr>
+          <a:xfrm>
+            <a:off x="3258458" y="3127541"/>
+            <a:ext cx="207417" cy="207417"/>
+          </a:xfrm>
+          <a:prstGeom prst="ellipse">
+            <a:avLst/>
+          </a:prstGeom>
+        </p:spPr>
+        <p:style>
+          <a:lnRef idx="2">
+            <a:schemeClr val="accent1">
+              <a:shade val="50000"/>
+            </a:schemeClr>
+          </a:lnRef>
+          <a:fillRef idx="1">
+            <a:schemeClr val="accent1"/>
+          </a:fillRef>
+          <a:effectRef idx="0">
+            <a:schemeClr val="accent1"/>
+          </a:effectRef>
+          <a:fontRef idx="minor">
+            <a:schemeClr val="lt1"/>
+          </a:fontRef>
+        </p:style>
+        <p:txBody>
+          <a:bodyPr rtlCol="0" anchor="ctr"/>
+          <a:lstStyle/>
+          <a:p>
+            <a:pPr algn="ctr"/>
+            <a:endParaRPr lang="ko-KR" altLang="en-US"/>
+          </a:p>
+        </p:txBody>
+      </p:sp>
+      <p:sp>
+        <p:nvSpPr>
+          <p:cNvPr id="21" name="타원 20">
+            <a:extLst>
+              <a:ext uri="{FF2B5EF4-FFF2-40B4-BE49-F238E27FC236}">
+                <a16:creationId xmlns:a16="http://schemas.microsoft.com/office/drawing/2014/main" id="{24F4ACE6-6FD5-4C36-A6F2-60A6DC8E3F10}"/>
+              </a:ext>
+            </a:extLst>
+          </p:cNvPr>
+          <p:cNvSpPr/>
+          <p:nvPr/>
+        </p:nvSpPr>
+        <p:spPr>
+          <a:xfrm>
+            <a:off x="2859981" y="2673421"/>
+            <a:ext cx="207417" cy="207417"/>
+          </a:xfrm>
+          <a:prstGeom prst="ellipse">
+            <a:avLst/>
+          </a:prstGeom>
+        </p:spPr>
+        <p:style>
+          <a:lnRef idx="2">
+            <a:schemeClr val="accent1">
+              <a:shade val="50000"/>
+            </a:schemeClr>
+          </a:lnRef>
+          <a:fillRef idx="1">
+            <a:schemeClr val="accent1"/>
+          </a:fillRef>
+          <a:effectRef idx="0">
+            <a:schemeClr val="accent1"/>
+          </a:effectRef>
+          <a:fontRef idx="minor">
+            <a:schemeClr val="lt1"/>
+          </a:fontRef>
+        </p:style>
+        <p:txBody>
+          <a:bodyPr rtlCol="0" anchor="ctr"/>
+          <a:lstStyle/>
+          <a:p>
+            <a:pPr algn="ctr"/>
+            <a:endParaRPr lang="ko-KR" altLang="en-US"/>
+          </a:p>
+        </p:txBody>
+      </p:sp>
+      <p:sp>
+        <p:nvSpPr>
+          <p:cNvPr id="22" name="TextBox 21">
+            <a:extLst>
+              <a:ext uri="{FF2B5EF4-FFF2-40B4-BE49-F238E27FC236}">
+                <a16:creationId xmlns:a16="http://schemas.microsoft.com/office/drawing/2014/main" id="{5ADA32AE-1630-4F9C-B441-A1E9B0A7641F}"/>
+              </a:ext>
+            </a:extLst>
+          </p:cNvPr>
+          <p:cNvSpPr txBox="1"/>
+          <p:nvPr/>
+        </p:nvSpPr>
+        <p:spPr>
+          <a:xfrm>
+            <a:off x="4195649" y="1239516"/>
+            <a:ext cx="578840" cy="646331"/>
+          </a:xfrm>
+          <a:prstGeom prst="rect">
+            <a:avLst/>
+          </a:prstGeom>
+          <a:noFill/>
+        </p:spPr>
+        <p:txBody>
+          <a:bodyPr wrap="square" rtlCol="0">
+            <a:spAutoFit/>
+          </a:bodyPr>
+          <a:lstStyle/>
+          <a:p>
+            <a:r>
+              <a:rPr lang="en-US" altLang="ko-KR" sz="3600" dirty="0"/>
+              <a:t>Si</a:t>
+            </a:r>
+            <a:endParaRPr lang="ko-KR" altLang="en-US" sz="3600" dirty="0"/>
+          </a:p>
+        </p:txBody>
+      </p:sp>
+      <p:sp>
+        <p:nvSpPr>
+          <p:cNvPr id="23" name="타원 22">
+            <a:extLst>
+              <a:ext uri="{FF2B5EF4-FFF2-40B4-BE49-F238E27FC236}">
+                <a16:creationId xmlns:a16="http://schemas.microsoft.com/office/drawing/2014/main" id="{A0FD6DBE-E4C7-4AED-8539-9AF499A07863}"/>
+              </a:ext>
+            </a:extLst>
+          </p:cNvPr>
+          <p:cNvSpPr/>
+          <p:nvPr/>
+        </p:nvSpPr>
+        <p:spPr>
+          <a:xfrm>
+            <a:off x="4381360" y="1032099"/>
+            <a:ext cx="207417" cy="207417"/>
+          </a:xfrm>
+          <a:prstGeom prst="ellipse">
+            <a:avLst/>
+          </a:prstGeom>
+        </p:spPr>
+        <p:style>
+          <a:lnRef idx="2">
+            <a:schemeClr val="accent1">
+              <a:shade val="50000"/>
+            </a:schemeClr>
+          </a:lnRef>
+          <a:fillRef idx="1">
+            <a:schemeClr val="accent1"/>
+          </a:fillRef>
+          <a:effectRef idx="0">
+            <a:schemeClr val="accent1"/>
+          </a:effectRef>
+          <a:fontRef idx="minor">
+            <a:schemeClr val="lt1"/>
+          </a:fontRef>
+        </p:style>
+        <p:txBody>
+          <a:bodyPr rtlCol="0" anchor="ctr"/>
+          <a:lstStyle/>
+          <a:p>
+            <a:pPr algn="ctr"/>
+            <a:endParaRPr lang="ko-KR" altLang="en-US"/>
+          </a:p>
+        </p:txBody>
+      </p:sp>
+      <p:sp>
+        <p:nvSpPr>
+          <p:cNvPr id="24" name="타원 23">
+            <a:extLst>
+              <a:ext uri="{FF2B5EF4-FFF2-40B4-BE49-F238E27FC236}">
+                <a16:creationId xmlns:a16="http://schemas.microsoft.com/office/drawing/2014/main" id="{DC03DEF6-5A43-49AA-B1C3-C89C3FD370EC}"/>
+              </a:ext>
+            </a:extLst>
+          </p:cNvPr>
+          <p:cNvSpPr/>
+          <p:nvPr/>
+        </p:nvSpPr>
+        <p:spPr>
+          <a:xfrm>
+            <a:off x="4774489" y="1446933"/>
+            <a:ext cx="207417" cy="207417"/>
+          </a:xfrm>
+          <a:prstGeom prst="ellipse">
+            <a:avLst/>
+          </a:prstGeom>
+        </p:spPr>
+        <p:style>
+          <a:lnRef idx="2">
+            <a:schemeClr val="accent1">
+              <a:shade val="50000"/>
+            </a:schemeClr>
+          </a:lnRef>
+          <a:fillRef idx="1">
+            <a:schemeClr val="accent1"/>
+          </a:fillRef>
+          <a:effectRef idx="0">
+            <a:schemeClr val="accent1"/>
+          </a:effectRef>
+          <a:fontRef idx="minor">
+            <a:schemeClr val="lt1"/>
+          </a:fontRef>
+        </p:style>
+        <p:txBody>
+          <a:bodyPr rtlCol="0" anchor="ctr"/>
+          <a:lstStyle/>
+          <a:p>
+            <a:pPr algn="ctr"/>
+            <a:endParaRPr lang="ko-KR" altLang="en-US"/>
+          </a:p>
+        </p:txBody>
+      </p:sp>
+      <p:sp>
+        <p:nvSpPr>
+          <p:cNvPr id="25" name="타원 24">
+            <a:extLst>
+              <a:ext uri="{FF2B5EF4-FFF2-40B4-BE49-F238E27FC236}">
+                <a16:creationId xmlns:a16="http://schemas.microsoft.com/office/drawing/2014/main" id="{140071A4-7F72-483A-8E89-E0FC8996A122}"/>
+              </a:ext>
+            </a:extLst>
+          </p:cNvPr>
+          <p:cNvSpPr/>
+          <p:nvPr/>
+        </p:nvSpPr>
+        <p:spPr>
+          <a:xfrm>
+            <a:off x="4381360" y="1905434"/>
+            <a:ext cx="207417" cy="207417"/>
+          </a:xfrm>
+          <a:prstGeom prst="ellipse">
+            <a:avLst/>
+          </a:prstGeom>
+        </p:spPr>
+        <p:style>
+          <a:lnRef idx="2">
+            <a:schemeClr val="accent1">
+              <a:shade val="50000"/>
+            </a:schemeClr>
+          </a:lnRef>
+          <a:fillRef idx="1">
+            <a:schemeClr val="accent1"/>
+          </a:fillRef>
+          <a:effectRef idx="0">
+            <a:schemeClr val="accent1"/>
+          </a:effectRef>
+          <a:fontRef idx="minor">
+            <a:schemeClr val="lt1"/>
+          </a:fontRef>
+        </p:style>
+        <p:txBody>
+          <a:bodyPr rtlCol="0" anchor="ctr"/>
+          <a:lstStyle/>
+          <a:p>
+            <a:pPr algn="ctr"/>
+            <a:endParaRPr lang="ko-KR" altLang="en-US"/>
+          </a:p>
+        </p:txBody>
+      </p:sp>
+      <p:sp>
+        <p:nvSpPr>
+          <p:cNvPr id="26" name="타원 25">
+            <a:extLst>
+              <a:ext uri="{FF2B5EF4-FFF2-40B4-BE49-F238E27FC236}">
+                <a16:creationId xmlns:a16="http://schemas.microsoft.com/office/drawing/2014/main" id="{DB9AFD42-C043-47B7-BD43-977AA2B984D2}"/>
+              </a:ext>
+            </a:extLst>
+          </p:cNvPr>
+          <p:cNvSpPr/>
+          <p:nvPr/>
+        </p:nvSpPr>
+        <p:spPr>
+          <a:xfrm>
+            <a:off x="3982883" y="1451314"/>
+            <a:ext cx="207417" cy="207417"/>
+          </a:xfrm>
+          <a:prstGeom prst="ellipse">
+            <a:avLst/>
+          </a:prstGeom>
+        </p:spPr>
+        <p:style>
+          <a:lnRef idx="2">
+            <a:schemeClr val="accent1">
+              <a:shade val="50000"/>
+            </a:schemeClr>
+          </a:lnRef>
+          <a:fillRef idx="1">
+            <a:schemeClr val="accent1"/>
+          </a:fillRef>
+          <a:effectRef idx="0">
+            <a:schemeClr val="accent1"/>
+          </a:effectRef>
+          <a:fontRef idx="minor">
+            <a:schemeClr val="lt1"/>
+          </a:fontRef>
+        </p:style>
+        <p:txBody>
+          <a:bodyPr rtlCol="0" anchor="ctr"/>
+          <a:lstStyle/>
+          <a:p>
+            <a:pPr algn="ctr"/>
+            <a:endParaRPr lang="ko-KR" altLang="en-US"/>
+          </a:p>
+        </p:txBody>
+      </p:sp>
+      <p:sp>
+        <p:nvSpPr>
+          <p:cNvPr id="27" name="타원 26">
+            <a:extLst>
+              <a:ext uri="{FF2B5EF4-FFF2-40B4-BE49-F238E27FC236}">
+                <a16:creationId xmlns:a16="http://schemas.microsoft.com/office/drawing/2014/main" id="{1DD46A25-A3A3-4DEB-A55A-796281BF2A9D}"/>
+              </a:ext>
+            </a:extLst>
+          </p:cNvPr>
+          <p:cNvSpPr/>
+          <p:nvPr/>
+        </p:nvSpPr>
+        <p:spPr>
+          <a:xfrm>
+            <a:off x="3525295" y="1843086"/>
+            <a:ext cx="1906055" cy="1906055"/>
+          </a:xfrm>
+          <a:prstGeom prst="ellipse">
+            <a:avLst/>
+          </a:prstGeom>
+          <a:noFill/>
+          <a:ln w="57150">
+            <a:solidFill>
+              <a:srgbClr val="FF0000"/>
+            </a:solidFill>
+          </a:ln>
+        </p:spPr>
+        <p:style>
+          <a:lnRef idx="2">
+            <a:schemeClr val="accent1">
+              <a:shade val="50000"/>
+            </a:schemeClr>
+          </a:lnRef>
+          <a:fillRef idx="1">
+            <a:schemeClr val="accent1"/>
+          </a:fillRef>
+          <a:effectRef idx="0">
+            <a:schemeClr val="accent1"/>
+          </a:effectRef>
+          <a:fontRef idx="minor">
+            <a:schemeClr val="lt1"/>
+          </a:fontRef>
+        </p:style>
+        <p:txBody>
+          <a:bodyPr rtlCol="0" anchor="ctr"/>
+          <a:lstStyle/>
+          <a:p>
+            <a:pPr algn="ctr"/>
+            <a:endParaRPr lang="ko-KR" altLang="en-US"/>
+          </a:p>
+        </p:txBody>
+      </p:sp>
+      <p:sp>
+        <p:nvSpPr>
+          <p:cNvPr id="29" name="TextBox 28">
+            <a:extLst>
+              <a:ext uri="{FF2B5EF4-FFF2-40B4-BE49-F238E27FC236}">
+                <a16:creationId xmlns:a16="http://schemas.microsoft.com/office/drawing/2014/main" id="{62CB6CC2-F299-43B3-B9E8-EA145324B5E6}"/>
+              </a:ext>
+            </a:extLst>
+          </p:cNvPr>
+          <p:cNvSpPr txBox="1"/>
+          <p:nvPr/>
+        </p:nvSpPr>
+        <p:spPr>
+          <a:xfrm>
+            <a:off x="5345823" y="1672058"/>
+            <a:ext cx="1189749" cy="369332"/>
+          </a:xfrm>
+          <a:prstGeom prst="rect">
+            <a:avLst/>
+          </a:prstGeom>
+          <a:noFill/>
+        </p:spPr>
+        <p:txBody>
+          <a:bodyPr wrap="none" rtlCol="0">
+            <a:spAutoFit/>
+          </a:bodyPr>
+          <a:lstStyle/>
+          <a:p>
+            <a:r>
+              <a:rPr lang="ko-KR" altLang="en-US" dirty="0"/>
+              <a:t>잉여 양공</a:t>
+            </a:r>
+          </a:p>
+        </p:txBody>
+      </p:sp>
+      <p:cxnSp>
+        <p:nvCxnSpPr>
+          <p:cNvPr id="31" name="직선 화살표 연결선 30">
+            <a:extLst>
+              <a:ext uri="{FF2B5EF4-FFF2-40B4-BE49-F238E27FC236}">
+                <a16:creationId xmlns:a16="http://schemas.microsoft.com/office/drawing/2014/main" id="{CAADBD4B-AF93-46B8-9B2F-F9F775051E83}"/>
+              </a:ext>
+            </a:extLst>
+          </p:cNvPr>
+          <p:cNvCxnSpPr>
+            <a:cxnSpLocks/>
+          </p:cNvCxnSpPr>
+          <p:nvPr/>
+        </p:nvCxnSpPr>
+        <p:spPr>
+          <a:xfrm flipV="1">
+            <a:off x="4940184" y="1905434"/>
+            <a:ext cx="550586" cy="696878"/>
+          </a:xfrm>
+          <a:prstGeom prst="straightConnector1">
+            <a:avLst/>
+          </a:prstGeom>
+          <a:ln>
+            <a:tailEnd type="triangle"/>
+          </a:ln>
+        </p:spPr>
+        <p:style>
+          <a:lnRef idx="1">
+            <a:schemeClr val="accent1"/>
+          </a:lnRef>
+          <a:fillRef idx="0">
+            <a:schemeClr val="accent1"/>
+          </a:fillRef>
+          <a:effectRef idx="0">
+            <a:schemeClr val="accent1"/>
+          </a:effectRef>
+          <a:fontRef idx="minor">
+            <a:schemeClr val="tx1"/>
+          </a:fontRef>
+        </p:style>
+      </p:cxnSp>
+    </p:spTree>
+    <p:extLst>
+      <p:ext uri="{BB962C8B-B14F-4D97-AF65-F5344CB8AC3E}">
+        <p14:creationId xmlns:p14="http://schemas.microsoft.com/office/powerpoint/2010/main" val="3774066761"/>
       </p:ext>
     </p:extLst>
   </p:cSld>

--- a/images/elec_circuit_image.pptx
+++ b/images/elec_circuit_image.pptx
@@ -18,6 +18,11 @@
     <p:sldId id="266" r:id="rId12"/>
     <p:sldId id="267" r:id="rId13"/>
     <p:sldId id="268" r:id="rId14"/>
+    <p:sldId id="269" r:id="rId15"/>
+    <p:sldId id="270" r:id="rId16"/>
+    <p:sldId id="271" r:id="rId17"/>
+    <p:sldId id="272" r:id="rId18"/>
+    <p:sldId id="273" r:id="rId19"/>
   </p:sldIdLst>
   <p:sldSz cx="12192000" cy="6858000"/>
   <p:notesSz cx="6858000" cy="9144000"/>
@@ -14711,6 +14716,5987 @@
 </p:sld>
 </file>
 
+<file path=ppt/slides/slide14.xml><?xml version="1.0" encoding="utf-8"?>
+<p:sld xmlns:a="http://schemas.openxmlformats.org/drawingml/2006/main" xmlns:r="http://schemas.openxmlformats.org/officeDocument/2006/relationships" xmlns:p="http://schemas.openxmlformats.org/presentationml/2006/main">
+  <p:cSld>
+    <p:spTree>
+      <p:nvGrpSpPr>
+        <p:cNvPr id="1" name=""/>
+        <p:cNvGrpSpPr/>
+        <p:nvPr/>
+      </p:nvGrpSpPr>
+      <p:grpSpPr>
+        <a:xfrm>
+          <a:off x="0" y="0"/>
+          <a:ext cx="0" cy="0"/>
+          <a:chOff x="0" y="0"/>
+          <a:chExt cx="0" cy="0"/>
+        </a:xfrm>
+      </p:grpSpPr>
+      <p:sp>
+        <p:nvSpPr>
+          <p:cNvPr id="3" name="직사각형 2">
+            <a:extLst>
+              <a:ext uri="{FF2B5EF4-FFF2-40B4-BE49-F238E27FC236}">
+                <a16:creationId xmlns:a16="http://schemas.microsoft.com/office/drawing/2014/main" id="{A6AD0EE6-8451-4AB0-AB5A-EBBEAE0337D6}"/>
+              </a:ext>
+            </a:extLst>
+          </p:cNvPr>
+          <p:cNvSpPr/>
+          <p:nvPr/>
+        </p:nvSpPr>
+        <p:spPr>
+          <a:xfrm>
+            <a:off x="2077375" y="3284738"/>
+            <a:ext cx="6312023" cy="1873188"/>
+          </a:xfrm>
+          <a:prstGeom prst="rect">
+            <a:avLst/>
+          </a:prstGeom>
+        </p:spPr>
+        <p:style>
+          <a:lnRef idx="2">
+            <a:schemeClr val="accent3">
+              <a:shade val="50000"/>
+            </a:schemeClr>
+          </a:lnRef>
+          <a:fillRef idx="1">
+            <a:schemeClr val="accent3"/>
+          </a:fillRef>
+          <a:effectRef idx="0">
+            <a:schemeClr val="accent3"/>
+          </a:effectRef>
+          <a:fontRef idx="minor">
+            <a:schemeClr val="lt1"/>
+          </a:fontRef>
+        </p:style>
+        <p:txBody>
+          <a:bodyPr rtlCol="0" anchor="ctr"/>
+          <a:lstStyle/>
+          <a:p>
+            <a:pPr algn="ctr"/>
+            <a:r>
+              <a:rPr lang="en-US" altLang="ko-KR" dirty="0"/>
+              <a:t>P-substrate(P-body)</a:t>
+            </a:r>
+            <a:endParaRPr lang="ko-KR" altLang="en-US" dirty="0"/>
+          </a:p>
+        </p:txBody>
+      </p:sp>
+      <p:sp>
+        <p:nvSpPr>
+          <p:cNvPr id="6" name="직사각형 5">
+            <a:extLst>
+              <a:ext uri="{FF2B5EF4-FFF2-40B4-BE49-F238E27FC236}">
+                <a16:creationId xmlns:a16="http://schemas.microsoft.com/office/drawing/2014/main" id="{D30F64A9-EF41-42DC-86EF-0EB868FD6CBD}"/>
+              </a:ext>
+            </a:extLst>
+          </p:cNvPr>
+          <p:cNvSpPr/>
+          <p:nvPr/>
+        </p:nvSpPr>
+        <p:spPr>
+          <a:xfrm>
+            <a:off x="3169328" y="3045041"/>
+            <a:ext cx="4074851" cy="239696"/>
+          </a:xfrm>
+          <a:prstGeom prst="rect">
+            <a:avLst/>
+          </a:prstGeom>
+        </p:spPr>
+        <p:style>
+          <a:lnRef idx="2">
+            <a:schemeClr val="accent1">
+              <a:shade val="50000"/>
+            </a:schemeClr>
+          </a:lnRef>
+          <a:fillRef idx="1">
+            <a:schemeClr val="accent1"/>
+          </a:fillRef>
+          <a:effectRef idx="0">
+            <a:schemeClr val="accent1"/>
+          </a:effectRef>
+          <a:fontRef idx="minor">
+            <a:schemeClr val="lt1"/>
+          </a:fontRef>
+        </p:style>
+        <p:txBody>
+          <a:bodyPr rtlCol="0" anchor="ctr"/>
+          <a:lstStyle/>
+          <a:p>
+            <a:pPr algn="ctr"/>
+            <a:r>
+              <a:rPr lang="en-US" altLang="ko-KR" dirty="0"/>
+              <a:t>oxide</a:t>
+            </a:r>
+            <a:endParaRPr lang="ko-KR" altLang="en-US" dirty="0"/>
+          </a:p>
+        </p:txBody>
+      </p:sp>
+      <p:sp>
+        <p:nvSpPr>
+          <p:cNvPr id="7" name="직사각형 6">
+            <a:extLst>
+              <a:ext uri="{FF2B5EF4-FFF2-40B4-BE49-F238E27FC236}">
+                <a16:creationId xmlns:a16="http://schemas.microsoft.com/office/drawing/2014/main" id="{C0657B22-418E-4440-AA0B-1F8D6C7CCF75}"/>
+              </a:ext>
+            </a:extLst>
+          </p:cNvPr>
+          <p:cNvSpPr/>
+          <p:nvPr/>
+        </p:nvSpPr>
+        <p:spPr>
+          <a:xfrm>
+            <a:off x="3169328" y="2689933"/>
+            <a:ext cx="4074851" cy="355107"/>
+          </a:xfrm>
+          <a:prstGeom prst="rect">
+            <a:avLst/>
+          </a:prstGeom>
+        </p:spPr>
+        <p:style>
+          <a:lnRef idx="2">
+            <a:schemeClr val="accent6">
+              <a:shade val="50000"/>
+            </a:schemeClr>
+          </a:lnRef>
+          <a:fillRef idx="1">
+            <a:schemeClr val="accent6"/>
+          </a:fillRef>
+          <a:effectRef idx="0">
+            <a:schemeClr val="accent6"/>
+          </a:effectRef>
+          <a:fontRef idx="minor">
+            <a:schemeClr val="lt1"/>
+          </a:fontRef>
+        </p:style>
+        <p:txBody>
+          <a:bodyPr rtlCol="0" anchor="ctr"/>
+          <a:lstStyle/>
+          <a:p>
+            <a:pPr algn="ctr"/>
+            <a:r>
+              <a:rPr lang="en-US" altLang="ko-KR" dirty="0"/>
+              <a:t>metal</a:t>
+            </a:r>
+            <a:endParaRPr lang="ko-KR" altLang="en-US" dirty="0"/>
+          </a:p>
+        </p:txBody>
+      </p:sp>
+      <p:sp>
+        <p:nvSpPr>
+          <p:cNvPr id="8" name="사각형: 잘린 위쪽 모서리 7">
+            <a:extLst>
+              <a:ext uri="{FF2B5EF4-FFF2-40B4-BE49-F238E27FC236}">
+                <a16:creationId xmlns:a16="http://schemas.microsoft.com/office/drawing/2014/main" id="{422F4CD2-4465-4FF3-979D-711C4D2541FF}"/>
+              </a:ext>
+            </a:extLst>
+          </p:cNvPr>
+          <p:cNvSpPr/>
+          <p:nvPr/>
+        </p:nvSpPr>
+        <p:spPr>
+          <a:xfrm>
+            <a:off x="2077375" y="3284737"/>
+            <a:ext cx="1331650" cy="612560"/>
+          </a:xfrm>
+          <a:prstGeom prst="snip2SameRect">
+            <a:avLst>
+              <a:gd name="adj1" fmla="val 0"/>
+              <a:gd name="adj2" fmla="val 28985"/>
+            </a:avLst>
+          </a:prstGeom>
+        </p:spPr>
+        <p:style>
+          <a:lnRef idx="2">
+            <a:schemeClr val="accent4">
+              <a:shade val="50000"/>
+            </a:schemeClr>
+          </a:lnRef>
+          <a:fillRef idx="1">
+            <a:schemeClr val="accent4"/>
+          </a:fillRef>
+          <a:effectRef idx="0">
+            <a:schemeClr val="accent4"/>
+          </a:effectRef>
+          <a:fontRef idx="minor">
+            <a:schemeClr val="lt1"/>
+          </a:fontRef>
+        </p:style>
+        <p:txBody>
+          <a:bodyPr rtlCol="0" anchor="ctr"/>
+          <a:lstStyle/>
+          <a:p>
+            <a:pPr algn="ctr"/>
+            <a:r>
+              <a:rPr lang="en-US" altLang="ko-KR" dirty="0">
+                <a:solidFill>
+                  <a:schemeClr val="tx1"/>
+                </a:solidFill>
+              </a:rPr>
+              <a:t>n+</a:t>
+            </a:r>
+            <a:endParaRPr lang="ko-KR" altLang="en-US" dirty="0">
+              <a:solidFill>
+                <a:schemeClr val="tx1"/>
+              </a:solidFill>
+            </a:endParaRPr>
+          </a:p>
+        </p:txBody>
+      </p:sp>
+      <p:sp>
+        <p:nvSpPr>
+          <p:cNvPr id="9" name="사각형: 잘린 위쪽 모서리 8">
+            <a:extLst>
+              <a:ext uri="{FF2B5EF4-FFF2-40B4-BE49-F238E27FC236}">
+                <a16:creationId xmlns:a16="http://schemas.microsoft.com/office/drawing/2014/main" id="{903FA1DF-667C-43E4-A40F-1357732488A7}"/>
+              </a:ext>
+            </a:extLst>
+          </p:cNvPr>
+          <p:cNvSpPr/>
+          <p:nvPr/>
+        </p:nvSpPr>
+        <p:spPr>
+          <a:xfrm>
+            <a:off x="7057748" y="3284737"/>
+            <a:ext cx="1331650" cy="612560"/>
+          </a:xfrm>
+          <a:prstGeom prst="snip2SameRect">
+            <a:avLst>
+              <a:gd name="adj1" fmla="val 0"/>
+              <a:gd name="adj2" fmla="val 28985"/>
+            </a:avLst>
+          </a:prstGeom>
+        </p:spPr>
+        <p:style>
+          <a:lnRef idx="2">
+            <a:schemeClr val="accent4">
+              <a:shade val="50000"/>
+            </a:schemeClr>
+          </a:lnRef>
+          <a:fillRef idx="1">
+            <a:schemeClr val="accent4"/>
+          </a:fillRef>
+          <a:effectRef idx="0">
+            <a:schemeClr val="accent4"/>
+          </a:effectRef>
+          <a:fontRef idx="minor">
+            <a:schemeClr val="lt1"/>
+          </a:fontRef>
+        </p:style>
+        <p:txBody>
+          <a:bodyPr rtlCol="0" anchor="ctr"/>
+          <a:lstStyle/>
+          <a:p>
+            <a:pPr algn="ctr"/>
+            <a:r>
+              <a:rPr lang="en-US" altLang="ko-KR" dirty="0">
+                <a:solidFill>
+                  <a:schemeClr val="tx1"/>
+                </a:solidFill>
+              </a:rPr>
+              <a:t>n+</a:t>
+            </a:r>
+            <a:endParaRPr lang="ko-KR" altLang="en-US" dirty="0">
+              <a:solidFill>
+                <a:schemeClr val="tx1"/>
+              </a:solidFill>
+            </a:endParaRPr>
+          </a:p>
+        </p:txBody>
+      </p:sp>
+      <p:cxnSp>
+        <p:nvCxnSpPr>
+          <p:cNvPr id="11" name="직선 연결선 10">
+            <a:extLst>
+              <a:ext uri="{FF2B5EF4-FFF2-40B4-BE49-F238E27FC236}">
+                <a16:creationId xmlns:a16="http://schemas.microsoft.com/office/drawing/2014/main" id="{F4125078-D4E3-4724-BFA9-3105BA9F05BA}"/>
+              </a:ext>
+            </a:extLst>
+          </p:cNvPr>
+          <p:cNvCxnSpPr/>
+          <p:nvPr/>
+        </p:nvCxnSpPr>
+        <p:spPr>
+          <a:xfrm flipV="1">
+            <a:off x="2077375" y="1296140"/>
+            <a:ext cx="1331650" cy="1988597"/>
+          </a:xfrm>
+          <a:prstGeom prst="line">
+            <a:avLst/>
+          </a:prstGeom>
+        </p:spPr>
+        <p:style>
+          <a:lnRef idx="1">
+            <a:schemeClr val="accent1"/>
+          </a:lnRef>
+          <a:fillRef idx="0">
+            <a:schemeClr val="accent1"/>
+          </a:fillRef>
+          <a:effectRef idx="0">
+            <a:schemeClr val="accent1"/>
+          </a:effectRef>
+          <a:fontRef idx="minor">
+            <a:schemeClr val="tx1"/>
+          </a:fontRef>
+        </p:style>
+      </p:cxnSp>
+      <p:cxnSp>
+        <p:nvCxnSpPr>
+          <p:cNvPr id="12" name="직선 연결선 11">
+            <a:extLst>
+              <a:ext uri="{FF2B5EF4-FFF2-40B4-BE49-F238E27FC236}">
+                <a16:creationId xmlns:a16="http://schemas.microsoft.com/office/drawing/2014/main" id="{A4FB57E2-1E63-4143-944E-E54E9F207CF6}"/>
+              </a:ext>
+            </a:extLst>
+          </p:cNvPr>
+          <p:cNvCxnSpPr/>
+          <p:nvPr/>
+        </p:nvCxnSpPr>
+        <p:spPr>
+          <a:xfrm flipV="1">
+            <a:off x="8389398" y="1296140"/>
+            <a:ext cx="1331650" cy="1988597"/>
+          </a:xfrm>
+          <a:prstGeom prst="line">
+            <a:avLst/>
+          </a:prstGeom>
+        </p:spPr>
+        <p:style>
+          <a:lnRef idx="1">
+            <a:schemeClr val="accent1"/>
+          </a:lnRef>
+          <a:fillRef idx="0">
+            <a:schemeClr val="accent1"/>
+          </a:fillRef>
+          <a:effectRef idx="0">
+            <a:schemeClr val="accent1"/>
+          </a:effectRef>
+          <a:fontRef idx="minor">
+            <a:schemeClr val="tx1"/>
+          </a:fontRef>
+        </p:style>
+      </p:cxnSp>
+      <p:cxnSp>
+        <p:nvCxnSpPr>
+          <p:cNvPr id="16" name="직선 연결선 15">
+            <a:extLst>
+              <a:ext uri="{FF2B5EF4-FFF2-40B4-BE49-F238E27FC236}">
+                <a16:creationId xmlns:a16="http://schemas.microsoft.com/office/drawing/2014/main" id="{7E770EA9-D818-413F-AE90-4083FB291FAB}"/>
+              </a:ext>
+            </a:extLst>
+          </p:cNvPr>
+          <p:cNvCxnSpPr/>
+          <p:nvPr/>
+        </p:nvCxnSpPr>
+        <p:spPr>
+          <a:xfrm>
+            <a:off x="4500978" y="701334"/>
+            <a:ext cx="4074851" cy="0"/>
+          </a:xfrm>
+          <a:prstGeom prst="line">
+            <a:avLst/>
+          </a:prstGeom>
+        </p:spPr>
+        <p:style>
+          <a:lnRef idx="1">
+            <a:schemeClr val="accent1"/>
+          </a:lnRef>
+          <a:fillRef idx="0">
+            <a:schemeClr val="accent1"/>
+          </a:fillRef>
+          <a:effectRef idx="0">
+            <a:schemeClr val="accent1"/>
+          </a:effectRef>
+          <a:fontRef idx="minor">
+            <a:schemeClr val="tx1"/>
+          </a:fontRef>
+        </p:style>
+      </p:cxnSp>
+      <p:cxnSp>
+        <p:nvCxnSpPr>
+          <p:cNvPr id="20" name="직선 연결선 19">
+            <a:extLst>
+              <a:ext uri="{FF2B5EF4-FFF2-40B4-BE49-F238E27FC236}">
+                <a16:creationId xmlns:a16="http://schemas.microsoft.com/office/drawing/2014/main" id="{0F8D1FFD-1059-461B-BD4A-9B9623601F29}"/>
+              </a:ext>
+            </a:extLst>
+          </p:cNvPr>
+          <p:cNvCxnSpPr>
+            <a:cxnSpLocks/>
+          </p:cNvCxnSpPr>
+          <p:nvPr/>
+        </p:nvCxnSpPr>
+        <p:spPr>
+          <a:xfrm>
+            <a:off x="8575829" y="701334"/>
+            <a:ext cx="0" cy="594805"/>
+          </a:xfrm>
+          <a:prstGeom prst="line">
+            <a:avLst/>
+          </a:prstGeom>
+        </p:spPr>
+        <p:style>
+          <a:lnRef idx="1">
+            <a:schemeClr val="accent1"/>
+          </a:lnRef>
+          <a:fillRef idx="0">
+            <a:schemeClr val="accent1"/>
+          </a:fillRef>
+          <a:effectRef idx="0">
+            <a:schemeClr val="accent1"/>
+          </a:effectRef>
+          <a:fontRef idx="minor">
+            <a:schemeClr val="tx1"/>
+          </a:fontRef>
+        </p:style>
+      </p:cxnSp>
+      <p:cxnSp>
+        <p:nvCxnSpPr>
+          <p:cNvPr id="23" name="직선 연결선 22">
+            <a:extLst>
+              <a:ext uri="{FF2B5EF4-FFF2-40B4-BE49-F238E27FC236}">
+                <a16:creationId xmlns:a16="http://schemas.microsoft.com/office/drawing/2014/main" id="{15EBF034-1740-437E-862A-DBC820690AE4}"/>
+              </a:ext>
+            </a:extLst>
+          </p:cNvPr>
+          <p:cNvCxnSpPr>
+            <a:cxnSpLocks/>
+          </p:cNvCxnSpPr>
+          <p:nvPr/>
+        </p:nvCxnSpPr>
+        <p:spPr>
+          <a:xfrm>
+            <a:off x="3409025" y="1296139"/>
+            <a:ext cx="674703" cy="0"/>
+          </a:xfrm>
+          <a:prstGeom prst="line">
+            <a:avLst/>
+          </a:prstGeom>
+        </p:spPr>
+        <p:style>
+          <a:lnRef idx="1">
+            <a:schemeClr val="accent1"/>
+          </a:lnRef>
+          <a:fillRef idx="0">
+            <a:schemeClr val="accent1"/>
+          </a:fillRef>
+          <a:effectRef idx="0">
+            <a:schemeClr val="accent1"/>
+          </a:effectRef>
+          <a:fontRef idx="minor">
+            <a:schemeClr val="tx1"/>
+          </a:fontRef>
+        </p:style>
+      </p:cxnSp>
+      <p:cxnSp>
+        <p:nvCxnSpPr>
+          <p:cNvPr id="27" name="직선 연결선 26">
+            <a:extLst>
+              <a:ext uri="{FF2B5EF4-FFF2-40B4-BE49-F238E27FC236}">
+                <a16:creationId xmlns:a16="http://schemas.microsoft.com/office/drawing/2014/main" id="{05FDC040-FA5A-4D36-8512-B95134BCDDED}"/>
+              </a:ext>
+            </a:extLst>
+          </p:cNvPr>
+          <p:cNvCxnSpPr>
+            <a:cxnSpLocks/>
+          </p:cNvCxnSpPr>
+          <p:nvPr/>
+        </p:nvCxnSpPr>
+        <p:spPr>
+          <a:xfrm flipH="1">
+            <a:off x="8583790" y="1296139"/>
+            <a:ext cx="1137258" cy="0"/>
+          </a:xfrm>
+          <a:prstGeom prst="line">
+            <a:avLst/>
+          </a:prstGeom>
+        </p:spPr>
+        <p:style>
+          <a:lnRef idx="1">
+            <a:schemeClr val="accent1"/>
+          </a:lnRef>
+          <a:fillRef idx="0">
+            <a:schemeClr val="accent1"/>
+          </a:fillRef>
+          <a:effectRef idx="0">
+            <a:schemeClr val="accent1"/>
+          </a:effectRef>
+          <a:fontRef idx="minor">
+            <a:schemeClr val="tx1"/>
+          </a:fontRef>
+        </p:style>
+      </p:cxnSp>
+      <p:cxnSp>
+        <p:nvCxnSpPr>
+          <p:cNvPr id="28" name="직선 연결선 27">
+            <a:extLst>
+              <a:ext uri="{FF2B5EF4-FFF2-40B4-BE49-F238E27FC236}">
+                <a16:creationId xmlns:a16="http://schemas.microsoft.com/office/drawing/2014/main" id="{784B9F6D-77DB-428F-9834-621BB63FF5ED}"/>
+              </a:ext>
+            </a:extLst>
+          </p:cNvPr>
+          <p:cNvCxnSpPr/>
+          <p:nvPr/>
+        </p:nvCxnSpPr>
+        <p:spPr>
+          <a:xfrm flipV="1">
+            <a:off x="3169327" y="701335"/>
+            <a:ext cx="1331650" cy="1988597"/>
+          </a:xfrm>
+          <a:prstGeom prst="line">
+            <a:avLst/>
+          </a:prstGeom>
+        </p:spPr>
+        <p:style>
+          <a:lnRef idx="1">
+            <a:schemeClr val="accent1"/>
+          </a:lnRef>
+          <a:fillRef idx="0">
+            <a:schemeClr val="accent1"/>
+          </a:fillRef>
+          <a:effectRef idx="0">
+            <a:schemeClr val="accent1"/>
+          </a:effectRef>
+          <a:fontRef idx="minor">
+            <a:schemeClr val="tx1"/>
+          </a:fontRef>
+        </p:style>
+      </p:cxnSp>
+      <p:cxnSp>
+        <p:nvCxnSpPr>
+          <p:cNvPr id="29" name="직선 연결선 28">
+            <a:extLst>
+              <a:ext uri="{FF2B5EF4-FFF2-40B4-BE49-F238E27FC236}">
+                <a16:creationId xmlns:a16="http://schemas.microsoft.com/office/drawing/2014/main" id="{8506688F-DB27-495C-B0B8-1ED2BFEECDF0}"/>
+              </a:ext>
+            </a:extLst>
+          </p:cNvPr>
+          <p:cNvCxnSpPr/>
+          <p:nvPr/>
+        </p:nvCxnSpPr>
+        <p:spPr>
+          <a:xfrm flipV="1">
+            <a:off x="7243262" y="701335"/>
+            <a:ext cx="1331650" cy="1988597"/>
+          </a:xfrm>
+          <a:prstGeom prst="line">
+            <a:avLst/>
+          </a:prstGeom>
+        </p:spPr>
+        <p:style>
+          <a:lnRef idx="1">
+            <a:schemeClr val="accent1"/>
+          </a:lnRef>
+          <a:fillRef idx="0">
+            <a:schemeClr val="accent1"/>
+          </a:fillRef>
+          <a:effectRef idx="0">
+            <a:schemeClr val="accent1"/>
+          </a:effectRef>
+          <a:fontRef idx="minor">
+            <a:schemeClr val="tx1"/>
+          </a:fontRef>
+        </p:style>
+      </p:cxnSp>
+      <p:cxnSp>
+        <p:nvCxnSpPr>
+          <p:cNvPr id="30" name="직선 연결선 29">
+            <a:extLst>
+              <a:ext uri="{FF2B5EF4-FFF2-40B4-BE49-F238E27FC236}">
+                <a16:creationId xmlns:a16="http://schemas.microsoft.com/office/drawing/2014/main" id="{91928E78-D6C0-45F7-AA53-548EDD5119AB}"/>
+              </a:ext>
+            </a:extLst>
+          </p:cNvPr>
+          <p:cNvCxnSpPr/>
+          <p:nvPr/>
+        </p:nvCxnSpPr>
+        <p:spPr>
+          <a:xfrm flipV="1">
+            <a:off x="7243262" y="1083074"/>
+            <a:ext cx="1331650" cy="1988597"/>
+          </a:xfrm>
+          <a:prstGeom prst="line">
+            <a:avLst/>
+          </a:prstGeom>
+        </p:spPr>
+        <p:style>
+          <a:lnRef idx="1">
+            <a:schemeClr val="accent1"/>
+          </a:lnRef>
+          <a:fillRef idx="0">
+            <a:schemeClr val="accent1"/>
+          </a:fillRef>
+          <a:effectRef idx="0">
+            <a:schemeClr val="accent1"/>
+          </a:effectRef>
+          <a:fontRef idx="minor">
+            <a:schemeClr val="tx1"/>
+          </a:fontRef>
+        </p:style>
+      </p:cxnSp>
+      <p:cxnSp>
+        <p:nvCxnSpPr>
+          <p:cNvPr id="31" name="직선 연결선 30">
+            <a:extLst>
+              <a:ext uri="{FF2B5EF4-FFF2-40B4-BE49-F238E27FC236}">
+                <a16:creationId xmlns:a16="http://schemas.microsoft.com/office/drawing/2014/main" id="{04FB3496-3953-4EBD-9956-6A085AAEA53C}"/>
+              </a:ext>
+            </a:extLst>
+          </p:cNvPr>
+          <p:cNvCxnSpPr/>
+          <p:nvPr/>
+        </p:nvCxnSpPr>
+        <p:spPr>
+          <a:xfrm flipV="1">
+            <a:off x="7252140" y="1296139"/>
+            <a:ext cx="1331650" cy="1988597"/>
+          </a:xfrm>
+          <a:prstGeom prst="line">
+            <a:avLst/>
+          </a:prstGeom>
+        </p:spPr>
+        <p:style>
+          <a:lnRef idx="1">
+            <a:schemeClr val="accent1"/>
+          </a:lnRef>
+          <a:fillRef idx="0">
+            <a:schemeClr val="accent1"/>
+          </a:fillRef>
+          <a:effectRef idx="0">
+            <a:schemeClr val="accent1"/>
+          </a:effectRef>
+          <a:fontRef idx="minor">
+            <a:schemeClr val="tx1"/>
+          </a:fontRef>
+        </p:style>
+      </p:cxnSp>
+      <p:cxnSp>
+        <p:nvCxnSpPr>
+          <p:cNvPr id="33" name="직선 연결선 32">
+            <a:extLst>
+              <a:ext uri="{FF2B5EF4-FFF2-40B4-BE49-F238E27FC236}">
+                <a16:creationId xmlns:a16="http://schemas.microsoft.com/office/drawing/2014/main" id="{EA415A91-DD1A-49DB-8BC4-9AFB7EC4218E}"/>
+              </a:ext>
+            </a:extLst>
+          </p:cNvPr>
+          <p:cNvCxnSpPr/>
+          <p:nvPr/>
+        </p:nvCxnSpPr>
+        <p:spPr>
+          <a:xfrm flipV="1">
+            <a:off x="8405778" y="3164889"/>
+            <a:ext cx="1331650" cy="1988597"/>
+          </a:xfrm>
+          <a:prstGeom prst="line">
+            <a:avLst/>
+          </a:prstGeom>
+        </p:spPr>
+        <p:style>
+          <a:lnRef idx="1">
+            <a:schemeClr val="accent1"/>
+          </a:lnRef>
+          <a:fillRef idx="0">
+            <a:schemeClr val="accent1"/>
+          </a:fillRef>
+          <a:effectRef idx="0">
+            <a:schemeClr val="accent1"/>
+          </a:effectRef>
+          <a:fontRef idx="minor">
+            <a:schemeClr val="tx1"/>
+          </a:fontRef>
+        </p:style>
+      </p:cxnSp>
+      <p:cxnSp>
+        <p:nvCxnSpPr>
+          <p:cNvPr id="35" name="직선 연결선 34">
+            <a:extLst>
+              <a:ext uri="{FF2B5EF4-FFF2-40B4-BE49-F238E27FC236}">
+                <a16:creationId xmlns:a16="http://schemas.microsoft.com/office/drawing/2014/main" id="{29F6B2EA-6A0D-4C6E-8D3D-3824C72B9690}"/>
+              </a:ext>
+            </a:extLst>
+          </p:cNvPr>
+          <p:cNvCxnSpPr>
+            <a:cxnSpLocks/>
+          </p:cNvCxnSpPr>
+          <p:nvPr/>
+        </p:nvCxnSpPr>
+        <p:spPr>
+          <a:xfrm>
+            <a:off x="9721048" y="1296139"/>
+            <a:ext cx="16380" cy="1868750"/>
+          </a:xfrm>
+          <a:prstGeom prst="line">
+            <a:avLst/>
+          </a:prstGeom>
+        </p:spPr>
+        <p:style>
+          <a:lnRef idx="1">
+            <a:schemeClr val="accent1"/>
+          </a:lnRef>
+          <a:fillRef idx="0">
+            <a:schemeClr val="accent1"/>
+          </a:fillRef>
+          <a:effectRef idx="0">
+            <a:schemeClr val="accent1"/>
+          </a:effectRef>
+          <a:fontRef idx="minor">
+            <a:schemeClr val="tx1"/>
+          </a:fontRef>
+        </p:style>
+      </p:cxnSp>
+    </p:spTree>
+    <p:extLst>
+      <p:ext uri="{BB962C8B-B14F-4D97-AF65-F5344CB8AC3E}">
+        <p14:creationId xmlns:p14="http://schemas.microsoft.com/office/powerpoint/2010/main" val="3405710247"/>
+      </p:ext>
+    </p:extLst>
+  </p:cSld>
+  <p:clrMapOvr>
+    <a:masterClrMapping/>
+  </p:clrMapOvr>
+</p:sld>
+</file>
+
+<file path=ppt/slides/slide15.xml><?xml version="1.0" encoding="utf-8"?>
+<p:sld xmlns:a="http://schemas.openxmlformats.org/drawingml/2006/main" xmlns:r="http://schemas.openxmlformats.org/officeDocument/2006/relationships" xmlns:p="http://schemas.openxmlformats.org/presentationml/2006/main">
+  <p:cSld>
+    <p:spTree>
+      <p:nvGrpSpPr>
+        <p:cNvPr id="1" name=""/>
+        <p:cNvGrpSpPr/>
+        <p:nvPr/>
+      </p:nvGrpSpPr>
+      <p:grpSpPr>
+        <a:xfrm>
+          <a:off x="0" y="0"/>
+          <a:ext cx="0" cy="0"/>
+          <a:chOff x="0" y="0"/>
+          <a:chExt cx="0" cy="0"/>
+        </a:xfrm>
+      </p:grpSpPr>
+      <p:pic>
+        <p:nvPicPr>
+          <p:cNvPr id="3" name="그림 2">
+            <a:extLst>
+              <a:ext uri="{FF2B5EF4-FFF2-40B4-BE49-F238E27FC236}">
+                <a16:creationId xmlns:a16="http://schemas.microsoft.com/office/drawing/2014/main" id="{430A8437-84FE-409C-91A7-F6A7BBB98668}"/>
+              </a:ext>
+            </a:extLst>
+          </p:cNvPr>
+          <p:cNvPicPr>
+            <a:picLocks noChangeAspect="1"/>
+          </p:cNvPicPr>
+          <p:nvPr/>
+        </p:nvPicPr>
+        <p:blipFill rotWithShape="1">
+          <a:blip r:embed="rId2"/>
+          <a:srcRect l="6336" t="11976"/>
+          <a:stretch/>
+        </p:blipFill>
+        <p:spPr>
+          <a:xfrm>
+            <a:off x="1596571" y="769257"/>
+            <a:ext cx="7690304" cy="4477204"/>
+          </a:xfrm>
+          <a:prstGeom prst="rect">
+            <a:avLst/>
+          </a:prstGeom>
+        </p:spPr>
+      </p:pic>
+    </p:spTree>
+    <p:extLst>
+      <p:ext uri="{BB962C8B-B14F-4D97-AF65-F5344CB8AC3E}">
+        <p14:creationId xmlns:p14="http://schemas.microsoft.com/office/powerpoint/2010/main" val="4063980269"/>
+      </p:ext>
+    </p:extLst>
+  </p:cSld>
+  <p:clrMapOvr>
+    <a:masterClrMapping/>
+  </p:clrMapOvr>
+</p:sld>
+</file>
+
+<file path=ppt/slides/slide16.xml><?xml version="1.0" encoding="utf-8"?>
+<p:sld xmlns:a="http://schemas.openxmlformats.org/drawingml/2006/main" xmlns:r="http://schemas.openxmlformats.org/officeDocument/2006/relationships" xmlns:p="http://schemas.openxmlformats.org/presentationml/2006/main">
+  <p:cSld>
+    <p:spTree>
+      <p:nvGrpSpPr>
+        <p:cNvPr id="1" name=""/>
+        <p:cNvGrpSpPr/>
+        <p:nvPr/>
+      </p:nvGrpSpPr>
+      <p:grpSpPr>
+        <a:xfrm>
+          <a:off x="0" y="0"/>
+          <a:ext cx="0" cy="0"/>
+          <a:chOff x="0" y="0"/>
+          <a:chExt cx="0" cy="0"/>
+        </a:xfrm>
+      </p:grpSpPr>
+      <p:sp>
+        <p:nvSpPr>
+          <p:cNvPr id="2" name="직사각형 1">
+            <a:extLst>
+              <a:ext uri="{FF2B5EF4-FFF2-40B4-BE49-F238E27FC236}">
+                <a16:creationId xmlns:a16="http://schemas.microsoft.com/office/drawing/2014/main" id="{BDCEB773-4CC5-4B85-AEE3-00CB8D6FDCDB}"/>
+              </a:ext>
+            </a:extLst>
+          </p:cNvPr>
+          <p:cNvSpPr/>
+          <p:nvPr/>
+        </p:nvSpPr>
+        <p:spPr>
+          <a:xfrm>
+            <a:off x="2112886" y="1491449"/>
+            <a:ext cx="6312023" cy="1873188"/>
+          </a:xfrm>
+          <a:prstGeom prst="rect">
+            <a:avLst/>
+          </a:prstGeom>
+        </p:spPr>
+        <p:style>
+          <a:lnRef idx="2">
+            <a:schemeClr val="accent3">
+              <a:shade val="50000"/>
+            </a:schemeClr>
+          </a:lnRef>
+          <a:fillRef idx="1">
+            <a:schemeClr val="accent3"/>
+          </a:fillRef>
+          <a:effectRef idx="0">
+            <a:schemeClr val="accent3"/>
+          </a:effectRef>
+          <a:fontRef idx="minor">
+            <a:schemeClr val="lt1"/>
+          </a:fontRef>
+        </p:style>
+        <p:txBody>
+          <a:bodyPr rtlCol="0" anchor="ctr"/>
+          <a:lstStyle/>
+          <a:p>
+            <a:pPr algn="ctr"/>
+            <a:r>
+              <a:rPr lang="en-US" altLang="ko-KR" dirty="0"/>
+              <a:t>P-substrate(P-body)</a:t>
+            </a:r>
+            <a:endParaRPr lang="ko-KR" altLang="en-US" dirty="0"/>
+          </a:p>
+        </p:txBody>
+      </p:sp>
+      <p:sp>
+        <p:nvSpPr>
+          <p:cNvPr id="3" name="직사각형 2">
+            <a:extLst>
+              <a:ext uri="{FF2B5EF4-FFF2-40B4-BE49-F238E27FC236}">
+                <a16:creationId xmlns:a16="http://schemas.microsoft.com/office/drawing/2014/main" id="{2B0C134A-AFF2-4C37-99B7-8D8E9420CC2A}"/>
+              </a:ext>
+            </a:extLst>
+          </p:cNvPr>
+          <p:cNvSpPr/>
+          <p:nvPr/>
+        </p:nvSpPr>
+        <p:spPr>
+          <a:xfrm>
+            <a:off x="3204839" y="1251752"/>
+            <a:ext cx="4074851" cy="239696"/>
+          </a:xfrm>
+          <a:prstGeom prst="rect">
+            <a:avLst/>
+          </a:prstGeom>
+        </p:spPr>
+        <p:style>
+          <a:lnRef idx="2">
+            <a:schemeClr val="accent1">
+              <a:shade val="50000"/>
+            </a:schemeClr>
+          </a:lnRef>
+          <a:fillRef idx="1">
+            <a:schemeClr val="accent1"/>
+          </a:fillRef>
+          <a:effectRef idx="0">
+            <a:schemeClr val="accent1"/>
+          </a:effectRef>
+          <a:fontRef idx="minor">
+            <a:schemeClr val="lt1"/>
+          </a:fontRef>
+        </p:style>
+        <p:txBody>
+          <a:bodyPr rtlCol="0" anchor="ctr"/>
+          <a:lstStyle/>
+          <a:p>
+            <a:pPr algn="ctr"/>
+            <a:r>
+              <a:rPr lang="en-US" altLang="ko-KR" dirty="0"/>
+              <a:t>oxide</a:t>
+            </a:r>
+            <a:endParaRPr lang="ko-KR" altLang="en-US" dirty="0"/>
+          </a:p>
+        </p:txBody>
+      </p:sp>
+      <p:sp>
+        <p:nvSpPr>
+          <p:cNvPr id="4" name="직사각형 3">
+            <a:extLst>
+              <a:ext uri="{FF2B5EF4-FFF2-40B4-BE49-F238E27FC236}">
+                <a16:creationId xmlns:a16="http://schemas.microsoft.com/office/drawing/2014/main" id="{3A381C78-8619-403E-B214-1AEB525A509E}"/>
+              </a:ext>
+            </a:extLst>
+          </p:cNvPr>
+          <p:cNvSpPr/>
+          <p:nvPr/>
+        </p:nvSpPr>
+        <p:spPr>
+          <a:xfrm>
+            <a:off x="3204839" y="896644"/>
+            <a:ext cx="4074851" cy="355107"/>
+          </a:xfrm>
+          <a:prstGeom prst="rect">
+            <a:avLst/>
+          </a:prstGeom>
+        </p:spPr>
+        <p:style>
+          <a:lnRef idx="2">
+            <a:schemeClr val="accent6">
+              <a:shade val="50000"/>
+            </a:schemeClr>
+          </a:lnRef>
+          <a:fillRef idx="1">
+            <a:schemeClr val="accent6"/>
+          </a:fillRef>
+          <a:effectRef idx="0">
+            <a:schemeClr val="accent6"/>
+          </a:effectRef>
+          <a:fontRef idx="minor">
+            <a:schemeClr val="lt1"/>
+          </a:fontRef>
+        </p:style>
+        <p:txBody>
+          <a:bodyPr rtlCol="0" anchor="ctr"/>
+          <a:lstStyle/>
+          <a:p>
+            <a:pPr algn="ctr"/>
+            <a:r>
+              <a:rPr lang="en-US" altLang="ko-KR" dirty="0"/>
+              <a:t>metal</a:t>
+            </a:r>
+            <a:endParaRPr lang="ko-KR" altLang="en-US" dirty="0"/>
+          </a:p>
+        </p:txBody>
+      </p:sp>
+      <p:sp>
+        <p:nvSpPr>
+          <p:cNvPr id="5" name="사각형: 잘린 위쪽 모서리 4">
+            <a:extLst>
+              <a:ext uri="{FF2B5EF4-FFF2-40B4-BE49-F238E27FC236}">
+                <a16:creationId xmlns:a16="http://schemas.microsoft.com/office/drawing/2014/main" id="{DA3B54DF-5AD1-4F41-8D60-61130FCF9FE8}"/>
+              </a:ext>
+            </a:extLst>
+          </p:cNvPr>
+          <p:cNvSpPr/>
+          <p:nvPr/>
+        </p:nvSpPr>
+        <p:spPr>
+          <a:xfrm>
+            <a:off x="2112886" y="1491448"/>
+            <a:ext cx="1331650" cy="612560"/>
+          </a:xfrm>
+          <a:prstGeom prst="snip2SameRect">
+            <a:avLst>
+              <a:gd name="adj1" fmla="val 0"/>
+              <a:gd name="adj2" fmla="val 28985"/>
+            </a:avLst>
+          </a:prstGeom>
+        </p:spPr>
+        <p:style>
+          <a:lnRef idx="2">
+            <a:schemeClr val="accent4">
+              <a:shade val="50000"/>
+            </a:schemeClr>
+          </a:lnRef>
+          <a:fillRef idx="1">
+            <a:schemeClr val="accent4"/>
+          </a:fillRef>
+          <a:effectRef idx="0">
+            <a:schemeClr val="accent4"/>
+          </a:effectRef>
+          <a:fontRef idx="minor">
+            <a:schemeClr val="lt1"/>
+          </a:fontRef>
+        </p:style>
+        <p:txBody>
+          <a:bodyPr rtlCol="0" anchor="ctr"/>
+          <a:lstStyle/>
+          <a:p>
+            <a:pPr algn="ctr"/>
+            <a:r>
+              <a:rPr lang="en-US" altLang="ko-KR" dirty="0">
+                <a:solidFill>
+                  <a:schemeClr val="tx1"/>
+                </a:solidFill>
+              </a:rPr>
+              <a:t>n+</a:t>
+            </a:r>
+            <a:endParaRPr lang="ko-KR" altLang="en-US" dirty="0">
+              <a:solidFill>
+                <a:schemeClr val="tx1"/>
+              </a:solidFill>
+            </a:endParaRPr>
+          </a:p>
+        </p:txBody>
+      </p:sp>
+      <p:sp>
+        <p:nvSpPr>
+          <p:cNvPr id="6" name="사각형: 잘린 위쪽 모서리 5">
+            <a:extLst>
+              <a:ext uri="{FF2B5EF4-FFF2-40B4-BE49-F238E27FC236}">
+                <a16:creationId xmlns:a16="http://schemas.microsoft.com/office/drawing/2014/main" id="{6C3B3F14-BA0E-411F-B0B4-A66FE21AC471}"/>
+              </a:ext>
+            </a:extLst>
+          </p:cNvPr>
+          <p:cNvSpPr/>
+          <p:nvPr/>
+        </p:nvSpPr>
+        <p:spPr>
+          <a:xfrm>
+            <a:off x="7093259" y="1491448"/>
+            <a:ext cx="1331650" cy="612560"/>
+          </a:xfrm>
+          <a:prstGeom prst="snip2SameRect">
+            <a:avLst>
+              <a:gd name="adj1" fmla="val 0"/>
+              <a:gd name="adj2" fmla="val 28985"/>
+            </a:avLst>
+          </a:prstGeom>
+        </p:spPr>
+        <p:style>
+          <a:lnRef idx="2">
+            <a:schemeClr val="accent4">
+              <a:shade val="50000"/>
+            </a:schemeClr>
+          </a:lnRef>
+          <a:fillRef idx="1">
+            <a:schemeClr val="accent4"/>
+          </a:fillRef>
+          <a:effectRef idx="0">
+            <a:schemeClr val="accent4"/>
+          </a:effectRef>
+          <a:fontRef idx="minor">
+            <a:schemeClr val="lt1"/>
+          </a:fontRef>
+        </p:style>
+        <p:txBody>
+          <a:bodyPr rtlCol="0" anchor="ctr"/>
+          <a:lstStyle/>
+          <a:p>
+            <a:pPr algn="ctr"/>
+            <a:r>
+              <a:rPr lang="en-US" altLang="ko-KR" dirty="0">
+                <a:solidFill>
+                  <a:schemeClr val="tx1"/>
+                </a:solidFill>
+              </a:rPr>
+              <a:t>n+</a:t>
+            </a:r>
+            <a:endParaRPr lang="ko-KR" altLang="en-US" dirty="0">
+              <a:solidFill>
+                <a:schemeClr val="tx1"/>
+              </a:solidFill>
+            </a:endParaRPr>
+          </a:p>
+        </p:txBody>
+      </p:sp>
+      <p:sp>
+        <p:nvSpPr>
+          <p:cNvPr id="7" name="TextBox 6">
+            <a:extLst>
+              <a:ext uri="{FF2B5EF4-FFF2-40B4-BE49-F238E27FC236}">
+                <a16:creationId xmlns:a16="http://schemas.microsoft.com/office/drawing/2014/main" id="{8784F4DB-FF30-41BE-9654-297FF47085BD}"/>
+              </a:ext>
+            </a:extLst>
+          </p:cNvPr>
+          <p:cNvSpPr txBox="1"/>
+          <p:nvPr/>
+        </p:nvSpPr>
+        <p:spPr>
+          <a:xfrm>
+            <a:off x="4951632" y="527311"/>
+            <a:ext cx="1030515" cy="369332"/>
+          </a:xfrm>
+          <a:prstGeom prst="rect">
+            <a:avLst/>
+          </a:prstGeom>
+          <a:noFill/>
+        </p:spPr>
+        <p:txBody>
+          <a:bodyPr wrap="square" rtlCol="0">
+            <a:spAutoFit/>
+          </a:bodyPr>
+          <a:lstStyle/>
+          <a:p>
+            <a:r>
+              <a:rPr lang="en-US" altLang="ko-KR" dirty="0"/>
+              <a:t>+++V</a:t>
+            </a:r>
+            <a:endParaRPr lang="ko-KR" altLang="en-US" dirty="0"/>
+          </a:p>
+        </p:txBody>
+      </p:sp>
+      <p:sp>
+        <p:nvSpPr>
+          <p:cNvPr id="8" name="직사각형 7">
+            <a:extLst>
+              <a:ext uri="{FF2B5EF4-FFF2-40B4-BE49-F238E27FC236}">
+                <a16:creationId xmlns:a16="http://schemas.microsoft.com/office/drawing/2014/main" id="{A260DA47-8E7B-41F4-960A-5EC7FBAC5763}"/>
+              </a:ext>
+            </a:extLst>
+          </p:cNvPr>
+          <p:cNvSpPr/>
+          <p:nvPr/>
+        </p:nvSpPr>
+        <p:spPr>
+          <a:xfrm>
+            <a:off x="3606028" y="1620174"/>
+            <a:ext cx="333828" cy="355107"/>
+          </a:xfrm>
+          <a:prstGeom prst="rect">
+            <a:avLst/>
+          </a:prstGeom>
+        </p:spPr>
+        <p:style>
+          <a:lnRef idx="2">
+            <a:schemeClr val="accent2">
+              <a:shade val="50000"/>
+            </a:schemeClr>
+          </a:lnRef>
+          <a:fillRef idx="1">
+            <a:schemeClr val="accent2"/>
+          </a:fillRef>
+          <a:effectRef idx="0">
+            <a:schemeClr val="accent2"/>
+          </a:effectRef>
+          <a:fontRef idx="minor">
+            <a:schemeClr val="lt1"/>
+          </a:fontRef>
+        </p:style>
+        <p:txBody>
+          <a:bodyPr rtlCol="0" anchor="ctr"/>
+          <a:lstStyle/>
+          <a:p>
+            <a:pPr algn="ctr"/>
+            <a:r>
+              <a:rPr lang="en-US" altLang="ko-KR" dirty="0"/>
+              <a:t>-</a:t>
+            </a:r>
+            <a:endParaRPr lang="ko-KR" altLang="en-US" dirty="0"/>
+          </a:p>
+        </p:txBody>
+      </p:sp>
+      <p:sp>
+        <p:nvSpPr>
+          <p:cNvPr id="9" name="직사각형 8">
+            <a:extLst>
+              <a:ext uri="{FF2B5EF4-FFF2-40B4-BE49-F238E27FC236}">
+                <a16:creationId xmlns:a16="http://schemas.microsoft.com/office/drawing/2014/main" id="{9EF43300-CDF4-4BD9-A635-FC4D26B43A21}"/>
+              </a:ext>
+            </a:extLst>
+          </p:cNvPr>
+          <p:cNvSpPr/>
+          <p:nvPr/>
+        </p:nvSpPr>
+        <p:spPr>
+          <a:xfrm>
+            <a:off x="4107382" y="1620173"/>
+            <a:ext cx="333828" cy="355107"/>
+          </a:xfrm>
+          <a:prstGeom prst="rect">
+            <a:avLst/>
+          </a:prstGeom>
+        </p:spPr>
+        <p:style>
+          <a:lnRef idx="2">
+            <a:schemeClr val="accent2">
+              <a:shade val="50000"/>
+            </a:schemeClr>
+          </a:lnRef>
+          <a:fillRef idx="1">
+            <a:schemeClr val="accent2"/>
+          </a:fillRef>
+          <a:effectRef idx="0">
+            <a:schemeClr val="accent2"/>
+          </a:effectRef>
+          <a:fontRef idx="minor">
+            <a:schemeClr val="lt1"/>
+          </a:fontRef>
+        </p:style>
+        <p:txBody>
+          <a:bodyPr rtlCol="0" anchor="ctr"/>
+          <a:lstStyle/>
+          <a:p>
+            <a:pPr algn="ctr"/>
+            <a:r>
+              <a:rPr lang="en-US" altLang="ko-KR" dirty="0"/>
+              <a:t>-</a:t>
+            </a:r>
+            <a:endParaRPr lang="ko-KR" altLang="en-US" dirty="0"/>
+          </a:p>
+        </p:txBody>
+      </p:sp>
+      <p:sp>
+        <p:nvSpPr>
+          <p:cNvPr id="10" name="직사각형 9">
+            <a:extLst>
+              <a:ext uri="{FF2B5EF4-FFF2-40B4-BE49-F238E27FC236}">
+                <a16:creationId xmlns:a16="http://schemas.microsoft.com/office/drawing/2014/main" id="{C1686C0F-1AF4-4431-992D-A33B3A0521BD}"/>
+              </a:ext>
+            </a:extLst>
+          </p:cNvPr>
+          <p:cNvSpPr/>
+          <p:nvPr/>
+        </p:nvSpPr>
+        <p:spPr>
+          <a:xfrm>
+            <a:off x="4608736" y="1620172"/>
+            <a:ext cx="333828" cy="355107"/>
+          </a:xfrm>
+          <a:prstGeom prst="rect">
+            <a:avLst/>
+          </a:prstGeom>
+        </p:spPr>
+        <p:style>
+          <a:lnRef idx="2">
+            <a:schemeClr val="accent2">
+              <a:shade val="50000"/>
+            </a:schemeClr>
+          </a:lnRef>
+          <a:fillRef idx="1">
+            <a:schemeClr val="accent2"/>
+          </a:fillRef>
+          <a:effectRef idx="0">
+            <a:schemeClr val="accent2"/>
+          </a:effectRef>
+          <a:fontRef idx="minor">
+            <a:schemeClr val="lt1"/>
+          </a:fontRef>
+        </p:style>
+        <p:txBody>
+          <a:bodyPr rtlCol="0" anchor="ctr"/>
+          <a:lstStyle/>
+          <a:p>
+            <a:pPr algn="ctr"/>
+            <a:r>
+              <a:rPr lang="en-US" altLang="ko-KR" dirty="0"/>
+              <a:t>-</a:t>
+            </a:r>
+            <a:endParaRPr lang="ko-KR" altLang="en-US" dirty="0"/>
+          </a:p>
+        </p:txBody>
+      </p:sp>
+      <p:sp>
+        <p:nvSpPr>
+          <p:cNvPr id="11" name="직사각형 10">
+            <a:extLst>
+              <a:ext uri="{FF2B5EF4-FFF2-40B4-BE49-F238E27FC236}">
+                <a16:creationId xmlns:a16="http://schemas.microsoft.com/office/drawing/2014/main" id="{0D803CCF-FBA7-4ADA-94BE-04E99E420560}"/>
+              </a:ext>
+            </a:extLst>
+          </p:cNvPr>
+          <p:cNvSpPr/>
+          <p:nvPr/>
+        </p:nvSpPr>
+        <p:spPr>
+          <a:xfrm>
+            <a:off x="5110090" y="1620171"/>
+            <a:ext cx="333828" cy="355107"/>
+          </a:xfrm>
+          <a:prstGeom prst="rect">
+            <a:avLst/>
+          </a:prstGeom>
+        </p:spPr>
+        <p:style>
+          <a:lnRef idx="2">
+            <a:schemeClr val="accent2">
+              <a:shade val="50000"/>
+            </a:schemeClr>
+          </a:lnRef>
+          <a:fillRef idx="1">
+            <a:schemeClr val="accent2"/>
+          </a:fillRef>
+          <a:effectRef idx="0">
+            <a:schemeClr val="accent2"/>
+          </a:effectRef>
+          <a:fontRef idx="minor">
+            <a:schemeClr val="lt1"/>
+          </a:fontRef>
+        </p:style>
+        <p:txBody>
+          <a:bodyPr rtlCol="0" anchor="ctr"/>
+          <a:lstStyle/>
+          <a:p>
+            <a:pPr algn="ctr"/>
+            <a:r>
+              <a:rPr lang="en-US" altLang="ko-KR" dirty="0"/>
+              <a:t>-</a:t>
+            </a:r>
+            <a:endParaRPr lang="ko-KR" altLang="en-US" dirty="0"/>
+          </a:p>
+        </p:txBody>
+      </p:sp>
+      <p:sp>
+        <p:nvSpPr>
+          <p:cNvPr id="12" name="직사각형 11">
+            <a:extLst>
+              <a:ext uri="{FF2B5EF4-FFF2-40B4-BE49-F238E27FC236}">
+                <a16:creationId xmlns:a16="http://schemas.microsoft.com/office/drawing/2014/main" id="{79EBA66D-9530-47E8-A5BB-864635543386}"/>
+              </a:ext>
+            </a:extLst>
+          </p:cNvPr>
+          <p:cNvSpPr/>
+          <p:nvPr/>
+        </p:nvSpPr>
+        <p:spPr>
+          <a:xfrm>
+            <a:off x="5611444" y="1620169"/>
+            <a:ext cx="333828" cy="355107"/>
+          </a:xfrm>
+          <a:prstGeom prst="rect">
+            <a:avLst/>
+          </a:prstGeom>
+        </p:spPr>
+        <p:style>
+          <a:lnRef idx="2">
+            <a:schemeClr val="accent2">
+              <a:shade val="50000"/>
+            </a:schemeClr>
+          </a:lnRef>
+          <a:fillRef idx="1">
+            <a:schemeClr val="accent2"/>
+          </a:fillRef>
+          <a:effectRef idx="0">
+            <a:schemeClr val="accent2"/>
+          </a:effectRef>
+          <a:fontRef idx="minor">
+            <a:schemeClr val="lt1"/>
+          </a:fontRef>
+        </p:style>
+        <p:txBody>
+          <a:bodyPr rtlCol="0" anchor="ctr"/>
+          <a:lstStyle/>
+          <a:p>
+            <a:pPr algn="ctr"/>
+            <a:r>
+              <a:rPr lang="en-US" altLang="ko-KR" dirty="0"/>
+              <a:t>-</a:t>
+            </a:r>
+            <a:endParaRPr lang="ko-KR" altLang="en-US" dirty="0"/>
+          </a:p>
+        </p:txBody>
+      </p:sp>
+      <p:sp>
+        <p:nvSpPr>
+          <p:cNvPr id="13" name="직사각형 12">
+            <a:extLst>
+              <a:ext uri="{FF2B5EF4-FFF2-40B4-BE49-F238E27FC236}">
+                <a16:creationId xmlns:a16="http://schemas.microsoft.com/office/drawing/2014/main" id="{57EFE002-D7E1-4665-B2B1-86655CC9CD46}"/>
+              </a:ext>
+            </a:extLst>
+          </p:cNvPr>
+          <p:cNvSpPr/>
+          <p:nvPr/>
+        </p:nvSpPr>
+        <p:spPr>
+          <a:xfrm>
+            <a:off x="6112798" y="1620169"/>
+            <a:ext cx="333828" cy="355107"/>
+          </a:xfrm>
+          <a:prstGeom prst="rect">
+            <a:avLst/>
+          </a:prstGeom>
+        </p:spPr>
+        <p:style>
+          <a:lnRef idx="2">
+            <a:schemeClr val="accent2">
+              <a:shade val="50000"/>
+            </a:schemeClr>
+          </a:lnRef>
+          <a:fillRef idx="1">
+            <a:schemeClr val="accent2"/>
+          </a:fillRef>
+          <a:effectRef idx="0">
+            <a:schemeClr val="accent2"/>
+          </a:effectRef>
+          <a:fontRef idx="minor">
+            <a:schemeClr val="lt1"/>
+          </a:fontRef>
+        </p:style>
+        <p:txBody>
+          <a:bodyPr rtlCol="0" anchor="ctr"/>
+          <a:lstStyle/>
+          <a:p>
+            <a:pPr algn="ctr"/>
+            <a:r>
+              <a:rPr lang="en-US" altLang="ko-KR" dirty="0"/>
+              <a:t>-</a:t>
+            </a:r>
+            <a:endParaRPr lang="ko-KR" altLang="en-US" dirty="0"/>
+          </a:p>
+        </p:txBody>
+      </p:sp>
+      <p:sp>
+        <p:nvSpPr>
+          <p:cNvPr id="14" name="직사각형 13">
+            <a:extLst>
+              <a:ext uri="{FF2B5EF4-FFF2-40B4-BE49-F238E27FC236}">
+                <a16:creationId xmlns:a16="http://schemas.microsoft.com/office/drawing/2014/main" id="{E7675390-56DA-4BC6-9A91-0297D6485FBB}"/>
+              </a:ext>
+            </a:extLst>
+          </p:cNvPr>
+          <p:cNvSpPr/>
+          <p:nvPr/>
+        </p:nvSpPr>
+        <p:spPr>
+          <a:xfrm>
+            <a:off x="6614152" y="1620169"/>
+            <a:ext cx="333828" cy="355107"/>
+          </a:xfrm>
+          <a:prstGeom prst="rect">
+            <a:avLst/>
+          </a:prstGeom>
+        </p:spPr>
+        <p:style>
+          <a:lnRef idx="2">
+            <a:schemeClr val="accent2">
+              <a:shade val="50000"/>
+            </a:schemeClr>
+          </a:lnRef>
+          <a:fillRef idx="1">
+            <a:schemeClr val="accent2"/>
+          </a:fillRef>
+          <a:effectRef idx="0">
+            <a:schemeClr val="accent2"/>
+          </a:effectRef>
+          <a:fontRef idx="minor">
+            <a:schemeClr val="lt1"/>
+          </a:fontRef>
+        </p:style>
+        <p:txBody>
+          <a:bodyPr rtlCol="0" anchor="ctr"/>
+          <a:lstStyle/>
+          <a:p>
+            <a:pPr algn="ctr"/>
+            <a:r>
+              <a:rPr lang="en-US" altLang="ko-KR" dirty="0"/>
+              <a:t>-</a:t>
+            </a:r>
+            <a:endParaRPr lang="ko-KR" altLang="en-US" dirty="0"/>
+          </a:p>
+        </p:txBody>
+      </p:sp>
+      <p:sp>
+        <p:nvSpPr>
+          <p:cNvPr id="15" name="타원 14">
+            <a:extLst>
+              <a:ext uri="{FF2B5EF4-FFF2-40B4-BE49-F238E27FC236}">
+                <a16:creationId xmlns:a16="http://schemas.microsoft.com/office/drawing/2014/main" id="{890B6DFA-6DBE-45E1-AF85-92D3D7B83915}"/>
+              </a:ext>
+            </a:extLst>
+          </p:cNvPr>
+          <p:cNvSpPr/>
+          <p:nvPr/>
+        </p:nvSpPr>
+        <p:spPr>
+          <a:xfrm>
+            <a:off x="3886522" y="1515863"/>
+            <a:ext cx="239696" cy="239696"/>
+          </a:xfrm>
+          <a:prstGeom prst="ellipse">
+            <a:avLst/>
+          </a:prstGeom>
+          <a:solidFill>
+            <a:srgbClr val="7030A0"/>
+          </a:solidFill>
+        </p:spPr>
+        <p:style>
+          <a:lnRef idx="2">
+            <a:schemeClr val="accent1">
+              <a:shade val="50000"/>
+            </a:schemeClr>
+          </a:lnRef>
+          <a:fillRef idx="1">
+            <a:schemeClr val="accent1"/>
+          </a:fillRef>
+          <a:effectRef idx="0">
+            <a:schemeClr val="accent1"/>
+          </a:effectRef>
+          <a:fontRef idx="minor">
+            <a:schemeClr val="lt1"/>
+          </a:fontRef>
+        </p:style>
+        <p:txBody>
+          <a:bodyPr rtlCol="0" anchor="ctr"/>
+          <a:lstStyle/>
+          <a:p>
+            <a:pPr algn="ctr"/>
+            <a:r>
+              <a:rPr lang="en-US" altLang="ko-KR" dirty="0"/>
+              <a:t>-</a:t>
+            </a:r>
+            <a:endParaRPr lang="ko-KR" altLang="en-US" dirty="0"/>
+          </a:p>
+        </p:txBody>
+      </p:sp>
+      <p:sp>
+        <p:nvSpPr>
+          <p:cNvPr id="16" name="타원 15">
+            <a:extLst>
+              <a:ext uri="{FF2B5EF4-FFF2-40B4-BE49-F238E27FC236}">
+                <a16:creationId xmlns:a16="http://schemas.microsoft.com/office/drawing/2014/main" id="{D3073974-E869-401D-912E-FF2C1E32169E}"/>
+              </a:ext>
+            </a:extLst>
+          </p:cNvPr>
+          <p:cNvSpPr/>
+          <p:nvPr/>
+        </p:nvSpPr>
+        <p:spPr>
+          <a:xfrm>
+            <a:off x="4394002" y="1515863"/>
+            <a:ext cx="239696" cy="239696"/>
+          </a:xfrm>
+          <a:prstGeom prst="ellipse">
+            <a:avLst/>
+          </a:prstGeom>
+          <a:solidFill>
+            <a:srgbClr val="7030A0"/>
+          </a:solidFill>
+        </p:spPr>
+        <p:style>
+          <a:lnRef idx="2">
+            <a:schemeClr val="accent1">
+              <a:shade val="50000"/>
+            </a:schemeClr>
+          </a:lnRef>
+          <a:fillRef idx="1">
+            <a:schemeClr val="accent1"/>
+          </a:fillRef>
+          <a:effectRef idx="0">
+            <a:schemeClr val="accent1"/>
+          </a:effectRef>
+          <a:fontRef idx="minor">
+            <a:schemeClr val="lt1"/>
+          </a:fontRef>
+        </p:style>
+        <p:txBody>
+          <a:bodyPr rtlCol="0" anchor="ctr"/>
+          <a:lstStyle/>
+          <a:p>
+            <a:pPr algn="ctr"/>
+            <a:r>
+              <a:rPr lang="en-US" altLang="ko-KR" dirty="0"/>
+              <a:t>-</a:t>
+            </a:r>
+            <a:endParaRPr lang="ko-KR" altLang="en-US" dirty="0"/>
+          </a:p>
+        </p:txBody>
+      </p:sp>
+      <p:sp>
+        <p:nvSpPr>
+          <p:cNvPr id="17" name="타원 16">
+            <a:extLst>
+              <a:ext uri="{FF2B5EF4-FFF2-40B4-BE49-F238E27FC236}">
+                <a16:creationId xmlns:a16="http://schemas.microsoft.com/office/drawing/2014/main" id="{C045B523-62AE-47E7-9CF8-6779F7A7E57E}"/>
+              </a:ext>
+            </a:extLst>
+          </p:cNvPr>
+          <p:cNvSpPr/>
+          <p:nvPr/>
+        </p:nvSpPr>
+        <p:spPr>
+          <a:xfrm>
+            <a:off x="4917602" y="1519188"/>
+            <a:ext cx="239696" cy="239696"/>
+          </a:xfrm>
+          <a:prstGeom prst="ellipse">
+            <a:avLst/>
+          </a:prstGeom>
+          <a:solidFill>
+            <a:srgbClr val="7030A0"/>
+          </a:solidFill>
+        </p:spPr>
+        <p:style>
+          <a:lnRef idx="2">
+            <a:schemeClr val="accent1">
+              <a:shade val="50000"/>
+            </a:schemeClr>
+          </a:lnRef>
+          <a:fillRef idx="1">
+            <a:schemeClr val="accent1"/>
+          </a:fillRef>
+          <a:effectRef idx="0">
+            <a:schemeClr val="accent1"/>
+          </a:effectRef>
+          <a:fontRef idx="minor">
+            <a:schemeClr val="lt1"/>
+          </a:fontRef>
+        </p:style>
+        <p:txBody>
+          <a:bodyPr rtlCol="0" anchor="ctr"/>
+          <a:lstStyle/>
+          <a:p>
+            <a:pPr algn="ctr"/>
+            <a:r>
+              <a:rPr lang="en-US" altLang="ko-KR" dirty="0"/>
+              <a:t>-</a:t>
+            </a:r>
+            <a:endParaRPr lang="ko-KR" altLang="en-US" dirty="0"/>
+          </a:p>
+        </p:txBody>
+      </p:sp>
+      <p:sp>
+        <p:nvSpPr>
+          <p:cNvPr id="18" name="타원 17">
+            <a:extLst>
+              <a:ext uri="{FF2B5EF4-FFF2-40B4-BE49-F238E27FC236}">
+                <a16:creationId xmlns:a16="http://schemas.microsoft.com/office/drawing/2014/main" id="{2AFD0E3A-4D4E-4FDA-8F4C-4DADD9F2CAD0}"/>
+              </a:ext>
+            </a:extLst>
+          </p:cNvPr>
+          <p:cNvSpPr/>
+          <p:nvPr/>
+        </p:nvSpPr>
+        <p:spPr>
+          <a:xfrm>
+            <a:off x="5424838" y="1515863"/>
+            <a:ext cx="239696" cy="239696"/>
+          </a:xfrm>
+          <a:prstGeom prst="ellipse">
+            <a:avLst/>
+          </a:prstGeom>
+          <a:solidFill>
+            <a:srgbClr val="7030A0"/>
+          </a:solidFill>
+        </p:spPr>
+        <p:style>
+          <a:lnRef idx="2">
+            <a:schemeClr val="accent1">
+              <a:shade val="50000"/>
+            </a:schemeClr>
+          </a:lnRef>
+          <a:fillRef idx="1">
+            <a:schemeClr val="accent1"/>
+          </a:fillRef>
+          <a:effectRef idx="0">
+            <a:schemeClr val="accent1"/>
+          </a:effectRef>
+          <a:fontRef idx="minor">
+            <a:schemeClr val="lt1"/>
+          </a:fontRef>
+        </p:style>
+        <p:txBody>
+          <a:bodyPr rtlCol="0" anchor="ctr"/>
+          <a:lstStyle/>
+          <a:p>
+            <a:pPr algn="ctr"/>
+            <a:r>
+              <a:rPr lang="en-US" altLang="ko-KR" dirty="0"/>
+              <a:t>-</a:t>
+            </a:r>
+            <a:endParaRPr lang="ko-KR" altLang="en-US" dirty="0"/>
+          </a:p>
+        </p:txBody>
+      </p:sp>
+      <p:sp>
+        <p:nvSpPr>
+          <p:cNvPr id="19" name="타원 18">
+            <a:extLst>
+              <a:ext uri="{FF2B5EF4-FFF2-40B4-BE49-F238E27FC236}">
+                <a16:creationId xmlns:a16="http://schemas.microsoft.com/office/drawing/2014/main" id="{96A8CE25-38FB-4B72-A2EB-BEA3624BCBF4}"/>
+              </a:ext>
+            </a:extLst>
+          </p:cNvPr>
+          <p:cNvSpPr/>
+          <p:nvPr/>
+        </p:nvSpPr>
+        <p:spPr>
+          <a:xfrm>
+            <a:off x="5904579" y="1515863"/>
+            <a:ext cx="239696" cy="239696"/>
+          </a:xfrm>
+          <a:prstGeom prst="ellipse">
+            <a:avLst/>
+          </a:prstGeom>
+          <a:solidFill>
+            <a:srgbClr val="7030A0"/>
+          </a:solidFill>
+        </p:spPr>
+        <p:style>
+          <a:lnRef idx="2">
+            <a:schemeClr val="accent1">
+              <a:shade val="50000"/>
+            </a:schemeClr>
+          </a:lnRef>
+          <a:fillRef idx="1">
+            <a:schemeClr val="accent1"/>
+          </a:fillRef>
+          <a:effectRef idx="0">
+            <a:schemeClr val="accent1"/>
+          </a:effectRef>
+          <a:fontRef idx="minor">
+            <a:schemeClr val="lt1"/>
+          </a:fontRef>
+        </p:style>
+        <p:txBody>
+          <a:bodyPr rtlCol="0" anchor="ctr"/>
+          <a:lstStyle/>
+          <a:p>
+            <a:pPr algn="ctr"/>
+            <a:r>
+              <a:rPr lang="en-US" altLang="ko-KR" dirty="0"/>
+              <a:t>-</a:t>
+            </a:r>
+            <a:endParaRPr lang="ko-KR" altLang="en-US" dirty="0"/>
+          </a:p>
+        </p:txBody>
+      </p:sp>
+      <p:sp>
+        <p:nvSpPr>
+          <p:cNvPr id="20" name="타원 19">
+            <a:extLst>
+              <a:ext uri="{FF2B5EF4-FFF2-40B4-BE49-F238E27FC236}">
+                <a16:creationId xmlns:a16="http://schemas.microsoft.com/office/drawing/2014/main" id="{52B35691-76B7-4FFF-AFA2-BA412AD826E2}"/>
+              </a:ext>
+            </a:extLst>
+          </p:cNvPr>
+          <p:cNvSpPr/>
+          <p:nvPr/>
+        </p:nvSpPr>
+        <p:spPr>
+          <a:xfrm>
+            <a:off x="6421665" y="1500320"/>
+            <a:ext cx="239696" cy="239696"/>
+          </a:xfrm>
+          <a:prstGeom prst="ellipse">
+            <a:avLst/>
+          </a:prstGeom>
+          <a:solidFill>
+            <a:srgbClr val="7030A0"/>
+          </a:solidFill>
+        </p:spPr>
+        <p:style>
+          <a:lnRef idx="2">
+            <a:schemeClr val="accent1">
+              <a:shade val="50000"/>
+            </a:schemeClr>
+          </a:lnRef>
+          <a:fillRef idx="1">
+            <a:schemeClr val="accent1"/>
+          </a:fillRef>
+          <a:effectRef idx="0">
+            <a:schemeClr val="accent1"/>
+          </a:effectRef>
+          <a:fontRef idx="minor">
+            <a:schemeClr val="lt1"/>
+          </a:fontRef>
+        </p:style>
+        <p:txBody>
+          <a:bodyPr rtlCol="0" anchor="ctr"/>
+          <a:lstStyle/>
+          <a:p>
+            <a:pPr algn="ctr"/>
+            <a:r>
+              <a:rPr lang="en-US" altLang="ko-KR" dirty="0"/>
+              <a:t>-</a:t>
+            </a:r>
+            <a:endParaRPr lang="ko-KR" altLang="en-US" dirty="0"/>
+          </a:p>
+        </p:txBody>
+      </p:sp>
+      <p:sp>
+        <p:nvSpPr>
+          <p:cNvPr id="21" name="타원 20">
+            <a:extLst>
+              <a:ext uri="{FF2B5EF4-FFF2-40B4-BE49-F238E27FC236}">
+                <a16:creationId xmlns:a16="http://schemas.microsoft.com/office/drawing/2014/main" id="{D3962625-3B00-4B09-9821-B9DA44EF6001}"/>
+              </a:ext>
+            </a:extLst>
+          </p:cNvPr>
+          <p:cNvSpPr/>
+          <p:nvPr/>
+        </p:nvSpPr>
+        <p:spPr>
+          <a:xfrm>
+            <a:off x="3494088" y="1500320"/>
+            <a:ext cx="239696" cy="239696"/>
+          </a:xfrm>
+          <a:prstGeom prst="ellipse">
+            <a:avLst/>
+          </a:prstGeom>
+          <a:solidFill>
+            <a:srgbClr val="7030A0"/>
+          </a:solidFill>
+        </p:spPr>
+        <p:style>
+          <a:lnRef idx="2">
+            <a:schemeClr val="accent1">
+              <a:shade val="50000"/>
+            </a:schemeClr>
+          </a:lnRef>
+          <a:fillRef idx="1">
+            <a:schemeClr val="accent1"/>
+          </a:fillRef>
+          <a:effectRef idx="0">
+            <a:schemeClr val="accent1"/>
+          </a:effectRef>
+          <a:fontRef idx="minor">
+            <a:schemeClr val="lt1"/>
+          </a:fontRef>
+        </p:style>
+        <p:txBody>
+          <a:bodyPr rtlCol="0" anchor="ctr"/>
+          <a:lstStyle/>
+          <a:p>
+            <a:pPr algn="ctr"/>
+            <a:r>
+              <a:rPr lang="en-US" altLang="ko-KR" dirty="0"/>
+              <a:t>-</a:t>
+            </a:r>
+            <a:endParaRPr lang="ko-KR" altLang="en-US" dirty="0"/>
+          </a:p>
+        </p:txBody>
+      </p:sp>
+      <p:sp>
+        <p:nvSpPr>
+          <p:cNvPr id="22" name="타원 21">
+            <a:extLst>
+              <a:ext uri="{FF2B5EF4-FFF2-40B4-BE49-F238E27FC236}">
+                <a16:creationId xmlns:a16="http://schemas.microsoft.com/office/drawing/2014/main" id="{5A48B55C-FE2A-4A01-A0B2-779991605BA5}"/>
+              </a:ext>
+            </a:extLst>
+          </p:cNvPr>
+          <p:cNvSpPr/>
+          <p:nvPr/>
+        </p:nvSpPr>
+        <p:spPr>
+          <a:xfrm>
+            <a:off x="6845312" y="1500320"/>
+            <a:ext cx="239696" cy="239696"/>
+          </a:xfrm>
+          <a:prstGeom prst="ellipse">
+            <a:avLst/>
+          </a:prstGeom>
+          <a:solidFill>
+            <a:srgbClr val="7030A0"/>
+          </a:solidFill>
+        </p:spPr>
+        <p:style>
+          <a:lnRef idx="2">
+            <a:schemeClr val="accent1">
+              <a:shade val="50000"/>
+            </a:schemeClr>
+          </a:lnRef>
+          <a:fillRef idx="1">
+            <a:schemeClr val="accent1"/>
+          </a:fillRef>
+          <a:effectRef idx="0">
+            <a:schemeClr val="accent1"/>
+          </a:effectRef>
+          <a:fontRef idx="minor">
+            <a:schemeClr val="lt1"/>
+          </a:fontRef>
+        </p:style>
+        <p:txBody>
+          <a:bodyPr rtlCol="0" anchor="ctr"/>
+          <a:lstStyle/>
+          <a:p>
+            <a:pPr algn="ctr"/>
+            <a:r>
+              <a:rPr lang="en-US" altLang="ko-KR" dirty="0"/>
+              <a:t>-</a:t>
+            </a:r>
+            <a:endParaRPr lang="ko-KR" altLang="en-US" dirty="0"/>
+          </a:p>
+        </p:txBody>
+      </p:sp>
+      <p:sp>
+        <p:nvSpPr>
+          <p:cNvPr id="39" name="화살표: 오른쪽 38">
+            <a:extLst>
+              <a:ext uri="{FF2B5EF4-FFF2-40B4-BE49-F238E27FC236}">
+                <a16:creationId xmlns:a16="http://schemas.microsoft.com/office/drawing/2014/main" id="{747B66BE-40AD-442D-9B26-4DFC1E5BD85F}"/>
+              </a:ext>
+            </a:extLst>
+          </p:cNvPr>
+          <p:cNvSpPr/>
+          <p:nvPr/>
+        </p:nvSpPr>
+        <p:spPr>
+          <a:xfrm>
+            <a:off x="3284738" y="1515863"/>
+            <a:ext cx="3879542" cy="104305"/>
+          </a:xfrm>
+          <a:prstGeom prst="rightArrow">
+            <a:avLst/>
+          </a:prstGeom>
+        </p:spPr>
+        <p:style>
+          <a:lnRef idx="2">
+            <a:schemeClr val="accent1">
+              <a:shade val="50000"/>
+            </a:schemeClr>
+          </a:lnRef>
+          <a:fillRef idx="1">
+            <a:schemeClr val="accent1"/>
+          </a:fillRef>
+          <a:effectRef idx="0">
+            <a:schemeClr val="accent1"/>
+          </a:effectRef>
+          <a:fontRef idx="minor">
+            <a:schemeClr val="lt1"/>
+          </a:fontRef>
+        </p:style>
+        <p:txBody>
+          <a:bodyPr rtlCol="0" anchor="ctr"/>
+          <a:lstStyle/>
+          <a:p>
+            <a:pPr algn="ctr"/>
+            <a:endParaRPr lang="ko-KR" altLang="en-US"/>
+          </a:p>
+        </p:txBody>
+      </p:sp>
+      <p:sp>
+        <p:nvSpPr>
+          <p:cNvPr id="40" name="직사각형 39">
+            <a:extLst>
+              <a:ext uri="{FF2B5EF4-FFF2-40B4-BE49-F238E27FC236}">
+                <a16:creationId xmlns:a16="http://schemas.microsoft.com/office/drawing/2014/main" id="{728E0F49-DB0B-421C-B014-DC089FC212EE}"/>
+              </a:ext>
+            </a:extLst>
+          </p:cNvPr>
+          <p:cNvSpPr/>
+          <p:nvPr/>
+        </p:nvSpPr>
+        <p:spPr>
+          <a:xfrm>
+            <a:off x="2153686" y="4388700"/>
+            <a:ext cx="6312023" cy="1873188"/>
+          </a:xfrm>
+          <a:prstGeom prst="rect">
+            <a:avLst/>
+          </a:prstGeom>
+        </p:spPr>
+        <p:style>
+          <a:lnRef idx="2">
+            <a:schemeClr val="accent3">
+              <a:shade val="50000"/>
+            </a:schemeClr>
+          </a:lnRef>
+          <a:fillRef idx="1">
+            <a:schemeClr val="accent3"/>
+          </a:fillRef>
+          <a:effectRef idx="0">
+            <a:schemeClr val="accent3"/>
+          </a:effectRef>
+          <a:fontRef idx="minor">
+            <a:schemeClr val="lt1"/>
+          </a:fontRef>
+        </p:style>
+        <p:txBody>
+          <a:bodyPr rtlCol="0" anchor="ctr"/>
+          <a:lstStyle/>
+          <a:p>
+            <a:pPr algn="ctr"/>
+            <a:r>
+              <a:rPr lang="en-US" altLang="ko-KR" dirty="0"/>
+              <a:t>P-substrate(P-body)</a:t>
+            </a:r>
+            <a:endParaRPr lang="ko-KR" altLang="en-US" dirty="0"/>
+          </a:p>
+        </p:txBody>
+      </p:sp>
+      <p:sp>
+        <p:nvSpPr>
+          <p:cNvPr id="41" name="직사각형 40">
+            <a:extLst>
+              <a:ext uri="{FF2B5EF4-FFF2-40B4-BE49-F238E27FC236}">
+                <a16:creationId xmlns:a16="http://schemas.microsoft.com/office/drawing/2014/main" id="{5D724A5A-1D64-48CC-86A6-9E7D00FBF63B}"/>
+              </a:ext>
+            </a:extLst>
+          </p:cNvPr>
+          <p:cNvSpPr/>
+          <p:nvPr/>
+        </p:nvSpPr>
+        <p:spPr>
+          <a:xfrm>
+            <a:off x="3245639" y="4149003"/>
+            <a:ext cx="4074851" cy="239696"/>
+          </a:xfrm>
+          <a:prstGeom prst="rect">
+            <a:avLst/>
+          </a:prstGeom>
+        </p:spPr>
+        <p:style>
+          <a:lnRef idx="2">
+            <a:schemeClr val="accent1">
+              <a:shade val="50000"/>
+            </a:schemeClr>
+          </a:lnRef>
+          <a:fillRef idx="1">
+            <a:schemeClr val="accent1"/>
+          </a:fillRef>
+          <a:effectRef idx="0">
+            <a:schemeClr val="accent1"/>
+          </a:effectRef>
+          <a:fontRef idx="minor">
+            <a:schemeClr val="lt1"/>
+          </a:fontRef>
+        </p:style>
+        <p:txBody>
+          <a:bodyPr rtlCol="0" anchor="ctr"/>
+          <a:lstStyle/>
+          <a:p>
+            <a:pPr algn="ctr"/>
+            <a:r>
+              <a:rPr lang="en-US" altLang="ko-KR" dirty="0"/>
+              <a:t>oxide</a:t>
+            </a:r>
+            <a:endParaRPr lang="ko-KR" altLang="en-US" dirty="0"/>
+          </a:p>
+        </p:txBody>
+      </p:sp>
+      <p:sp>
+        <p:nvSpPr>
+          <p:cNvPr id="42" name="직사각형 41">
+            <a:extLst>
+              <a:ext uri="{FF2B5EF4-FFF2-40B4-BE49-F238E27FC236}">
+                <a16:creationId xmlns:a16="http://schemas.microsoft.com/office/drawing/2014/main" id="{D705F39E-7300-436E-8981-98267A7F8E2E}"/>
+              </a:ext>
+            </a:extLst>
+          </p:cNvPr>
+          <p:cNvSpPr/>
+          <p:nvPr/>
+        </p:nvSpPr>
+        <p:spPr>
+          <a:xfrm>
+            <a:off x="3245639" y="3793895"/>
+            <a:ext cx="4074851" cy="355107"/>
+          </a:xfrm>
+          <a:prstGeom prst="rect">
+            <a:avLst/>
+          </a:prstGeom>
+        </p:spPr>
+        <p:style>
+          <a:lnRef idx="2">
+            <a:schemeClr val="accent6">
+              <a:shade val="50000"/>
+            </a:schemeClr>
+          </a:lnRef>
+          <a:fillRef idx="1">
+            <a:schemeClr val="accent6"/>
+          </a:fillRef>
+          <a:effectRef idx="0">
+            <a:schemeClr val="accent6"/>
+          </a:effectRef>
+          <a:fontRef idx="minor">
+            <a:schemeClr val="lt1"/>
+          </a:fontRef>
+        </p:style>
+        <p:txBody>
+          <a:bodyPr rtlCol="0" anchor="ctr"/>
+          <a:lstStyle/>
+          <a:p>
+            <a:pPr algn="ctr"/>
+            <a:r>
+              <a:rPr lang="en-US" altLang="ko-KR" dirty="0"/>
+              <a:t>metal</a:t>
+            </a:r>
+            <a:endParaRPr lang="ko-KR" altLang="en-US" dirty="0"/>
+          </a:p>
+        </p:txBody>
+      </p:sp>
+      <p:sp>
+        <p:nvSpPr>
+          <p:cNvPr id="43" name="사각형: 잘린 위쪽 모서리 42">
+            <a:extLst>
+              <a:ext uri="{FF2B5EF4-FFF2-40B4-BE49-F238E27FC236}">
+                <a16:creationId xmlns:a16="http://schemas.microsoft.com/office/drawing/2014/main" id="{E393BBE5-3E0D-48AE-A7EC-3CC5CB285BCC}"/>
+              </a:ext>
+            </a:extLst>
+          </p:cNvPr>
+          <p:cNvSpPr/>
+          <p:nvPr/>
+        </p:nvSpPr>
+        <p:spPr>
+          <a:xfrm>
+            <a:off x="2153686" y="4388699"/>
+            <a:ext cx="1331650" cy="612560"/>
+          </a:xfrm>
+          <a:prstGeom prst="snip2SameRect">
+            <a:avLst>
+              <a:gd name="adj1" fmla="val 0"/>
+              <a:gd name="adj2" fmla="val 28985"/>
+            </a:avLst>
+          </a:prstGeom>
+        </p:spPr>
+        <p:style>
+          <a:lnRef idx="2">
+            <a:schemeClr val="accent4">
+              <a:shade val="50000"/>
+            </a:schemeClr>
+          </a:lnRef>
+          <a:fillRef idx="1">
+            <a:schemeClr val="accent4"/>
+          </a:fillRef>
+          <a:effectRef idx="0">
+            <a:schemeClr val="accent4"/>
+          </a:effectRef>
+          <a:fontRef idx="minor">
+            <a:schemeClr val="lt1"/>
+          </a:fontRef>
+        </p:style>
+        <p:txBody>
+          <a:bodyPr rtlCol="0" anchor="ctr"/>
+          <a:lstStyle/>
+          <a:p>
+            <a:pPr algn="ctr"/>
+            <a:r>
+              <a:rPr lang="en-US" altLang="ko-KR" dirty="0">
+                <a:solidFill>
+                  <a:schemeClr val="tx1"/>
+                </a:solidFill>
+              </a:rPr>
+              <a:t>n+</a:t>
+            </a:r>
+            <a:endParaRPr lang="ko-KR" altLang="en-US" dirty="0">
+              <a:solidFill>
+                <a:schemeClr val="tx1"/>
+              </a:solidFill>
+            </a:endParaRPr>
+          </a:p>
+        </p:txBody>
+      </p:sp>
+      <p:sp>
+        <p:nvSpPr>
+          <p:cNvPr id="44" name="사각형: 잘린 위쪽 모서리 43">
+            <a:extLst>
+              <a:ext uri="{FF2B5EF4-FFF2-40B4-BE49-F238E27FC236}">
+                <a16:creationId xmlns:a16="http://schemas.microsoft.com/office/drawing/2014/main" id="{693DDF5A-BC19-4105-92D1-CB3180CAAFE7}"/>
+              </a:ext>
+            </a:extLst>
+          </p:cNvPr>
+          <p:cNvSpPr/>
+          <p:nvPr/>
+        </p:nvSpPr>
+        <p:spPr>
+          <a:xfrm>
+            <a:off x="7134059" y="4388699"/>
+            <a:ext cx="1331650" cy="612560"/>
+          </a:xfrm>
+          <a:prstGeom prst="snip2SameRect">
+            <a:avLst>
+              <a:gd name="adj1" fmla="val 0"/>
+              <a:gd name="adj2" fmla="val 28985"/>
+            </a:avLst>
+          </a:prstGeom>
+        </p:spPr>
+        <p:style>
+          <a:lnRef idx="2">
+            <a:schemeClr val="accent4">
+              <a:shade val="50000"/>
+            </a:schemeClr>
+          </a:lnRef>
+          <a:fillRef idx="1">
+            <a:schemeClr val="accent4"/>
+          </a:fillRef>
+          <a:effectRef idx="0">
+            <a:schemeClr val="accent4"/>
+          </a:effectRef>
+          <a:fontRef idx="minor">
+            <a:schemeClr val="lt1"/>
+          </a:fontRef>
+        </p:style>
+        <p:txBody>
+          <a:bodyPr rtlCol="0" anchor="ctr"/>
+          <a:lstStyle/>
+          <a:p>
+            <a:pPr algn="ctr"/>
+            <a:r>
+              <a:rPr lang="en-US" altLang="ko-KR" dirty="0">
+                <a:solidFill>
+                  <a:schemeClr val="tx1"/>
+                </a:solidFill>
+              </a:rPr>
+              <a:t>n+</a:t>
+            </a:r>
+            <a:endParaRPr lang="ko-KR" altLang="en-US" dirty="0">
+              <a:solidFill>
+                <a:schemeClr val="tx1"/>
+              </a:solidFill>
+            </a:endParaRPr>
+          </a:p>
+        </p:txBody>
+      </p:sp>
+      <p:sp>
+        <p:nvSpPr>
+          <p:cNvPr id="45" name="TextBox 44">
+            <a:extLst>
+              <a:ext uri="{FF2B5EF4-FFF2-40B4-BE49-F238E27FC236}">
+                <a16:creationId xmlns:a16="http://schemas.microsoft.com/office/drawing/2014/main" id="{18BC4044-0FF3-4D7E-91E0-D0790E7851DA}"/>
+              </a:ext>
+            </a:extLst>
+          </p:cNvPr>
+          <p:cNvSpPr txBox="1"/>
+          <p:nvPr/>
+        </p:nvSpPr>
+        <p:spPr>
+          <a:xfrm>
+            <a:off x="4394002" y="3424562"/>
+            <a:ext cx="1628945" cy="369332"/>
+          </a:xfrm>
+          <a:prstGeom prst="rect">
+            <a:avLst/>
+          </a:prstGeom>
+          <a:noFill/>
+        </p:spPr>
+        <p:txBody>
+          <a:bodyPr wrap="square" rtlCol="0">
+            <a:spAutoFit/>
+          </a:bodyPr>
+          <a:lstStyle/>
+          <a:p>
+            <a:r>
+              <a:rPr lang="en-US" altLang="ko-KR" dirty="0"/>
+              <a:t>++++++++V</a:t>
+            </a:r>
+            <a:endParaRPr lang="ko-KR" altLang="en-US" dirty="0"/>
+          </a:p>
+        </p:txBody>
+      </p:sp>
+      <p:sp>
+        <p:nvSpPr>
+          <p:cNvPr id="46" name="직사각형 45">
+            <a:extLst>
+              <a:ext uri="{FF2B5EF4-FFF2-40B4-BE49-F238E27FC236}">
+                <a16:creationId xmlns:a16="http://schemas.microsoft.com/office/drawing/2014/main" id="{5EB5DFAD-5B9C-43E6-BCA6-BE5E3FD806CB}"/>
+              </a:ext>
+            </a:extLst>
+          </p:cNvPr>
+          <p:cNvSpPr/>
+          <p:nvPr/>
+        </p:nvSpPr>
+        <p:spPr>
+          <a:xfrm>
+            <a:off x="3646828" y="4517425"/>
+            <a:ext cx="333828" cy="355107"/>
+          </a:xfrm>
+          <a:prstGeom prst="rect">
+            <a:avLst/>
+          </a:prstGeom>
+        </p:spPr>
+        <p:style>
+          <a:lnRef idx="2">
+            <a:schemeClr val="accent2">
+              <a:shade val="50000"/>
+            </a:schemeClr>
+          </a:lnRef>
+          <a:fillRef idx="1">
+            <a:schemeClr val="accent2"/>
+          </a:fillRef>
+          <a:effectRef idx="0">
+            <a:schemeClr val="accent2"/>
+          </a:effectRef>
+          <a:fontRef idx="minor">
+            <a:schemeClr val="lt1"/>
+          </a:fontRef>
+        </p:style>
+        <p:txBody>
+          <a:bodyPr rtlCol="0" anchor="ctr"/>
+          <a:lstStyle/>
+          <a:p>
+            <a:pPr algn="ctr"/>
+            <a:r>
+              <a:rPr lang="en-US" altLang="ko-KR" dirty="0"/>
+              <a:t>-</a:t>
+            </a:r>
+            <a:endParaRPr lang="ko-KR" altLang="en-US" dirty="0"/>
+          </a:p>
+        </p:txBody>
+      </p:sp>
+      <p:sp>
+        <p:nvSpPr>
+          <p:cNvPr id="47" name="직사각형 46">
+            <a:extLst>
+              <a:ext uri="{FF2B5EF4-FFF2-40B4-BE49-F238E27FC236}">
+                <a16:creationId xmlns:a16="http://schemas.microsoft.com/office/drawing/2014/main" id="{5DAE7DDA-16DD-4689-92D0-387577957E85}"/>
+              </a:ext>
+            </a:extLst>
+          </p:cNvPr>
+          <p:cNvSpPr/>
+          <p:nvPr/>
+        </p:nvSpPr>
+        <p:spPr>
+          <a:xfrm>
+            <a:off x="4148182" y="4517424"/>
+            <a:ext cx="333828" cy="355107"/>
+          </a:xfrm>
+          <a:prstGeom prst="rect">
+            <a:avLst/>
+          </a:prstGeom>
+        </p:spPr>
+        <p:style>
+          <a:lnRef idx="2">
+            <a:schemeClr val="accent2">
+              <a:shade val="50000"/>
+            </a:schemeClr>
+          </a:lnRef>
+          <a:fillRef idx="1">
+            <a:schemeClr val="accent2"/>
+          </a:fillRef>
+          <a:effectRef idx="0">
+            <a:schemeClr val="accent2"/>
+          </a:effectRef>
+          <a:fontRef idx="minor">
+            <a:schemeClr val="lt1"/>
+          </a:fontRef>
+        </p:style>
+        <p:txBody>
+          <a:bodyPr rtlCol="0" anchor="ctr"/>
+          <a:lstStyle/>
+          <a:p>
+            <a:pPr algn="ctr"/>
+            <a:r>
+              <a:rPr lang="en-US" altLang="ko-KR" dirty="0"/>
+              <a:t>-</a:t>
+            </a:r>
+            <a:endParaRPr lang="ko-KR" altLang="en-US" dirty="0"/>
+          </a:p>
+        </p:txBody>
+      </p:sp>
+      <p:sp>
+        <p:nvSpPr>
+          <p:cNvPr id="48" name="직사각형 47">
+            <a:extLst>
+              <a:ext uri="{FF2B5EF4-FFF2-40B4-BE49-F238E27FC236}">
+                <a16:creationId xmlns:a16="http://schemas.microsoft.com/office/drawing/2014/main" id="{0C111F7B-0F92-465E-A088-8B993A706DF6}"/>
+              </a:ext>
+            </a:extLst>
+          </p:cNvPr>
+          <p:cNvSpPr/>
+          <p:nvPr/>
+        </p:nvSpPr>
+        <p:spPr>
+          <a:xfrm>
+            <a:off x="4649536" y="4517423"/>
+            <a:ext cx="333828" cy="355107"/>
+          </a:xfrm>
+          <a:prstGeom prst="rect">
+            <a:avLst/>
+          </a:prstGeom>
+        </p:spPr>
+        <p:style>
+          <a:lnRef idx="2">
+            <a:schemeClr val="accent2">
+              <a:shade val="50000"/>
+            </a:schemeClr>
+          </a:lnRef>
+          <a:fillRef idx="1">
+            <a:schemeClr val="accent2"/>
+          </a:fillRef>
+          <a:effectRef idx="0">
+            <a:schemeClr val="accent2"/>
+          </a:effectRef>
+          <a:fontRef idx="minor">
+            <a:schemeClr val="lt1"/>
+          </a:fontRef>
+        </p:style>
+        <p:txBody>
+          <a:bodyPr rtlCol="0" anchor="ctr"/>
+          <a:lstStyle/>
+          <a:p>
+            <a:pPr algn="ctr"/>
+            <a:r>
+              <a:rPr lang="en-US" altLang="ko-KR" dirty="0"/>
+              <a:t>-</a:t>
+            </a:r>
+            <a:endParaRPr lang="ko-KR" altLang="en-US" dirty="0"/>
+          </a:p>
+        </p:txBody>
+      </p:sp>
+      <p:sp>
+        <p:nvSpPr>
+          <p:cNvPr id="49" name="직사각형 48">
+            <a:extLst>
+              <a:ext uri="{FF2B5EF4-FFF2-40B4-BE49-F238E27FC236}">
+                <a16:creationId xmlns:a16="http://schemas.microsoft.com/office/drawing/2014/main" id="{8901DDC7-5D63-45CA-BD09-455D8C911E9D}"/>
+              </a:ext>
+            </a:extLst>
+          </p:cNvPr>
+          <p:cNvSpPr/>
+          <p:nvPr/>
+        </p:nvSpPr>
+        <p:spPr>
+          <a:xfrm>
+            <a:off x="5150890" y="4517422"/>
+            <a:ext cx="333828" cy="355107"/>
+          </a:xfrm>
+          <a:prstGeom prst="rect">
+            <a:avLst/>
+          </a:prstGeom>
+        </p:spPr>
+        <p:style>
+          <a:lnRef idx="2">
+            <a:schemeClr val="accent2">
+              <a:shade val="50000"/>
+            </a:schemeClr>
+          </a:lnRef>
+          <a:fillRef idx="1">
+            <a:schemeClr val="accent2"/>
+          </a:fillRef>
+          <a:effectRef idx="0">
+            <a:schemeClr val="accent2"/>
+          </a:effectRef>
+          <a:fontRef idx="minor">
+            <a:schemeClr val="lt1"/>
+          </a:fontRef>
+        </p:style>
+        <p:txBody>
+          <a:bodyPr rtlCol="0" anchor="ctr"/>
+          <a:lstStyle/>
+          <a:p>
+            <a:pPr algn="ctr"/>
+            <a:r>
+              <a:rPr lang="en-US" altLang="ko-KR" dirty="0"/>
+              <a:t>-</a:t>
+            </a:r>
+            <a:endParaRPr lang="ko-KR" altLang="en-US" dirty="0"/>
+          </a:p>
+        </p:txBody>
+      </p:sp>
+      <p:sp>
+        <p:nvSpPr>
+          <p:cNvPr id="50" name="직사각형 49">
+            <a:extLst>
+              <a:ext uri="{FF2B5EF4-FFF2-40B4-BE49-F238E27FC236}">
+                <a16:creationId xmlns:a16="http://schemas.microsoft.com/office/drawing/2014/main" id="{48B10B4F-41FB-448C-BFDD-F3F5777B1BA8}"/>
+              </a:ext>
+            </a:extLst>
+          </p:cNvPr>
+          <p:cNvSpPr/>
+          <p:nvPr/>
+        </p:nvSpPr>
+        <p:spPr>
+          <a:xfrm>
+            <a:off x="5652244" y="4517420"/>
+            <a:ext cx="333828" cy="355107"/>
+          </a:xfrm>
+          <a:prstGeom prst="rect">
+            <a:avLst/>
+          </a:prstGeom>
+        </p:spPr>
+        <p:style>
+          <a:lnRef idx="2">
+            <a:schemeClr val="accent2">
+              <a:shade val="50000"/>
+            </a:schemeClr>
+          </a:lnRef>
+          <a:fillRef idx="1">
+            <a:schemeClr val="accent2"/>
+          </a:fillRef>
+          <a:effectRef idx="0">
+            <a:schemeClr val="accent2"/>
+          </a:effectRef>
+          <a:fontRef idx="minor">
+            <a:schemeClr val="lt1"/>
+          </a:fontRef>
+        </p:style>
+        <p:txBody>
+          <a:bodyPr rtlCol="0" anchor="ctr"/>
+          <a:lstStyle/>
+          <a:p>
+            <a:pPr algn="ctr"/>
+            <a:r>
+              <a:rPr lang="en-US" altLang="ko-KR" dirty="0"/>
+              <a:t>-</a:t>
+            </a:r>
+            <a:endParaRPr lang="ko-KR" altLang="en-US" dirty="0"/>
+          </a:p>
+        </p:txBody>
+      </p:sp>
+      <p:sp>
+        <p:nvSpPr>
+          <p:cNvPr id="51" name="직사각형 50">
+            <a:extLst>
+              <a:ext uri="{FF2B5EF4-FFF2-40B4-BE49-F238E27FC236}">
+                <a16:creationId xmlns:a16="http://schemas.microsoft.com/office/drawing/2014/main" id="{5A54B12B-AF37-48BE-8FE0-2F62360DC9E1}"/>
+              </a:ext>
+            </a:extLst>
+          </p:cNvPr>
+          <p:cNvSpPr/>
+          <p:nvPr/>
+        </p:nvSpPr>
+        <p:spPr>
+          <a:xfrm>
+            <a:off x="6153598" y="4517420"/>
+            <a:ext cx="333828" cy="355107"/>
+          </a:xfrm>
+          <a:prstGeom prst="rect">
+            <a:avLst/>
+          </a:prstGeom>
+        </p:spPr>
+        <p:style>
+          <a:lnRef idx="2">
+            <a:schemeClr val="accent2">
+              <a:shade val="50000"/>
+            </a:schemeClr>
+          </a:lnRef>
+          <a:fillRef idx="1">
+            <a:schemeClr val="accent2"/>
+          </a:fillRef>
+          <a:effectRef idx="0">
+            <a:schemeClr val="accent2"/>
+          </a:effectRef>
+          <a:fontRef idx="minor">
+            <a:schemeClr val="lt1"/>
+          </a:fontRef>
+        </p:style>
+        <p:txBody>
+          <a:bodyPr rtlCol="0" anchor="ctr"/>
+          <a:lstStyle/>
+          <a:p>
+            <a:pPr algn="ctr"/>
+            <a:r>
+              <a:rPr lang="en-US" altLang="ko-KR" dirty="0"/>
+              <a:t>-</a:t>
+            </a:r>
+            <a:endParaRPr lang="ko-KR" altLang="en-US" dirty="0"/>
+          </a:p>
+        </p:txBody>
+      </p:sp>
+      <p:sp>
+        <p:nvSpPr>
+          <p:cNvPr id="52" name="직사각형 51">
+            <a:extLst>
+              <a:ext uri="{FF2B5EF4-FFF2-40B4-BE49-F238E27FC236}">
+                <a16:creationId xmlns:a16="http://schemas.microsoft.com/office/drawing/2014/main" id="{EC7AA6EE-970B-4460-ACE7-31350EB098CA}"/>
+              </a:ext>
+            </a:extLst>
+          </p:cNvPr>
+          <p:cNvSpPr/>
+          <p:nvPr/>
+        </p:nvSpPr>
+        <p:spPr>
+          <a:xfrm>
+            <a:off x="6654952" y="4517420"/>
+            <a:ext cx="333828" cy="355107"/>
+          </a:xfrm>
+          <a:prstGeom prst="rect">
+            <a:avLst/>
+          </a:prstGeom>
+        </p:spPr>
+        <p:style>
+          <a:lnRef idx="2">
+            <a:schemeClr val="accent2">
+              <a:shade val="50000"/>
+            </a:schemeClr>
+          </a:lnRef>
+          <a:fillRef idx="1">
+            <a:schemeClr val="accent2"/>
+          </a:fillRef>
+          <a:effectRef idx="0">
+            <a:schemeClr val="accent2"/>
+          </a:effectRef>
+          <a:fontRef idx="minor">
+            <a:schemeClr val="lt1"/>
+          </a:fontRef>
+        </p:style>
+        <p:txBody>
+          <a:bodyPr rtlCol="0" anchor="ctr"/>
+          <a:lstStyle/>
+          <a:p>
+            <a:pPr algn="ctr"/>
+            <a:r>
+              <a:rPr lang="en-US" altLang="ko-KR" dirty="0"/>
+              <a:t>-</a:t>
+            </a:r>
+            <a:endParaRPr lang="ko-KR" altLang="en-US" dirty="0"/>
+          </a:p>
+        </p:txBody>
+      </p:sp>
+      <p:sp>
+        <p:nvSpPr>
+          <p:cNvPr id="53" name="타원 52">
+            <a:extLst>
+              <a:ext uri="{FF2B5EF4-FFF2-40B4-BE49-F238E27FC236}">
+                <a16:creationId xmlns:a16="http://schemas.microsoft.com/office/drawing/2014/main" id="{1072A1CE-DD02-49AE-A2A4-B7556A784C53}"/>
+              </a:ext>
+            </a:extLst>
+          </p:cNvPr>
+          <p:cNvSpPr/>
+          <p:nvPr/>
+        </p:nvSpPr>
+        <p:spPr>
+          <a:xfrm>
+            <a:off x="3927322" y="4413114"/>
+            <a:ext cx="239696" cy="239696"/>
+          </a:xfrm>
+          <a:prstGeom prst="ellipse">
+            <a:avLst/>
+          </a:prstGeom>
+          <a:solidFill>
+            <a:srgbClr val="7030A0"/>
+          </a:solidFill>
+        </p:spPr>
+        <p:style>
+          <a:lnRef idx="2">
+            <a:schemeClr val="accent1">
+              <a:shade val="50000"/>
+            </a:schemeClr>
+          </a:lnRef>
+          <a:fillRef idx="1">
+            <a:schemeClr val="accent1"/>
+          </a:fillRef>
+          <a:effectRef idx="0">
+            <a:schemeClr val="accent1"/>
+          </a:effectRef>
+          <a:fontRef idx="minor">
+            <a:schemeClr val="lt1"/>
+          </a:fontRef>
+        </p:style>
+        <p:txBody>
+          <a:bodyPr rtlCol="0" anchor="ctr"/>
+          <a:lstStyle/>
+          <a:p>
+            <a:pPr algn="ctr"/>
+            <a:r>
+              <a:rPr lang="en-US" altLang="ko-KR" dirty="0"/>
+              <a:t>-</a:t>
+            </a:r>
+            <a:endParaRPr lang="ko-KR" altLang="en-US" dirty="0"/>
+          </a:p>
+        </p:txBody>
+      </p:sp>
+      <p:sp>
+        <p:nvSpPr>
+          <p:cNvPr id="54" name="타원 53">
+            <a:extLst>
+              <a:ext uri="{FF2B5EF4-FFF2-40B4-BE49-F238E27FC236}">
+                <a16:creationId xmlns:a16="http://schemas.microsoft.com/office/drawing/2014/main" id="{CB6ADA3C-40F6-4ACC-96FF-310C0745E014}"/>
+              </a:ext>
+            </a:extLst>
+          </p:cNvPr>
+          <p:cNvSpPr/>
+          <p:nvPr/>
+        </p:nvSpPr>
+        <p:spPr>
+          <a:xfrm>
+            <a:off x="4434802" y="4413114"/>
+            <a:ext cx="239696" cy="239696"/>
+          </a:xfrm>
+          <a:prstGeom prst="ellipse">
+            <a:avLst/>
+          </a:prstGeom>
+          <a:solidFill>
+            <a:srgbClr val="7030A0"/>
+          </a:solidFill>
+        </p:spPr>
+        <p:style>
+          <a:lnRef idx="2">
+            <a:schemeClr val="accent1">
+              <a:shade val="50000"/>
+            </a:schemeClr>
+          </a:lnRef>
+          <a:fillRef idx="1">
+            <a:schemeClr val="accent1"/>
+          </a:fillRef>
+          <a:effectRef idx="0">
+            <a:schemeClr val="accent1"/>
+          </a:effectRef>
+          <a:fontRef idx="minor">
+            <a:schemeClr val="lt1"/>
+          </a:fontRef>
+        </p:style>
+        <p:txBody>
+          <a:bodyPr rtlCol="0" anchor="ctr"/>
+          <a:lstStyle/>
+          <a:p>
+            <a:pPr algn="ctr"/>
+            <a:r>
+              <a:rPr lang="en-US" altLang="ko-KR" dirty="0"/>
+              <a:t>-</a:t>
+            </a:r>
+            <a:endParaRPr lang="ko-KR" altLang="en-US" dirty="0"/>
+          </a:p>
+        </p:txBody>
+      </p:sp>
+      <p:sp>
+        <p:nvSpPr>
+          <p:cNvPr id="55" name="타원 54">
+            <a:extLst>
+              <a:ext uri="{FF2B5EF4-FFF2-40B4-BE49-F238E27FC236}">
+                <a16:creationId xmlns:a16="http://schemas.microsoft.com/office/drawing/2014/main" id="{070C77C2-EC80-472C-85C6-9505D3F7F34B}"/>
+              </a:ext>
+            </a:extLst>
+          </p:cNvPr>
+          <p:cNvSpPr/>
+          <p:nvPr/>
+        </p:nvSpPr>
+        <p:spPr>
+          <a:xfrm>
+            <a:off x="4958402" y="4416439"/>
+            <a:ext cx="239696" cy="239696"/>
+          </a:xfrm>
+          <a:prstGeom prst="ellipse">
+            <a:avLst/>
+          </a:prstGeom>
+          <a:solidFill>
+            <a:srgbClr val="7030A0"/>
+          </a:solidFill>
+        </p:spPr>
+        <p:style>
+          <a:lnRef idx="2">
+            <a:schemeClr val="accent1">
+              <a:shade val="50000"/>
+            </a:schemeClr>
+          </a:lnRef>
+          <a:fillRef idx="1">
+            <a:schemeClr val="accent1"/>
+          </a:fillRef>
+          <a:effectRef idx="0">
+            <a:schemeClr val="accent1"/>
+          </a:effectRef>
+          <a:fontRef idx="minor">
+            <a:schemeClr val="lt1"/>
+          </a:fontRef>
+        </p:style>
+        <p:txBody>
+          <a:bodyPr rtlCol="0" anchor="ctr"/>
+          <a:lstStyle/>
+          <a:p>
+            <a:pPr algn="ctr"/>
+            <a:r>
+              <a:rPr lang="en-US" altLang="ko-KR" dirty="0"/>
+              <a:t>-</a:t>
+            </a:r>
+            <a:endParaRPr lang="ko-KR" altLang="en-US" dirty="0"/>
+          </a:p>
+        </p:txBody>
+      </p:sp>
+      <p:sp>
+        <p:nvSpPr>
+          <p:cNvPr id="56" name="타원 55">
+            <a:extLst>
+              <a:ext uri="{FF2B5EF4-FFF2-40B4-BE49-F238E27FC236}">
+                <a16:creationId xmlns:a16="http://schemas.microsoft.com/office/drawing/2014/main" id="{788EE3D3-8C14-4D29-84B3-5C9E40A87286}"/>
+              </a:ext>
+            </a:extLst>
+          </p:cNvPr>
+          <p:cNvSpPr/>
+          <p:nvPr/>
+        </p:nvSpPr>
+        <p:spPr>
+          <a:xfrm>
+            <a:off x="5465638" y="4413114"/>
+            <a:ext cx="239696" cy="239696"/>
+          </a:xfrm>
+          <a:prstGeom prst="ellipse">
+            <a:avLst/>
+          </a:prstGeom>
+          <a:solidFill>
+            <a:srgbClr val="7030A0"/>
+          </a:solidFill>
+        </p:spPr>
+        <p:style>
+          <a:lnRef idx="2">
+            <a:schemeClr val="accent1">
+              <a:shade val="50000"/>
+            </a:schemeClr>
+          </a:lnRef>
+          <a:fillRef idx="1">
+            <a:schemeClr val="accent1"/>
+          </a:fillRef>
+          <a:effectRef idx="0">
+            <a:schemeClr val="accent1"/>
+          </a:effectRef>
+          <a:fontRef idx="minor">
+            <a:schemeClr val="lt1"/>
+          </a:fontRef>
+        </p:style>
+        <p:txBody>
+          <a:bodyPr rtlCol="0" anchor="ctr"/>
+          <a:lstStyle/>
+          <a:p>
+            <a:pPr algn="ctr"/>
+            <a:r>
+              <a:rPr lang="en-US" altLang="ko-KR" dirty="0"/>
+              <a:t>-</a:t>
+            </a:r>
+            <a:endParaRPr lang="ko-KR" altLang="en-US" dirty="0"/>
+          </a:p>
+        </p:txBody>
+      </p:sp>
+      <p:sp>
+        <p:nvSpPr>
+          <p:cNvPr id="57" name="타원 56">
+            <a:extLst>
+              <a:ext uri="{FF2B5EF4-FFF2-40B4-BE49-F238E27FC236}">
+                <a16:creationId xmlns:a16="http://schemas.microsoft.com/office/drawing/2014/main" id="{660F0DB3-48F5-49E1-83D7-5CCA40835349}"/>
+              </a:ext>
+            </a:extLst>
+          </p:cNvPr>
+          <p:cNvSpPr/>
+          <p:nvPr/>
+        </p:nvSpPr>
+        <p:spPr>
+          <a:xfrm>
+            <a:off x="5945379" y="4413114"/>
+            <a:ext cx="239696" cy="239696"/>
+          </a:xfrm>
+          <a:prstGeom prst="ellipse">
+            <a:avLst/>
+          </a:prstGeom>
+          <a:solidFill>
+            <a:srgbClr val="7030A0"/>
+          </a:solidFill>
+        </p:spPr>
+        <p:style>
+          <a:lnRef idx="2">
+            <a:schemeClr val="accent1">
+              <a:shade val="50000"/>
+            </a:schemeClr>
+          </a:lnRef>
+          <a:fillRef idx="1">
+            <a:schemeClr val="accent1"/>
+          </a:fillRef>
+          <a:effectRef idx="0">
+            <a:schemeClr val="accent1"/>
+          </a:effectRef>
+          <a:fontRef idx="minor">
+            <a:schemeClr val="lt1"/>
+          </a:fontRef>
+        </p:style>
+        <p:txBody>
+          <a:bodyPr rtlCol="0" anchor="ctr"/>
+          <a:lstStyle/>
+          <a:p>
+            <a:pPr algn="ctr"/>
+            <a:r>
+              <a:rPr lang="en-US" altLang="ko-KR" dirty="0"/>
+              <a:t>-</a:t>
+            </a:r>
+            <a:endParaRPr lang="ko-KR" altLang="en-US" dirty="0"/>
+          </a:p>
+        </p:txBody>
+      </p:sp>
+      <p:sp>
+        <p:nvSpPr>
+          <p:cNvPr id="58" name="타원 57">
+            <a:extLst>
+              <a:ext uri="{FF2B5EF4-FFF2-40B4-BE49-F238E27FC236}">
+                <a16:creationId xmlns:a16="http://schemas.microsoft.com/office/drawing/2014/main" id="{45085C68-0C0A-4120-9BC3-763F7C7DF010}"/>
+              </a:ext>
+            </a:extLst>
+          </p:cNvPr>
+          <p:cNvSpPr/>
+          <p:nvPr/>
+        </p:nvSpPr>
+        <p:spPr>
+          <a:xfrm>
+            <a:off x="6462465" y="4397571"/>
+            <a:ext cx="239696" cy="239696"/>
+          </a:xfrm>
+          <a:prstGeom prst="ellipse">
+            <a:avLst/>
+          </a:prstGeom>
+          <a:solidFill>
+            <a:srgbClr val="7030A0"/>
+          </a:solidFill>
+        </p:spPr>
+        <p:style>
+          <a:lnRef idx="2">
+            <a:schemeClr val="accent1">
+              <a:shade val="50000"/>
+            </a:schemeClr>
+          </a:lnRef>
+          <a:fillRef idx="1">
+            <a:schemeClr val="accent1"/>
+          </a:fillRef>
+          <a:effectRef idx="0">
+            <a:schemeClr val="accent1"/>
+          </a:effectRef>
+          <a:fontRef idx="minor">
+            <a:schemeClr val="lt1"/>
+          </a:fontRef>
+        </p:style>
+        <p:txBody>
+          <a:bodyPr rtlCol="0" anchor="ctr"/>
+          <a:lstStyle/>
+          <a:p>
+            <a:pPr algn="ctr"/>
+            <a:r>
+              <a:rPr lang="en-US" altLang="ko-KR" dirty="0"/>
+              <a:t>-</a:t>
+            </a:r>
+            <a:endParaRPr lang="ko-KR" altLang="en-US" dirty="0"/>
+          </a:p>
+        </p:txBody>
+      </p:sp>
+      <p:sp>
+        <p:nvSpPr>
+          <p:cNvPr id="59" name="타원 58">
+            <a:extLst>
+              <a:ext uri="{FF2B5EF4-FFF2-40B4-BE49-F238E27FC236}">
+                <a16:creationId xmlns:a16="http://schemas.microsoft.com/office/drawing/2014/main" id="{0B162CA4-F4D8-443D-9C32-AD28754CC84D}"/>
+              </a:ext>
+            </a:extLst>
+          </p:cNvPr>
+          <p:cNvSpPr/>
+          <p:nvPr/>
+        </p:nvSpPr>
+        <p:spPr>
+          <a:xfrm>
+            <a:off x="3534888" y="4397571"/>
+            <a:ext cx="239696" cy="239696"/>
+          </a:xfrm>
+          <a:prstGeom prst="ellipse">
+            <a:avLst/>
+          </a:prstGeom>
+          <a:solidFill>
+            <a:srgbClr val="7030A0"/>
+          </a:solidFill>
+        </p:spPr>
+        <p:style>
+          <a:lnRef idx="2">
+            <a:schemeClr val="accent1">
+              <a:shade val="50000"/>
+            </a:schemeClr>
+          </a:lnRef>
+          <a:fillRef idx="1">
+            <a:schemeClr val="accent1"/>
+          </a:fillRef>
+          <a:effectRef idx="0">
+            <a:schemeClr val="accent1"/>
+          </a:effectRef>
+          <a:fontRef idx="minor">
+            <a:schemeClr val="lt1"/>
+          </a:fontRef>
+        </p:style>
+        <p:txBody>
+          <a:bodyPr rtlCol="0" anchor="ctr"/>
+          <a:lstStyle/>
+          <a:p>
+            <a:pPr algn="ctr"/>
+            <a:r>
+              <a:rPr lang="en-US" altLang="ko-KR" dirty="0"/>
+              <a:t>-</a:t>
+            </a:r>
+            <a:endParaRPr lang="ko-KR" altLang="en-US" dirty="0"/>
+          </a:p>
+        </p:txBody>
+      </p:sp>
+      <p:sp>
+        <p:nvSpPr>
+          <p:cNvPr id="60" name="타원 59">
+            <a:extLst>
+              <a:ext uri="{FF2B5EF4-FFF2-40B4-BE49-F238E27FC236}">
+                <a16:creationId xmlns:a16="http://schemas.microsoft.com/office/drawing/2014/main" id="{3CEDE07A-6752-493E-9819-1B97E8DFE54C}"/>
+              </a:ext>
+            </a:extLst>
+          </p:cNvPr>
+          <p:cNvSpPr/>
+          <p:nvPr/>
+        </p:nvSpPr>
+        <p:spPr>
+          <a:xfrm>
+            <a:off x="6886112" y="4397571"/>
+            <a:ext cx="239696" cy="239696"/>
+          </a:xfrm>
+          <a:prstGeom prst="ellipse">
+            <a:avLst/>
+          </a:prstGeom>
+          <a:solidFill>
+            <a:srgbClr val="7030A0"/>
+          </a:solidFill>
+        </p:spPr>
+        <p:style>
+          <a:lnRef idx="2">
+            <a:schemeClr val="accent1">
+              <a:shade val="50000"/>
+            </a:schemeClr>
+          </a:lnRef>
+          <a:fillRef idx="1">
+            <a:schemeClr val="accent1"/>
+          </a:fillRef>
+          <a:effectRef idx="0">
+            <a:schemeClr val="accent1"/>
+          </a:effectRef>
+          <a:fontRef idx="minor">
+            <a:schemeClr val="lt1"/>
+          </a:fontRef>
+        </p:style>
+        <p:txBody>
+          <a:bodyPr rtlCol="0" anchor="ctr"/>
+          <a:lstStyle/>
+          <a:p>
+            <a:pPr algn="ctr"/>
+            <a:r>
+              <a:rPr lang="en-US" altLang="ko-KR" dirty="0"/>
+              <a:t>-</a:t>
+            </a:r>
+            <a:endParaRPr lang="ko-KR" altLang="en-US" dirty="0"/>
+          </a:p>
+        </p:txBody>
+      </p:sp>
+      <p:sp>
+        <p:nvSpPr>
+          <p:cNvPr id="61" name="화살표: 오른쪽 60">
+            <a:extLst>
+              <a:ext uri="{FF2B5EF4-FFF2-40B4-BE49-F238E27FC236}">
+                <a16:creationId xmlns:a16="http://schemas.microsoft.com/office/drawing/2014/main" id="{87638A7F-46B3-46F6-8C69-29AFD24446E3}"/>
+              </a:ext>
+            </a:extLst>
+          </p:cNvPr>
+          <p:cNvSpPr/>
+          <p:nvPr/>
+        </p:nvSpPr>
+        <p:spPr>
+          <a:xfrm>
+            <a:off x="3325538" y="4413114"/>
+            <a:ext cx="3879542" cy="104305"/>
+          </a:xfrm>
+          <a:prstGeom prst="rightArrow">
+            <a:avLst/>
+          </a:prstGeom>
+        </p:spPr>
+        <p:style>
+          <a:lnRef idx="2">
+            <a:schemeClr val="accent1">
+              <a:shade val="50000"/>
+            </a:schemeClr>
+          </a:lnRef>
+          <a:fillRef idx="1">
+            <a:schemeClr val="accent1"/>
+          </a:fillRef>
+          <a:effectRef idx="0">
+            <a:schemeClr val="accent1"/>
+          </a:effectRef>
+          <a:fontRef idx="minor">
+            <a:schemeClr val="lt1"/>
+          </a:fontRef>
+        </p:style>
+        <p:txBody>
+          <a:bodyPr rtlCol="0" anchor="ctr"/>
+          <a:lstStyle/>
+          <a:p>
+            <a:pPr algn="ctr"/>
+            <a:endParaRPr lang="ko-KR" altLang="en-US"/>
+          </a:p>
+        </p:txBody>
+      </p:sp>
+      <p:sp>
+        <p:nvSpPr>
+          <p:cNvPr id="62" name="타원 61">
+            <a:extLst>
+              <a:ext uri="{FF2B5EF4-FFF2-40B4-BE49-F238E27FC236}">
+                <a16:creationId xmlns:a16="http://schemas.microsoft.com/office/drawing/2014/main" id="{A0AD10A5-EBEB-40E4-9557-1C1BE84E3457}"/>
+              </a:ext>
+            </a:extLst>
+          </p:cNvPr>
+          <p:cNvSpPr/>
+          <p:nvPr/>
+        </p:nvSpPr>
+        <p:spPr>
+          <a:xfrm>
+            <a:off x="3927322" y="4564048"/>
+            <a:ext cx="239696" cy="239696"/>
+          </a:xfrm>
+          <a:prstGeom prst="ellipse">
+            <a:avLst/>
+          </a:prstGeom>
+          <a:solidFill>
+            <a:srgbClr val="7030A0"/>
+          </a:solidFill>
+        </p:spPr>
+        <p:style>
+          <a:lnRef idx="2">
+            <a:schemeClr val="accent1">
+              <a:shade val="50000"/>
+            </a:schemeClr>
+          </a:lnRef>
+          <a:fillRef idx="1">
+            <a:schemeClr val="accent1"/>
+          </a:fillRef>
+          <a:effectRef idx="0">
+            <a:schemeClr val="accent1"/>
+          </a:effectRef>
+          <a:fontRef idx="minor">
+            <a:schemeClr val="lt1"/>
+          </a:fontRef>
+        </p:style>
+        <p:txBody>
+          <a:bodyPr rtlCol="0" anchor="ctr"/>
+          <a:lstStyle/>
+          <a:p>
+            <a:pPr algn="ctr"/>
+            <a:r>
+              <a:rPr lang="en-US" altLang="ko-KR" dirty="0"/>
+              <a:t>-</a:t>
+            </a:r>
+            <a:endParaRPr lang="ko-KR" altLang="en-US" dirty="0"/>
+          </a:p>
+        </p:txBody>
+      </p:sp>
+      <p:sp>
+        <p:nvSpPr>
+          <p:cNvPr id="63" name="타원 62">
+            <a:extLst>
+              <a:ext uri="{FF2B5EF4-FFF2-40B4-BE49-F238E27FC236}">
+                <a16:creationId xmlns:a16="http://schemas.microsoft.com/office/drawing/2014/main" id="{CC26F6FA-BEFB-41DB-A569-C3E292E43191}"/>
+              </a:ext>
+            </a:extLst>
+          </p:cNvPr>
+          <p:cNvSpPr/>
+          <p:nvPr/>
+        </p:nvSpPr>
+        <p:spPr>
+          <a:xfrm>
+            <a:off x="4434802" y="4564048"/>
+            <a:ext cx="239696" cy="239696"/>
+          </a:xfrm>
+          <a:prstGeom prst="ellipse">
+            <a:avLst/>
+          </a:prstGeom>
+          <a:solidFill>
+            <a:srgbClr val="7030A0"/>
+          </a:solidFill>
+        </p:spPr>
+        <p:style>
+          <a:lnRef idx="2">
+            <a:schemeClr val="accent1">
+              <a:shade val="50000"/>
+            </a:schemeClr>
+          </a:lnRef>
+          <a:fillRef idx="1">
+            <a:schemeClr val="accent1"/>
+          </a:fillRef>
+          <a:effectRef idx="0">
+            <a:schemeClr val="accent1"/>
+          </a:effectRef>
+          <a:fontRef idx="minor">
+            <a:schemeClr val="lt1"/>
+          </a:fontRef>
+        </p:style>
+        <p:txBody>
+          <a:bodyPr rtlCol="0" anchor="ctr"/>
+          <a:lstStyle/>
+          <a:p>
+            <a:pPr algn="ctr"/>
+            <a:r>
+              <a:rPr lang="en-US" altLang="ko-KR" dirty="0"/>
+              <a:t>-</a:t>
+            </a:r>
+            <a:endParaRPr lang="ko-KR" altLang="en-US" dirty="0"/>
+          </a:p>
+        </p:txBody>
+      </p:sp>
+      <p:sp>
+        <p:nvSpPr>
+          <p:cNvPr id="64" name="타원 63">
+            <a:extLst>
+              <a:ext uri="{FF2B5EF4-FFF2-40B4-BE49-F238E27FC236}">
+                <a16:creationId xmlns:a16="http://schemas.microsoft.com/office/drawing/2014/main" id="{37EBC780-2F1D-441B-987B-C1BA60C637A7}"/>
+              </a:ext>
+            </a:extLst>
+          </p:cNvPr>
+          <p:cNvSpPr/>
+          <p:nvPr/>
+        </p:nvSpPr>
+        <p:spPr>
+          <a:xfrm>
+            <a:off x="4958402" y="4567373"/>
+            <a:ext cx="239696" cy="239696"/>
+          </a:xfrm>
+          <a:prstGeom prst="ellipse">
+            <a:avLst/>
+          </a:prstGeom>
+          <a:solidFill>
+            <a:srgbClr val="7030A0"/>
+          </a:solidFill>
+        </p:spPr>
+        <p:style>
+          <a:lnRef idx="2">
+            <a:schemeClr val="accent1">
+              <a:shade val="50000"/>
+            </a:schemeClr>
+          </a:lnRef>
+          <a:fillRef idx="1">
+            <a:schemeClr val="accent1"/>
+          </a:fillRef>
+          <a:effectRef idx="0">
+            <a:schemeClr val="accent1"/>
+          </a:effectRef>
+          <a:fontRef idx="minor">
+            <a:schemeClr val="lt1"/>
+          </a:fontRef>
+        </p:style>
+        <p:txBody>
+          <a:bodyPr rtlCol="0" anchor="ctr"/>
+          <a:lstStyle/>
+          <a:p>
+            <a:pPr algn="ctr"/>
+            <a:r>
+              <a:rPr lang="en-US" altLang="ko-KR" dirty="0"/>
+              <a:t>-</a:t>
+            </a:r>
+            <a:endParaRPr lang="ko-KR" altLang="en-US" dirty="0"/>
+          </a:p>
+        </p:txBody>
+      </p:sp>
+      <p:sp>
+        <p:nvSpPr>
+          <p:cNvPr id="65" name="타원 64">
+            <a:extLst>
+              <a:ext uri="{FF2B5EF4-FFF2-40B4-BE49-F238E27FC236}">
+                <a16:creationId xmlns:a16="http://schemas.microsoft.com/office/drawing/2014/main" id="{95FA98E3-5368-4384-9BBF-AA374C2C9C73}"/>
+              </a:ext>
+            </a:extLst>
+          </p:cNvPr>
+          <p:cNvSpPr/>
+          <p:nvPr/>
+        </p:nvSpPr>
+        <p:spPr>
+          <a:xfrm>
+            <a:off x="5465638" y="4564048"/>
+            <a:ext cx="239696" cy="239696"/>
+          </a:xfrm>
+          <a:prstGeom prst="ellipse">
+            <a:avLst/>
+          </a:prstGeom>
+          <a:solidFill>
+            <a:srgbClr val="7030A0"/>
+          </a:solidFill>
+        </p:spPr>
+        <p:style>
+          <a:lnRef idx="2">
+            <a:schemeClr val="accent1">
+              <a:shade val="50000"/>
+            </a:schemeClr>
+          </a:lnRef>
+          <a:fillRef idx="1">
+            <a:schemeClr val="accent1"/>
+          </a:fillRef>
+          <a:effectRef idx="0">
+            <a:schemeClr val="accent1"/>
+          </a:effectRef>
+          <a:fontRef idx="minor">
+            <a:schemeClr val="lt1"/>
+          </a:fontRef>
+        </p:style>
+        <p:txBody>
+          <a:bodyPr rtlCol="0" anchor="ctr"/>
+          <a:lstStyle/>
+          <a:p>
+            <a:pPr algn="ctr"/>
+            <a:r>
+              <a:rPr lang="en-US" altLang="ko-KR" dirty="0"/>
+              <a:t>-</a:t>
+            </a:r>
+            <a:endParaRPr lang="ko-KR" altLang="en-US" dirty="0"/>
+          </a:p>
+        </p:txBody>
+      </p:sp>
+      <p:sp>
+        <p:nvSpPr>
+          <p:cNvPr id="66" name="타원 65">
+            <a:extLst>
+              <a:ext uri="{FF2B5EF4-FFF2-40B4-BE49-F238E27FC236}">
+                <a16:creationId xmlns:a16="http://schemas.microsoft.com/office/drawing/2014/main" id="{FC0E3F5B-753F-40A6-8088-2D122DD5BF60}"/>
+              </a:ext>
+            </a:extLst>
+          </p:cNvPr>
+          <p:cNvSpPr/>
+          <p:nvPr/>
+        </p:nvSpPr>
+        <p:spPr>
+          <a:xfrm>
+            <a:off x="5945379" y="4564048"/>
+            <a:ext cx="239696" cy="239696"/>
+          </a:xfrm>
+          <a:prstGeom prst="ellipse">
+            <a:avLst/>
+          </a:prstGeom>
+          <a:solidFill>
+            <a:srgbClr val="7030A0"/>
+          </a:solidFill>
+        </p:spPr>
+        <p:style>
+          <a:lnRef idx="2">
+            <a:schemeClr val="accent1">
+              <a:shade val="50000"/>
+            </a:schemeClr>
+          </a:lnRef>
+          <a:fillRef idx="1">
+            <a:schemeClr val="accent1"/>
+          </a:fillRef>
+          <a:effectRef idx="0">
+            <a:schemeClr val="accent1"/>
+          </a:effectRef>
+          <a:fontRef idx="minor">
+            <a:schemeClr val="lt1"/>
+          </a:fontRef>
+        </p:style>
+        <p:txBody>
+          <a:bodyPr rtlCol="0" anchor="ctr"/>
+          <a:lstStyle/>
+          <a:p>
+            <a:pPr algn="ctr"/>
+            <a:r>
+              <a:rPr lang="en-US" altLang="ko-KR" dirty="0"/>
+              <a:t>-</a:t>
+            </a:r>
+            <a:endParaRPr lang="ko-KR" altLang="en-US" dirty="0"/>
+          </a:p>
+        </p:txBody>
+      </p:sp>
+      <p:sp>
+        <p:nvSpPr>
+          <p:cNvPr id="67" name="타원 66">
+            <a:extLst>
+              <a:ext uri="{FF2B5EF4-FFF2-40B4-BE49-F238E27FC236}">
+                <a16:creationId xmlns:a16="http://schemas.microsoft.com/office/drawing/2014/main" id="{84416DA7-B554-4B67-82A7-5DB135AD442F}"/>
+              </a:ext>
+            </a:extLst>
+          </p:cNvPr>
+          <p:cNvSpPr/>
+          <p:nvPr/>
+        </p:nvSpPr>
+        <p:spPr>
+          <a:xfrm>
+            <a:off x="6462465" y="4548505"/>
+            <a:ext cx="239696" cy="239696"/>
+          </a:xfrm>
+          <a:prstGeom prst="ellipse">
+            <a:avLst/>
+          </a:prstGeom>
+          <a:solidFill>
+            <a:srgbClr val="7030A0"/>
+          </a:solidFill>
+        </p:spPr>
+        <p:style>
+          <a:lnRef idx="2">
+            <a:schemeClr val="accent1">
+              <a:shade val="50000"/>
+            </a:schemeClr>
+          </a:lnRef>
+          <a:fillRef idx="1">
+            <a:schemeClr val="accent1"/>
+          </a:fillRef>
+          <a:effectRef idx="0">
+            <a:schemeClr val="accent1"/>
+          </a:effectRef>
+          <a:fontRef idx="minor">
+            <a:schemeClr val="lt1"/>
+          </a:fontRef>
+        </p:style>
+        <p:txBody>
+          <a:bodyPr rtlCol="0" anchor="ctr"/>
+          <a:lstStyle/>
+          <a:p>
+            <a:pPr algn="ctr"/>
+            <a:r>
+              <a:rPr lang="en-US" altLang="ko-KR" dirty="0"/>
+              <a:t>-</a:t>
+            </a:r>
+            <a:endParaRPr lang="ko-KR" altLang="en-US" dirty="0"/>
+          </a:p>
+        </p:txBody>
+      </p:sp>
+      <p:sp>
+        <p:nvSpPr>
+          <p:cNvPr id="68" name="타원 67">
+            <a:extLst>
+              <a:ext uri="{FF2B5EF4-FFF2-40B4-BE49-F238E27FC236}">
+                <a16:creationId xmlns:a16="http://schemas.microsoft.com/office/drawing/2014/main" id="{D99D708D-91AC-4335-90D5-83B6CE83222A}"/>
+              </a:ext>
+            </a:extLst>
+          </p:cNvPr>
+          <p:cNvSpPr/>
+          <p:nvPr/>
+        </p:nvSpPr>
+        <p:spPr>
+          <a:xfrm>
+            <a:off x="3534888" y="4548505"/>
+            <a:ext cx="239696" cy="239696"/>
+          </a:xfrm>
+          <a:prstGeom prst="ellipse">
+            <a:avLst/>
+          </a:prstGeom>
+          <a:solidFill>
+            <a:srgbClr val="7030A0"/>
+          </a:solidFill>
+        </p:spPr>
+        <p:style>
+          <a:lnRef idx="2">
+            <a:schemeClr val="accent1">
+              <a:shade val="50000"/>
+            </a:schemeClr>
+          </a:lnRef>
+          <a:fillRef idx="1">
+            <a:schemeClr val="accent1"/>
+          </a:fillRef>
+          <a:effectRef idx="0">
+            <a:schemeClr val="accent1"/>
+          </a:effectRef>
+          <a:fontRef idx="minor">
+            <a:schemeClr val="lt1"/>
+          </a:fontRef>
+        </p:style>
+        <p:txBody>
+          <a:bodyPr rtlCol="0" anchor="ctr"/>
+          <a:lstStyle/>
+          <a:p>
+            <a:pPr algn="ctr"/>
+            <a:r>
+              <a:rPr lang="en-US" altLang="ko-KR" dirty="0"/>
+              <a:t>-</a:t>
+            </a:r>
+            <a:endParaRPr lang="ko-KR" altLang="en-US" dirty="0"/>
+          </a:p>
+        </p:txBody>
+      </p:sp>
+      <p:sp>
+        <p:nvSpPr>
+          <p:cNvPr id="69" name="타원 68">
+            <a:extLst>
+              <a:ext uri="{FF2B5EF4-FFF2-40B4-BE49-F238E27FC236}">
+                <a16:creationId xmlns:a16="http://schemas.microsoft.com/office/drawing/2014/main" id="{C08A028C-1339-4472-B4F5-9B472639FA23}"/>
+              </a:ext>
+            </a:extLst>
+          </p:cNvPr>
+          <p:cNvSpPr/>
+          <p:nvPr/>
+        </p:nvSpPr>
+        <p:spPr>
+          <a:xfrm>
+            <a:off x="6886112" y="4548505"/>
+            <a:ext cx="239696" cy="239696"/>
+          </a:xfrm>
+          <a:prstGeom prst="ellipse">
+            <a:avLst/>
+          </a:prstGeom>
+          <a:solidFill>
+            <a:srgbClr val="7030A0"/>
+          </a:solidFill>
+        </p:spPr>
+        <p:style>
+          <a:lnRef idx="2">
+            <a:schemeClr val="accent1">
+              <a:shade val="50000"/>
+            </a:schemeClr>
+          </a:lnRef>
+          <a:fillRef idx="1">
+            <a:schemeClr val="accent1"/>
+          </a:fillRef>
+          <a:effectRef idx="0">
+            <a:schemeClr val="accent1"/>
+          </a:effectRef>
+          <a:fontRef idx="minor">
+            <a:schemeClr val="lt1"/>
+          </a:fontRef>
+        </p:style>
+        <p:txBody>
+          <a:bodyPr rtlCol="0" anchor="ctr"/>
+          <a:lstStyle/>
+          <a:p>
+            <a:pPr algn="ctr"/>
+            <a:r>
+              <a:rPr lang="en-US" altLang="ko-KR" dirty="0"/>
+              <a:t>-</a:t>
+            </a:r>
+            <a:endParaRPr lang="ko-KR" altLang="en-US" dirty="0"/>
+          </a:p>
+        </p:txBody>
+      </p:sp>
+      <p:sp>
+        <p:nvSpPr>
+          <p:cNvPr id="70" name="타원 69">
+            <a:extLst>
+              <a:ext uri="{FF2B5EF4-FFF2-40B4-BE49-F238E27FC236}">
+                <a16:creationId xmlns:a16="http://schemas.microsoft.com/office/drawing/2014/main" id="{C6FA4FCB-7BDE-41A8-B0E7-BA6C2FB7F454}"/>
+              </a:ext>
+            </a:extLst>
+          </p:cNvPr>
+          <p:cNvSpPr/>
+          <p:nvPr/>
+        </p:nvSpPr>
+        <p:spPr>
+          <a:xfrm>
+            <a:off x="3935573" y="4689987"/>
+            <a:ext cx="239696" cy="239696"/>
+          </a:xfrm>
+          <a:prstGeom prst="ellipse">
+            <a:avLst/>
+          </a:prstGeom>
+          <a:solidFill>
+            <a:srgbClr val="7030A0"/>
+          </a:solidFill>
+        </p:spPr>
+        <p:style>
+          <a:lnRef idx="2">
+            <a:schemeClr val="accent1">
+              <a:shade val="50000"/>
+            </a:schemeClr>
+          </a:lnRef>
+          <a:fillRef idx="1">
+            <a:schemeClr val="accent1"/>
+          </a:fillRef>
+          <a:effectRef idx="0">
+            <a:schemeClr val="accent1"/>
+          </a:effectRef>
+          <a:fontRef idx="minor">
+            <a:schemeClr val="lt1"/>
+          </a:fontRef>
+        </p:style>
+        <p:txBody>
+          <a:bodyPr rtlCol="0" anchor="ctr"/>
+          <a:lstStyle/>
+          <a:p>
+            <a:pPr algn="ctr"/>
+            <a:r>
+              <a:rPr lang="en-US" altLang="ko-KR" dirty="0"/>
+              <a:t>-</a:t>
+            </a:r>
+            <a:endParaRPr lang="ko-KR" altLang="en-US" dirty="0"/>
+          </a:p>
+        </p:txBody>
+      </p:sp>
+      <p:sp>
+        <p:nvSpPr>
+          <p:cNvPr id="71" name="타원 70">
+            <a:extLst>
+              <a:ext uri="{FF2B5EF4-FFF2-40B4-BE49-F238E27FC236}">
+                <a16:creationId xmlns:a16="http://schemas.microsoft.com/office/drawing/2014/main" id="{A6D48618-9B1D-434A-BAE8-2BA518B58705}"/>
+              </a:ext>
+            </a:extLst>
+          </p:cNvPr>
+          <p:cNvSpPr/>
+          <p:nvPr/>
+        </p:nvSpPr>
+        <p:spPr>
+          <a:xfrm>
+            <a:off x="4443053" y="4689987"/>
+            <a:ext cx="239696" cy="239696"/>
+          </a:xfrm>
+          <a:prstGeom prst="ellipse">
+            <a:avLst/>
+          </a:prstGeom>
+          <a:solidFill>
+            <a:srgbClr val="7030A0"/>
+          </a:solidFill>
+        </p:spPr>
+        <p:style>
+          <a:lnRef idx="2">
+            <a:schemeClr val="accent1">
+              <a:shade val="50000"/>
+            </a:schemeClr>
+          </a:lnRef>
+          <a:fillRef idx="1">
+            <a:schemeClr val="accent1"/>
+          </a:fillRef>
+          <a:effectRef idx="0">
+            <a:schemeClr val="accent1"/>
+          </a:effectRef>
+          <a:fontRef idx="minor">
+            <a:schemeClr val="lt1"/>
+          </a:fontRef>
+        </p:style>
+        <p:txBody>
+          <a:bodyPr rtlCol="0" anchor="ctr"/>
+          <a:lstStyle/>
+          <a:p>
+            <a:pPr algn="ctr"/>
+            <a:r>
+              <a:rPr lang="en-US" altLang="ko-KR" dirty="0"/>
+              <a:t>-</a:t>
+            </a:r>
+            <a:endParaRPr lang="ko-KR" altLang="en-US" dirty="0"/>
+          </a:p>
+        </p:txBody>
+      </p:sp>
+      <p:sp>
+        <p:nvSpPr>
+          <p:cNvPr id="72" name="타원 71">
+            <a:extLst>
+              <a:ext uri="{FF2B5EF4-FFF2-40B4-BE49-F238E27FC236}">
+                <a16:creationId xmlns:a16="http://schemas.microsoft.com/office/drawing/2014/main" id="{FEF0CC30-1B20-4F3F-A74E-E97650574D5B}"/>
+              </a:ext>
+            </a:extLst>
+          </p:cNvPr>
+          <p:cNvSpPr/>
+          <p:nvPr/>
+        </p:nvSpPr>
+        <p:spPr>
+          <a:xfrm>
+            <a:off x="4966653" y="4693312"/>
+            <a:ext cx="239696" cy="239696"/>
+          </a:xfrm>
+          <a:prstGeom prst="ellipse">
+            <a:avLst/>
+          </a:prstGeom>
+          <a:solidFill>
+            <a:srgbClr val="7030A0"/>
+          </a:solidFill>
+        </p:spPr>
+        <p:style>
+          <a:lnRef idx="2">
+            <a:schemeClr val="accent1">
+              <a:shade val="50000"/>
+            </a:schemeClr>
+          </a:lnRef>
+          <a:fillRef idx="1">
+            <a:schemeClr val="accent1"/>
+          </a:fillRef>
+          <a:effectRef idx="0">
+            <a:schemeClr val="accent1"/>
+          </a:effectRef>
+          <a:fontRef idx="minor">
+            <a:schemeClr val="lt1"/>
+          </a:fontRef>
+        </p:style>
+        <p:txBody>
+          <a:bodyPr rtlCol="0" anchor="ctr"/>
+          <a:lstStyle/>
+          <a:p>
+            <a:pPr algn="ctr"/>
+            <a:r>
+              <a:rPr lang="en-US" altLang="ko-KR" dirty="0"/>
+              <a:t>-</a:t>
+            </a:r>
+            <a:endParaRPr lang="ko-KR" altLang="en-US" dirty="0"/>
+          </a:p>
+        </p:txBody>
+      </p:sp>
+      <p:sp>
+        <p:nvSpPr>
+          <p:cNvPr id="73" name="타원 72">
+            <a:extLst>
+              <a:ext uri="{FF2B5EF4-FFF2-40B4-BE49-F238E27FC236}">
+                <a16:creationId xmlns:a16="http://schemas.microsoft.com/office/drawing/2014/main" id="{050C44A3-AFDC-4270-BCBF-9B9FEA112824}"/>
+              </a:ext>
+            </a:extLst>
+          </p:cNvPr>
+          <p:cNvSpPr/>
+          <p:nvPr/>
+        </p:nvSpPr>
+        <p:spPr>
+          <a:xfrm>
+            <a:off x="5473889" y="4689987"/>
+            <a:ext cx="239696" cy="239696"/>
+          </a:xfrm>
+          <a:prstGeom prst="ellipse">
+            <a:avLst/>
+          </a:prstGeom>
+          <a:solidFill>
+            <a:srgbClr val="7030A0"/>
+          </a:solidFill>
+        </p:spPr>
+        <p:style>
+          <a:lnRef idx="2">
+            <a:schemeClr val="accent1">
+              <a:shade val="50000"/>
+            </a:schemeClr>
+          </a:lnRef>
+          <a:fillRef idx="1">
+            <a:schemeClr val="accent1"/>
+          </a:fillRef>
+          <a:effectRef idx="0">
+            <a:schemeClr val="accent1"/>
+          </a:effectRef>
+          <a:fontRef idx="minor">
+            <a:schemeClr val="lt1"/>
+          </a:fontRef>
+        </p:style>
+        <p:txBody>
+          <a:bodyPr rtlCol="0" anchor="ctr"/>
+          <a:lstStyle/>
+          <a:p>
+            <a:pPr algn="ctr"/>
+            <a:r>
+              <a:rPr lang="en-US" altLang="ko-KR" dirty="0"/>
+              <a:t>-</a:t>
+            </a:r>
+            <a:endParaRPr lang="ko-KR" altLang="en-US" dirty="0"/>
+          </a:p>
+        </p:txBody>
+      </p:sp>
+      <p:sp>
+        <p:nvSpPr>
+          <p:cNvPr id="74" name="타원 73">
+            <a:extLst>
+              <a:ext uri="{FF2B5EF4-FFF2-40B4-BE49-F238E27FC236}">
+                <a16:creationId xmlns:a16="http://schemas.microsoft.com/office/drawing/2014/main" id="{DAF002FD-2885-467B-8E3B-2AAF0E209C05}"/>
+              </a:ext>
+            </a:extLst>
+          </p:cNvPr>
+          <p:cNvSpPr/>
+          <p:nvPr/>
+        </p:nvSpPr>
+        <p:spPr>
+          <a:xfrm>
+            <a:off x="5953630" y="4689987"/>
+            <a:ext cx="239696" cy="239696"/>
+          </a:xfrm>
+          <a:prstGeom prst="ellipse">
+            <a:avLst/>
+          </a:prstGeom>
+          <a:solidFill>
+            <a:srgbClr val="7030A0"/>
+          </a:solidFill>
+        </p:spPr>
+        <p:style>
+          <a:lnRef idx="2">
+            <a:schemeClr val="accent1">
+              <a:shade val="50000"/>
+            </a:schemeClr>
+          </a:lnRef>
+          <a:fillRef idx="1">
+            <a:schemeClr val="accent1"/>
+          </a:fillRef>
+          <a:effectRef idx="0">
+            <a:schemeClr val="accent1"/>
+          </a:effectRef>
+          <a:fontRef idx="minor">
+            <a:schemeClr val="lt1"/>
+          </a:fontRef>
+        </p:style>
+        <p:txBody>
+          <a:bodyPr rtlCol="0" anchor="ctr"/>
+          <a:lstStyle/>
+          <a:p>
+            <a:pPr algn="ctr"/>
+            <a:r>
+              <a:rPr lang="en-US" altLang="ko-KR" dirty="0"/>
+              <a:t>-</a:t>
+            </a:r>
+            <a:endParaRPr lang="ko-KR" altLang="en-US" dirty="0"/>
+          </a:p>
+        </p:txBody>
+      </p:sp>
+      <p:sp>
+        <p:nvSpPr>
+          <p:cNvPr id="75" name="타원 74">
+            <a:extLst>
+              <a:ext uri="{FF2B5EF4-FFF2-40B4-BE49-F238E27FC236}">
+                <a16:creationId xmlns:a16="http://schemas.microsoft.com/office/drawing/2014/main" id="{5FD523E6-B643-4C97-8509-870C0E2F6BB3}"/>
+              </a:ext>
+            </a:extLst>
+          </p:cNvPr>
+          <p:cNvSpPr/>
+          <p:nvPr/>
+        </p:nvSpPr>
+        <p:spPr>
+          <a:xfrm>
+            <a:off x="6470716" y="4674444"/>
+            <a:ext cx="239696" cy="239696"/>
+          </a:xfrm>
+          <a:prstGeom prst="ellipse">
+            <a:avLst/>
+          </a:prstGeom>
+          <a:solidFill>
+            <a:srgbClr val="7030A0"/>
+          </a:solidFill>
+        </p:spPr>
+        <p:style>
+          <a:lnRef idx="2">
+            <a:schemeClr val="accent1">
+              <a:shade val="50000"/>
+            </a:schemeClr>
+          </a:lnRef>
+          <a:fillRef idx="1">
+            <a:schemeClr val="accent1"/>
+          </a:fillRef>
+          <a:effectRef idx="0">
+            <a:schemeClr val="accent1"/>
+          </a:effectRef>
+          <a:fontRef idx="minor">
+            <a:schemeClr val="lt1"/>
+          </a:fontRef>
+        </p:style>
+        <p:txBody>
+          <a:bodyPr rtlCol="0" anchor="ctr"/>
+          <a:lstStyle/>
+          <a:p>
+            <a:pPr algn="ctr"/>
+            <a:r>
+              <a:rPr lang="en-US" altLang="ko-KR" dirty="0"/>
+              <a:t>-</a:t>
+            </a:r>
+            <a:endParaRPr lang="ko-KR" altLang="en-US" dirty="0"/>
+          </a:p>
+        </p:txBody>
+      </p:sp>
+      <p:sp>
+        <p:nvSpPr>
+          <p:cNvPr id="76" name="타원 75">
+            <a:extLst>
+              <a:ext uri="{FF2B5EF4-FFF2-40B4-BE49-F238E27FC236}">
+                <a16:creationId xmlns:a16="http://schemas.microsoft.com/office/drawing/2014/main" id="{108E5884-1174-4B0A-A6F2-5AD4011CEA77}"/>
+              </a:ext>
+            </a:extLst>
+          </p:cNvPr>
+          <p:cNvSpPr/>
+          <p:nvPr/>
+        </p:nvSpPr>
+        <p:spPr>
+          <a:xfrm>
+            <a:off x="3543139" y="4674444"/>
+            <a:ext cx="239696" cy="239696"/>
+          </a:xfrm>
+          <a:prstGeom prst="ellipse">
+            <a:avLst/>
+          </a:prstGeom>
+          <a:solidFill>
+            <a:srgbClr val="7030A0"/>
+          </a:solidFill>
+        </p:spPr>
+        <p:style>
+          <a:lnRef idx="2">
+            <a:schemeClr val="accent1">
+              <a:shade val="50000"/>
+            </a:schemeClr>
+          </a:lnRef>
+          <a:fillRef idx="1">
+            <a:schemeClr val="accent1"/>
+          </a:fillRef>
+          <a:effectRef idx="0">
+            <a:schemeClr val="accent1"/>
+          </a:effectRef>
+          <a:fontRef idx="minor">
+            <a:schemeClr val="lt1"/>
+          </a:fontRef>
+        </p:style>
+        <p:txBody>
+          <a:bodyPr rtlCol="0" anchor="ctr"/>
+          <a:lstStyle/>
+          <a:p>
+            <a:pPr algn="ctr"/>
+            <a:r>
+              <a:rPr lang="en-US" altLang="ko-KR" dirty="0"/>
+              <a:t>-</a:t>
+            </a:r>
+            <a:endParaRPr lang="ko-KR" altLang="en-US" dirty="0"/>
+          </a:p>
+        </p:txBody>
+      </p:sp>
+      <p:sp>
+        <p:nvSpPr>
+          <p:cNvPr id="77" name="타원 76">
+            <a:extLst>
+              <a:ext uri="{FF2B5EF4-FFF2-40B4-BE49-F238E27FC236}">
+                <a16:creationId xmlns:a16="http://schemas.microsoft.com/office/drawing/2014/main" id="{58E849DB-5451-4F41-B04E-EAC8B8FDA615}"/>
+              </a:ext>
+            </a:extLst>
+          </p:cNvPr>
+          <p:cNvSpPr/>
+          <p:nvPr/>
+        </p:nvSpPr>
+        <p:spPr>
+          <a:xfrm>
+            <a:off x="6894363" y="4674444"/>
+            <a:ext cx="239696" cy="239696"/>
+          </a:xfrm>
+          <a:prstGeom prst="ellipse">
+            <a:avLst/>
+          </a:prstGeom>
+          <a:solidFill>
+            <a:srgbClr val="7030A0"/>
+          </a:solidFill>
+        </p:spPr>
+        <p:style>
+          <a:lnRef idx="2">
+            <a:schemeClr val="accent1">
+              <a:shade val="50000"/>
+            </a:schemeClr>
+          </a:lnRef>
+          <a:fillRef idx="1">
+            <a:schemeClr val="accent1"/>
+          </a:fillRef>
+          <a:effectRef idx="0">
+            <a:schemeClr val="accent1"/>
+          </a:effectRef>
+          <a:fontRef idx="minor">
+            <a:schemeClr val="lt1"/>
+          </a:fontRef>
+        </p:style>
+        <p:txBody>
+          <a:bodyPr rtlCol="0" anchor="ctr"/>
+          <a:lstStyle/>
+          <a:p>
+            <a:pPr algn="ctr"/>
+            <a:r>
+              <a:rPr lang="en-US" altLang="ko-KR" dirty="0"/>
+              <a:t>-</a:t>
+            </a:r>
+            <a:endParaRPr lang="ko-KR" altLang="en-US" dirty="0"/>
+          </a:p>
+        </p:txBody>
+      </p:sp>
+      <p:sp>
+        <p:nvSpPr>
+          <p:cNvPr id="78" name="타원 77">
+            <a:extLst>
+              <a:ext uri="{FF2B5EF4-FFF2-40B4-BE49-F238E27FC236}">
+                <a16:creationId xmlns:a16="http://schemas.microsoft.com/office/drawing/2014/main" id="{FA8FEF02-F84F-4C3F-8286-5A3DA4471E8E}"/>
+              </a:ext>
+            </a:extLst>
+          </p:cNvPr>
+          <p:cNvSpPr/>
+          <p:nvPr/>
+        </p:nvSpPr>
+        <p:spPr>
+          <a:xfrm>
+            <a:off x="3935573" y="4805399"/>
+            <a:ext cx="239696" cy="239696"/>
+          </a:xfrm>
+          <a:prstGeom prst="ellipse">
+            <a:avLst/>
+          </a:prstGeom>
+          <a:solidFill>
+            <a:srgbClr val="7030A0"/>
+          </a:solidFill>
+        </p:spPr>
+        <p:style>
+          <a:lnRef idx="2">
+            <a:schemeClr val="accent1">
+              <a:shade val="50000"/>
+            </a:schemeClr>
+          </a:lnRef>
+          <a:fillRef idx="1">
+            <a:schemeClr val="accent1"/>
+          </a:fillRef>
+          <a:effectRef idx="0">
+            <a:schemeClr val="accent1"/>
+          </a:effectRef>
+          <a:fontRef idx="minor">
+            <a:schemeClr val="lt1"/>
+          </a:fontRef>
+        </p:style>
+        <p:txBody>
+          <a:bodyPr rtlCol="0" anchor="ctr"/>
+          <a:lstStyle/>
+          <a:p>
+            <a:pPr algn="ctr"/>
+            <a:r>
+              <a:rPr lang="en-US" altLang="ko-KR" dirty="0"/>
+              <a:t>-</a:t>
+            </a:r>
+            <a:endParaRPr lang="ko-KR" altLang="en-US" dirty="0"/>
+          </a:p>
+        </p:txBody>
+      </p:sp>
+      <p:sp>
+        <p:nvSpPr>
+          <p:cNvPr id="79" name="타원 78">
+            <a:extLst>
+              <a:ext uri="{FF2B5EF4-FFF2-40B4-BE49-F238E27FC236}">
+                <a16:creationId xmlns:a16="http://schemas.microsoft.com/office/drawing/2014/main" id="{F1A82FE6-A0B0-400D-96F1-6651AD5EC5AD}"/>
+              </a:ext>
+            </a:extLst>
+          </p:cNvPr>
+          <p:cNvSpPr/>
+          <p:nvPr/>
+        </p:nvSpPr>
+        <p:spPr>
+          <a:xfrm>
+            <a:off x="4443053" y="4805399"/>
+            <a:ext cx="239696" cy="239696"/>
+          </a:xfrm>
+          <a:prstGeom prst="ellipse">
+            <a:avLst/>
+          </a:prstGeom>
+          <a:solidFill>
+            <a:srgbClr val="7030A0"/>
+          </a:solidFill>
+        </p:spPr>
+        <p:style>
+          <a:lnRef idx="2">
+            <a:schemeClr val="accent1">
+              <a:shade val="50000"/>
+            </a:schemeClr>
+          </a:lnRef>
+          <a:fillRef idx="1">
+            <a:schemeClr val="accent1"/>
+          </a:fillRef>
+          <a:effectRef idx="0">
+            <a:schemeClr val="accent1"/>
+          </a:effectRef>
+          <a:fontRef idx="minor">
+            <a:schemeClr val="lt1"/>
+          </a:fontRef>
+        </p:style>
+        <p:txBody>
+          <a:bodyPr rtlCol="0" anchor="ctr"/>
+          <a:lstStyle/>
+          <a:p>
+            <a:pPr algn="ctr"/>
+            <a:r>
+              <a:rPr lang="en-US" altLang="ko-KR" dirty="0"/>
+              <a:t>-</a:t>
+            </a:r>
+            <a:endParaRPr lang="ko-KR" altLang="en-US" dirty="0"/>
+          </a:p>
+        </p:txBody>
+      </p:sp>
+      <p:sp>
+        <p:nvSpPr>
+          <p:cNvPr id="80" name="타원 79">
+            <a:extLst>
+              <a:ext uri="{FF2B5EF4-FFF2-40B4-BE49-F238E27FC236}">
+                <a16:creationId xmlns:a16="http://schemas.microsoft.com/office/drawing/2014/main" id="{9C099ADE-A5A9-4205-AFF8-0520A5156049}"/>
+              </a:ext>
+            </a:extLst>
+          </p:cNvPr>
+          <p:cNvSpPr/>
+          <p:nvPr/>
+        </p:nvSpPr>
+        <p:spPr>
+          <a:xfrm>
+            <a:off x="4966653" y="4808724"/>
+            <a:ext cx="239696" cy="239696"/>
+          </a:xfrm>
+          <a:prstGeom prst="ellipse">
+            <a:avLst/>
+          </a:prstGeom>
+          <a:solidFill>
+            <a:srgbClr val="7030A0"/>
+          </a:solidFill>
+        </p:spPr>
+        <p:style>
+          <a:lnRef idx="2">
+            <a:schemeClr val="accent1">
+              <a:shade val="50000"/>
+            </a:schemeClr>
+          </a:lnRef>
+          <a:fillRef idx="1">
+            <a:schemeClr val="accent1"/>
+          </a:fillRef>
+          <a:effectRef idx="0">
+            <a:schemeClr val="accent1"/>
+          </a:effectRef>
+          <a:fontRef idx="minor">
+            <a:schemeClr val="lt1"/>
+          </a:fontRef>
+        </p:style>
+        <p:txBody>
+          <a:bodyPr rtlCol="0" anchor="ctr"/>
+          <a:lstStyle/>
+          <a:p>
+            <a:pPr algn="ctr"/>
+            <a:r>
+              <a:rPr lang="en-US" altLang="ko-KR" dirty="0"/>
+              <a:t>-</a:t>
+            </a:r>
+            <a:endParaRPr lang="ko-KR" altLang="en-US" dirty="0"/>
+          </a:p>
+        </p:txBody>
+      </p:sp>
+      <p:sp>
+        <p:nvSpPr>
+          <p:cNvPr id="81" name="타원 80">
+            <a:extLst>
+              <a:ext uri="{FF2B5EF4-FFF2-40B4-BE49-F238E27FC236}">
+                <a16:creationId xmlns:a16="http://schemas.microsoft.com/office/drawing/2014/main" id="{494D1FE9-4EE9-4050-9352-47ED6CA28EAB}"/>
+              </a:ext>
+            </a:extLst>
+          </p:cNvPr>
+          <p:cNvSpPr/>
+          <p:nvPr/>
+        </p:nvSpPr>
+        <p:spPr>
+          <a:xfrm>
+            <a:off x="5473889" y="4805399"/>
+            <a:ext cx="239696" cy="239696"/>
+          </a:xfrm>
+          <a:prstGeom prst="ellipse">
+            <a:avLst/>
+          </a:prstGeom>
+          <a:solidFill>
+            <a:srgbClr val="7030A0"/>
+          </a:solidFill>
+        </p:spPr>
+        <p:style>
+          <a:lnRef idx="2">
+            <a:schemeClr val="accent1">
+              <a:shade val="50000"/>
+            </a:schemeClr>
+          </a:lnRef>
+          <a:fillRef idx="1">
+            <a:schemeClr val="accent1"/>
+          </a:fillRef>
+          <a:effectRef idx="0">
+            <a:schemeClr val="accent1"/>
+          </a:effectRef>
+          <a:fontRef idx="minor">
+            <a:schemeClr val="lt1"/>
+          </a:fontRef>
+        </p:style>
+        <p:txBody>
+          <a:bodyPr rtlCol="0" anchor="ctr"/>
+          <a:lstStyle/>
+          <a:p>
+            <a:pPr algn="ctr"/>
+            <a:r>
+              <a:rPr lang="en-US" altLang="ko-KR" dirty="0"/>
+              <a:t>-</a:t>
+            </a:r>
+            <a:endParaRPr lang="ko-KR" altLang="en-US" dirty="0"/>
+          </a:p>
+        </p:txBody>
+      </p:sp>
+      <p:sp>
+        <p:nvSpPr>
+          <p:cNvPr id="82" name="타원 81">
+            <a:extLst>
+              <a:ext uri="{FF2B5EF4-FFF2-40B4-BE49-F238E27FC236}">
+                <a16:creationId xmlns:a16="http://schemas.microsoft.com/office/drawing/2014/main" id="{D9C57A2E-63D3-4356-8A8E-0B20A1EF95A1}"/>
+              </a:ext>
+            </a:extLst>
+          </p:cNvPr>
+          <p:cNvSpPr/>
+          <p:nvPr/>
+        </p:nvSpPr>
+        <p:spPr>
+          <a:xfrm>
+            <a:off x="5953630" y="4805399"/>
+            <a:ext cx="239696" cy="239696"/>
+          </a:xfrm>
+          <a:prstGeom prst="ellipse">
+            <a:avLst/>
+          </a:prstGeom>
+          <a:solidFill>
+            <a:srgbClr val="7030A0"/>
+          </a:solidFill>
+        </p:spPr>
+        <p:style>
+          <a:lnRef idx="2">
+            <a:schemeClr val="accent1">
+              <a:shade val="50000"/>
+            </a:schemeClr>
+          </a:lnRef>
+          <a:fillRef idx="1">
+            <a:schemeClr val="accent1"/>
+          </a:fillRef>
+          <a:effectRef idx="0">
+            <a:schemeClr val="accent1"/>
+          </a:effectRef>
+          <a:fontRef idx="minor">
+            <a:schemeClr val="lt1"/>
+          </a:fontRef>
+        </p:style>
+        <p:txBody>
+          <a:bodyPr rtlCol="0" anchor="ctr"/>
+          <a:lstStyle/>
+          <a:p>
+            <a:pPr algn="ctr"/>
+            <a:r>
+              <a:rPr lang="en-US" altLang="ko-KR" dirty="0"/>
+              <a:t>-</a:t>
+            </a:r>
+            <a:endParaRPr lang="ko-KR" altLang="en-US" dirty="0"/>
+          </a:p>
+        </p:txBody>
+      </p:sp>
+      <p:sp>
+        <p:nvSpPr>
+          <p:cNvPr id="83" name="타원 82">
+            <a:extLst>
+              <a:ext uri="{FF2B5EF4-FFF2-40B4-BE49-F238E27FC236}">
+                <a16:creationId xmlns:a16="http://schemas.microsoft.com/office/drawing/2014/main" id="{A0E24C97-DB2F-46F3-A8CC-1F3A568537D3}"/>
+              </a:ext>
+            </a:extLst>
+          </p:cNvPr>
+          <p:cNvSpPr/>
+          <p:nvPr/>
+        </p:nvSpPr>
+        <p:spPr>
+          <a:xfrm>
+            <a:off x="6470716" y="4789856"/>
+            <a:ext cx="239696" cy="239696"/>
+          </a:xfrm>
+          <a:prstGeom prst="ellipse">
+            <a:avLst/>
+          </a:prstGeom>
+          <a:solidFill>
+            <a:srgbClr val="7030A0"/>
+          </a:solidFill>
+        </p:spPr>
+        <p:style>
+          <a:lnRef idx="2">
+            <a:schemeClr val="accent1">
+              <a:shade val="50000"/>
+            </a:schemeClr>
+          </a:lnRef>
+          <a:fillRef idx="1">
+            <a:schemeClr val="accent1"/>
+          </a:fillRef>
+          <a:effectRef idx="0">
+            <a:schemeClr val="accent1"/>
+          </a:effectRef>
+          <a:fontRef idx="minor">
+            <a:schemeClr val="lt1"/>
+          </a:fontRef>
+        </p:style>
+        <p:txBody>
+          <a:bodyPr rtlCol="0" anchor="ctr"/>
+          <a:lstStyle/>
+          <a:p>
+            <a:pPr algn="ctr"/>
+            <a:r>
+              <a:rPr lang="en-US" altLang="ko-KR" dirty="0"/>
+              <a:t>-</a:t>
+            </a:r>
+            <a:endParaRPr lang="ko-KR" altLang="en-US" dirty="0"/>
+          </a:p>
+        </p:txBody>
+      </p:sp>
+      <p:sp>
+        <p:nvSpPr>
+          <p:cNvPr id="84" name="타원 83">
+            <a:extLst>
+              <a:ext uri="{FF2B5EF4-FFF2-40B4-BE49-F238E27FC236}">
+                <a16:creationId xmlns:a16="http://schemas.microsoft.com/office/drawing/2014/main" id="{1B512628-AE07-4AF7-8AFD-D42A48DC2011}"/>
+              </a:ext>
+            </a:extLst>
+          </p:cNvPr>
+          <p:cNvSpPr/>
+          <p:nvPr/>
+        </p:nvSpPr>
+        <p:spPr>
+          <a:xfrm>
+            <a:off x="3543139" y="4789856"/>
+            <a:ext cx="239696" cy="239696"/>
+          </a:xfrm>
+          <a:prstGeom prst="ellipse">
+            <a:avLst/>
+          </a:prstGeom>
+          <a:solidFill>
+            <a:srgbClr val="7030A0"/>
+          </a:solidFill>
+        </p:spPr>
+        <p:style>
+          <a:lnRef idx="2">
+            <a:schemeClr val="accent1">
+              <a:shade val="50000"/>
+            </a:schemeClr>
+          </a:lnRef>
+          <a:fillRef idx="1">
+            <a:schemeClr val="accent1"/>
+          </a:fillRef>
+          <a:effectRef idx="0">
+            <a:schemeClr val="accent1"/>
+          </a:effectRef>
+          <a:fontRef idx="minor">
+            <a:schemeClr val="lt1"/>
+          </a:fontRef>
+        </p:style>
+        <p:txBody>
+          <a:bodyPr rtlCol="0" anchor="ctr"/>
+          <a:lstStyle/>
+          <a:p>
+            <a:pPr algn="ctr"/>
+            <a:r>
+              <a:rPr lang="en-US" altLang="ko-KR" dirty="0"/>
+              <a:t>-</a:t>
+            </a:r>
+            <a:endParaRPr lang="ko-KR" altLang="en-US" dirty="0"/>
+          </a:p>
+        </p:txBody>
+      </p:sp>
+      <p:sp>
+        <p:nvSpPr>
+          <p:cNvPr id="85" name="타원 84">
+            <a:extLst>
+              <a:ext uri="{FF2B5EF4-FFF2-40B4-BE49-F238E27FC236}">
+                <a16:creationId xmlns:a16="http://schemas.microsoft.com/office/drawing/2014/main" id="{4DDA236D-D77F-43B4-8490-E1063B44F529}"/>
+              </a:ext>
+            </a:extLst>
+          </p:cNvPr>
+          <p:cNvSpPr/>
+          <p:nvPr/>
+        </p:nvSpPr>
+        <p:spPr>
+          <a:xfrm>
+            <a:off x="6894363" y="4789856"/>
+            <a:ext cx="239696" cy="239696"/>
+          </a:xfrm>
+          <a:prstGeom prst="ellipse">
+            <a:avLst/>
+          </a:prstGeom>
+          <a:solidFill>
+            <a:srgbClr val="7030A0"/>
+          </a:solidFill>
+        </p:spPr>
+        <p:style>
+          <a:lnRef idx="2">
+            <a:schemeClr val="accent1">
+              <a:shade val="50000"/>
+            </a:schemeClr>
+          </a:lnRef>
+          <a:fillRef idx="1">
+            <a:schemeClr val="accent1"/>
+          </a:fillRef>
+          <a:effectRef idx="0">
+            <a:schemeClr val="accent1"/>
+          </a:effectRef>
+          <a:fontRef idx="minor">
+            <a:schemeClr val="lt1"/>
+          </a:fontRef>
+        </p:style>
+        <p:txBody>
+          <a:bodyPr rtlCol="0" anchor="ctr"/>
+          <a:lstStyle/>
+          <a:p>
+            <a:pPr algn="ctr"/>
+            <a:r>
+              <a:rPr lang="en-US" altLang="ko-KR" dirty="0"/>
+              <a:t>-</a:t>
+            </a:r>
+            <a:endParaRPr lang="ko-KR" altLang="en-US" dirty="0"/>
+          </a:p>
+        </p:txBody>
+      </p:sp>
+      <p:sp>
+        <p:nvSpPr>
+          <p:cNvPr id="86" name="화살표: 오른쪽 85">
+            <a:extLst>
+              <a:ext uri="{FF2B5EF4-FFF2-40B4-BE49-F238E27FC236}">
+                <a16:creationId xmlns:a16="http://schemas.microsoft.com/office/drawing/2014/main" id="{93918F00-D60A-4058-A1D4-5D3D6F1FB4AD}"/>
+              </a:ext>
+            </a:extLst>
+          </p:cNvPr>
+          <p:cNvSpPr/>
+          <p:nvPr/>
+        </p:nvSpPr>
+        <p:spPr>
+          <a:xfrm>
+            <a:off x="3325538" y="4582896"/>
+            <a:ext cx="3879542" cy="104305"/>
+          </a:xfrm>
+          <a:prstGeom prst="rightArrow">
+            <a:avLst/>
+          </a:prstGeom>
+        </p:spPr>
+        <p:style>
+          <a:lnRef idx="2">
+            <a:schemeClr val="accent1">
+              <a:shade val="50000"/>
+            </a:schemeClr>
+          </a:lnRef>
+          <a:fillRef idx="1">
+            <a:schemeClr val="accent1"/>
+          </a:fillRef>
+          <a:effectRef idx="0">
+            <a:schemeClr val="accent1"/>
+          </a:effectRef>
+          <a:fontRef idx="minor">
+            <a:schemeClr val="lt1"/>
+          </a:fontRef>
+        </p:style>
+        <p:txBody>
+          <a:bodyPr rtlCol="0" anchor="ctr"/>
+          <a:lstStyle/>
+          <a:p>
+            <a:pPr algn="ctr"/>
+            <a:endParaRPr lang="ko-KR" altLang="en-US"/>
+          </a:p>
+        </p:txBody>
+      </p:sp>
+      <p:sp>
+        <p:nvSpPr>
+          <p:cNvPr id="87" name="화살표: 오른쪽 86">
+            <a:extLst>
+              <a:ext uri="{FF2B5EF4-FFF2-40B4-BE49-F238E27FC236}">
+                <a16:creationId xmlns:a16="http://schemas.microsoft.com/office/drawing/2014/main" id="{43C5C165-B1D2-4BBD-934E-B4E13DCCF893}"/>
+              </a:ext>
+            </a:extLst>
+          </p:cNvPr>
+          <p:cNvSpPr/>
+          <p:nvPr/>
+        </p:nvSpPr>
+        <p:spPr>
+          <a:xfrm>
+            <a:off x="3325538" y="4714962"/>
+            <a:ext cx="3879542" cy="104305"/>
+          </a:xfrm>
+          <a:prstGeom prst="rightArrow">
+            <a:avLst/>
+          </a:prstGeom>
+        </p:spPr>
+        <p:style>
+          <a:lnRef idx="2">
+            <a:schemeClr val="accent1">
+              <a:shade val="50000"/>
+            </a:schemeClr>
+          </a:lnRef>
+          <a:fillRef idx="1">
+            <a:schemeClr val="accent1"/>
+          </a:fillRef>
+          <a:effectRef idx="0">
+            <a:schemeClr val="accent1"/>
+          </a:effectRef>
+          <a:fontRef idx="minor">
+            <a:schemeClr val="lt1"/>
+          </a:fontRef>
+        </p:style>
+        <p:txBody>
+          <a:bodyPr rtlCol="0" anchor="ctr"/>
+          <a:lstStyle/>
+          <a:p>
+            <a:pPr algn="ctr"/>
+            <a:endParaRPr lang="ko-KR" altLang="en-US"/>
+          </a:p>
+        </p:txBody>
+      </p:sp>
+      <p:sp>
+        <p:nvSpPr>
+          <p:cNvPr id="88" name="화살표: 오른쪽 87">
+            <a:extLst>
+              <a:ext uri="{FF2B5EF4-FFF2-40B4-BE49-F238E27FC236}">
+                <a16:creationId xmlns:a16="http://schemas.microsoft.com/office/drawing/2014/main" id="{4096F24D-5C1E-461E-AF69-D44C2F336BA9}"/>
+              </a:ext>
+            </a:extLst>
+          </p:cNvPr>
+          <p:cNvSpPr/>
+          <p:nvPr/>
+        </p:nvSpPr>
+        <p:spPr>
+          <a:xfrm>
+            <a:off x="3337233" y="4865606"/>
+            <a:ext cx="3879542" cy="104305"/>
+          </a:xfrm>
+          <a:prstGeom prst="rightArrow">
+            <a:avLst/>
+          </a:prstGeom>
+        </p:spPr>
+        <p:style>
+          <a:lnRef idx="2">
+            <a:schemeClr val="accent1">
+              <a:shade val="50000"/>
+            </a:schemeClr>
+          </a:lnRef>
+          <a:fillRef idx="1">
+            <a:schemeClr val="accent1"/>
+          </a:fillRef>
+          <a:effectRef idx="0">
+            <a:schemeClr val="accent1"/>
+          </a:effectRef>
+          <a:fontRef idx="minor">
+            <a:schemeClr val="lt1"/>
+          </a:fontRef>
+        </p:style>
+        <p:txBody>
+          <a:bodyPr rtlCol="0" anchor="ctr"/>
+          <a:lstStyle/>
+          <a:p>
+            <a:pPr algn="ctr"/>
+            <a:endParaRPr lang="ko-KR" altLang="en-US"/>
+          </a:p>
+        </p:txBody>
+      </p:sp>
+    </p:spTree>
+    <p:extLst>
+      <p:ext uri="{BB962C8B-B14F-4D97-AF65-F5344CB8AC3E}">
+        <p14:creationId xmlns:p14="http://schemas.microsoft.com/office/powerpoint/2010/main" val="3643039271"/>
+      </p:ext>
+    </p:extLst>
+  </p:cSld>
+  <p:clrMapOvr>
+    <a:masterClrMapping/>
+  </p:clrMapOvr>
+</p:sld>
+</file>
+
+<file path=ppt/slides/slide17.xml><?xml version="1.0" encoding="utf-8"?>
+<p:sld xmlns:a="http://schemas.openxmlformats.org/drawingml/2006/main" xmlns:r="http://schemas.openxmlformats.org/officeDocument/2006/relationships" xmlns:p="http://schemas.openxmlformats.org/presentationml/2006/main">
+  <p:cSld>
+    <p:spTree>
+      <p:nvGrpSpPr>
+        <p:cNvPr id="1" name=""/>
+        <p:cNvGrpSpPr/>
+        <p:nvPr/>
+      </p:nvGrpSpPr>
+      <p:grpSpPr>
+        <a:xfrm>
+          <a:off x="0" y="0"/>
+          <a:ext cx="0" cy="0"/>
+          <a:chOff x="0" y="0"/>
+          <a:chExt cx="0" cy="0"/>
+        </a:xfrm>
+      </p:grpSpPr>
+      <p:sp>
+        <p:nvSpPr>
+          <p:cNvPr id="8" name="직사각형 7">
+            <a:extLst>
+              <a:ext uri="{FF2B5EF4-FFF2-40B4-BE49-F238E27FC236}">
+                <a16:creationId xmlns:a16="http://schemas.microsoft.com/office/drawing/2014/main" id="{19F3721C-89DD-4A0C-B76C-3660AD51C5AC}"/>
+              </a:ext>
+            </a:extLst>
+          </p:cNvPr>
+          <p:cNvSpPr/>
+          <p:nvPr/>
+        </p:nvSpPr>
+        <p:spPr>
+          <a:xfrm>
+            <a:off x="2112886" y="1491449"/>
+            <a:ext cx="6312023" cy="1873188"/>
+          </a:xfrm>
+          <a:prstGeom prst="rect">
+            <a:avLst/>
+          </a:prstGeom>
+        </p:spPr>
+        <p:style>
+          <a:lnRef idx="2">
+            <a:schemeClr val="accent3">
+              <a:shade val="50000"/>
+            </a:schemeClr>
+          </a:lnRef>
+          <a:fillRef idx="1">
+            <a:schemeClr val="accent3"/>
+          </a:fillRef>
+          <a:effectRef idx="0">
+            <a:schemeClr val="accent3"/>
+          </a:effectRef>
+          <a:fontRef idx="minor">
+            <a:schemeClr val="lt1"/>
+          </a:fontRef>
+        </p:style>
+        <p:txBody>
+          <a:bodyPr rtlCol="0" anchor="ctr"/>
+          <a:lstStyle/>
+          <a:p>
+            <a:pPr algn="ctr"/>
+            <a:r>
+              <a:rPr lang="en-US" altLang="ko-KR" dirty="0"/>
+              <a:t>P-substrate(P-body)</a:t>
+            </a:r>
+            <a:endParaRPr lang="ko-KR" altLang="en-US" dirty="0"/>
+          </a:p>
+        </p:txBody>
+      </p:sp>
+      <p:sp>
+        <p:nvSpPr>
+          <p:cNvPr id="9" name="직사각형 8">
+            <a:extLst>
+              <a:ext uri="{FF2B5EF4-FFF2-40B4-BE49-F238E27FC236}">
+                <a16:creationId xmlns:a16="http://schemas.microsoft.com/office/drawing/2014/main" id="{3B0A7663-417A-40E7-8944-7B70F15C55D9}"/>
+              </a:ext>
+            </a:extLst>
+          </p:cNvPr>
+          <p:cNvSpPr/>
+          <p:nvPr/>
+        </p:nvSpPr>
+        <p:spPr>
+          <a:xfrm>
+            <a:off x="3204839" y="1251752"/>
+            <a:ext cx="4074851" cy="239696"/>
+          </a:xfrm>
+          <a:prstGeom prst="rect">
+            <a:avLst/>
+          </a:prstGeom>
+        </p:spPr>
+        <p:style>
+          <a:lnRef idx="2">
+            <a:schemeClr val="accent1">
+              <a:shade val="50000"/>
+            </a:schemeClr>
+          </a:lnRef>
+          <a:fillRef idx="1">
+            <a:schemeClr val="accent1"/>
+          </a:fillRef>
+          <a:effectRef idx="0">
+            <a:schemeClr val="accent1"/>
+          </a:effectRef>
+          <a:fontRef idx="minor">
+            <a:schemeClr val="lt1"/>
+          </a:fontRef>
+        </p:style>
+        <p:txBody>
+          <a:bodyPr rtlCol="0" anchor="ctr"/>
+          <a:lstStyle/>
+          <a:p>
+            <a:pPr algn="ctr"/>
+            <a:r>
+              <a:rPr lang="en-US" altLang="ko-KR" dirty="0"/>
+              <a:t>oxide</a:t>
+            </a:r>
+            <a:endParaRPr lang="ko-KR" altLang="en-US" dirty="0"/>
+          </a:p>
+        </p:txBody>
+      </p:sp>
+      <p:sp>
+        <p:nvSpPr>
+          <p:cNvPr id="10" name="직사각형 9">
+            <a:extLst>
+              <a:ext uri="{FF2B5EF4-FFF2-40B4-BE49-F238E27FC236}">
+                <a16:creationId xmlns:a16="http://schemas.microsoft.com/office/drawing/2014/main" id="{3C1AC356-8D96-4B2A-8E7E-D7B119C39DB2}"/>
+              </a:ext>
+            </a:extLst>
+          </p:cNvPr>
+          <p:cNvSpPr/>
+          <p:nvPr/>
+        </p:nvSpPr>
+        <p:spPr>
+          <a:xfrm>
+            <a:off x="3204839" y="896644"/>
+            <a:ext cx="4074851" cy="355107"/>
+          </a:xfrm>
+          <a:prstGeom prst="rect">
+            <a:avLst/>
+          </a:prstGeom>
+        </p:spPr>
+        <p:style>
+          <a:lnRef idx="2">
+            <a:schemeClr val="accent6">
+              <a:shade val="50000"/>
+            </a:schemeClr>
+          </a:lnRef>
+          <a:fillRef idx="1">
+            <a:schemeClr val="accent6"/>
+          </a:fillRef>
+          <a:effectRef idx="0">
+            <a:schemeClr val="accent6"/>
+          </a:effectRef>
+          <a:fontRef idx="minor">
+            <a:schemeClr val="lt1"/>
+          </a:fontRef>
+        </p:style>
+        <p:txBody>
+          <a:bodyPr rtlCol="0" anchor="ctr"/>
+          <a:lstStyle/>
+          <a:p>
+            <a:pPr algn="ctr"/>
+            <a:r>
+              <a:rPr lang="en-US" altLang="ko-KR" dirty="0"/>
+              <a:t>metal</a:t>
+            </a:r>
+            <a:endParaRPr lang="ko-KR" altLang="en-US" dirty="0"/>
+          </a:p>
+        </p:txBody>
+      </p:sp>
+      <p:sp>
+        <p:nvSpPr>
+          <p:cNvPr id="11" name="사각형: 잘린 위쪽 모서리 10">
+            <a:extLst>
+              <a:ext uri="{FF2B5EF4-FFF2-40B4-BE49-F238E27FC236}">
+                <a16:creationId xmlns:a16="http://schemas.microsoft.com/office/drawing/2014/main" id="{BF262603-8B13-43C2-91B8-8B38EF615C7A}"/>
+              </a:ext>
+            </a:extLst>
+          </p:cNvPr>
+          <p:cNvSpPr/>
+          <p:nvPr/>
+        </p:nvSpPr>
+        <p:spPr>
+          <a:xfrm>
+            <a:off x="2112886" y="1491448"/>
+            <a:ext cx="1331650" cy="612560"/>
+          </a:xfrm>
+          <a:prstGeom prst="snip2SameRect">
+            <a:avLst>
+              <a:gd name="adj1" fmla="val 0"/>
+              <a:gd name="adj2" fmla="val 28985"/>
+            </a:avLst>
+          </a:prstGeom>
+        </p:spPr>
+        <p:style>
+          <a:lnRef idx="2">
+            <a:schemeClr val="accent4">
+              <a:shade val="50000"/>
+            </a:schemeClr>
+          </a:lnRef>
+          <a:fillRef idx="1">
+            <a:schemeClr val="accent4"/>
+          </a:fillRef>
+          <a:effectRef idx="0">
+            <a:schemeClr val="accent4"/>
+          </a:effectRef>
+          <a:fontRef idx="minor">
+            <a:schemeClr val="lt1"/>
+          </a:fontRef>
+        </p:style>
+        <p:txBody>
+          <a:bodyPr rtlCol="0" anchor="ctr"/>
+          <a:lstStyle/>
+          <a:p>
+            <a:pPr algn="ctr"/>
+            <a:r>
+              <a:rPr lang="en-US" altLang="ko-KR" dirty="0">
+                <a:solidFill>
+                  <a:schemeClr val="tx1"/>
+                </a:solidFill>
+              </a:rPr>
+              <a:t>n+</a:t>
+            </a:r>
+            <a:endParaRPr lang="ko-KR" altLang="en-US" dirty="0">
+              <a:solidFill>
+                <a:schemeClr val="tx1"/>
+              </a:solidFill>
+            </a:endParaRPr>
+          </a:p>
+        </p:txBody>
+      </p:sp>
+      <p:sp>
+        <p:nvSpPr>
+          <p:cNvPr id="12" name="사각형: 잘린 위쪽 모서리 11">
+            <a:extLst>
+              <a:ext uri="{FF2B5EF4-FFF2-40B4-BE49-F238E27FC236}">
+                <a16:creationId xmlns:a16="http://schemas.microsoft.com/office/drawing/2014/main" id="{7AE73CFD-7EFF-4C30-B7CC-FA71CDAB2697}"/>
+              </a:ext>
+            </a:extLst>
+          </p:cNvPr>
+          <p:cNvSpPr/>
+          <p:nvPr/>
+        </p:nvSpPr>
+        <p:spPr>
+          <a:xfrm>
+            <a:off x="7093259" y="1491448"/>
+            <a:ext cx="1331650" cy="612560"/>
+          </a:xfrm>
+          <a:prstGeom prst="snip2SameRect">
+            <a:avLst>
+              <a:gd name="adj1" fmla="val 0"/>
+              <a:gd name="adj2" fmla="val 28985"/>
+            </a:avLst>
+          </a:prstGeom>
+        </p:spPr>
+        <p:style>
+          <a:lnRef idx="2">
+            <a:schemeClr val="accent4">
+              <a:shade val="50000"/>
+            </a:schemeClr>
+          </a:lnRef>
+          <a:fillRef idx="1">
+            <a:schemeClr val="accent4"/>
+          </a:fillRef>
+          <a:effectRef idx="0">
+            <a:schemeClr val="accent4"/>
+          </a:effectRef>
+          <a:fontRef idx="minor">
+            <a:schemeClr val="lt1"/>
+          </a:fontRef>
+        </p:style>
+        <p:txBody>
+          <a:bodyPr rtlCol="0" anchor="ctr"/>
+          <a:lstStyle/>
+          <a:p>
+            <a:pPr algn="ctr"/>
+            <a:r>
+              <a:rPr lang="en-US" altLang="ko-KR" dirty="0">
+                <a:solidFill>
+                  <a:schemeClr val="tx1"/>
+                </a:solidFill>
+              </a:rPr>
+              <a:t>n+</a:t>
+            </a:r>
+            <a:endParaRPr lang="ko-KR" altLang="en-US" dirty="0">
+              <a:solidFill>
+                <a:schemeClr val="tx1"/>
+              </a:solidFill>
+            </a:endParaRPr>
+          </a:p>
+        </p:txBody>
+      </p:sp>
+      <p:sp>
+        <p:nvSpPr>
+          <p:cNvPr id="13" name="TextBox 12">
+            <a:extLst>
+              <a:ext uri="{FF2B5EF4-FFF2-40B4-BE49-F238E27FC236}">
+                <a16:creationId xmlns:a16="http://schemas.microsoft.com/office/drawing/2014/main" id="{DFFCBF4D-7640-461C-8874-BABBDD85E190}"/>
+              </a:ext>
+            </a:extLst>
+          </p:cNvPr>
+          <p:cNvSpPr txBox="1"/>
+          <p:nvPr/>
+        </p:nvSpPr>
+        <p:spPr>
+          <a:xfrm>
+            <a:off x="4993912" y="513443"/>
+            <a:ext cx="1030515" cy="369332"/>
+          </a:xfrm>
+          <a:prstGeom prst="rect">
+            <a:avLst/>
+          </a:prstGeom>
+          <a:noFill/>
+        </p:spPr>
+        <p:txBody>
+          <a:bodyPr wrap="square" rtlCol="0">
+            <a:spAutoFit/>
+          </a:bodyPr>
+          <a:lstStyle/>
+          <a:p>
+            <a:r>
+              <a:rPr lang="en-US" altLang="ko-KR" dirty="0"/>
+              <a:t>VG</a:t>
+            </a:r>
+            <a:endParaRPr lang="ko-KR" altLang="en-US" dirty="0"/>
+          </a:p>
+        </p:txBody>
+      </p:sp>
+      <p:sp>
+        <p:nvSpPr>
+          <p:cNvPr id="14" name="직사각형 13">
+            <a:extLst>
+              <a:ext uri="{FF2B5EF4-FFF2-40B4-BE49-F238E27FC236}">
+                <a16:creationId xmlns:a16="http://schemas.microsoft.com/office/drawing/2014/main" id="{381DB116-A6A4-4832-81C1-05425D05A950}"/>
+              </a:ext>
+            </a:extLst>
+          </p:cNvPr>
+          <p:cNvSpPr/>
+          <p:nvPr/>
+        </p:nvSpPr>
+        <p:spPr>
+          <a:xfrm>
+            <a:off x="3606028" y="1620174"/>
+            <a:ext cx="333828" cy="355107"/>
+          </a:xfrm>
+          <a:prstGeom prst="rect">
+            <a:avLst/>
+          </a:prstGeom>
+        </p:spPr>
+        <p:style>
+          <a:lnRef idx="2">
+            <a:schemeClr val="accent2">
+              <a:shade val="50000"/>
+            </a:schemeClr>
+          </a:lnRef>
+          <a:fillRef idx="1">
+            <a:schemeClr val="accent2"/>
+          </a:fillRef>
+          <a:effectRef idx="0">
+            <a:schemeClr val="accent2"/>
+          </a:effectRef>
+          <a:fontRef idx="minor">
+            <a:schemeClr val="lt1"/>
+          </a:fontRef>
+        </p:style>
+        <p:txBody>
+          <a:bodyPr rtlCol="0" anchor="ctr"/>
+          <a:lstStyle/>
+          <a:p>
+            <a:pPr algn="ctr"/>
+            <a:r>
+              <a:rPr lang="en-US" altLang="ko-KR" dirty="0"/>
+              <a:t>-</a:t>
+            </a:r>
+            <a:endParaRPr lang="ko-KR" altLang="en-US" dirty="0"/>
+          </a:p>
+        </p:txBody>
+      </p:sp>
+      <p:sp>
+        <p:nvSpPr>
+          <p:cNvPr id="15" name="직사각형 14">
+            <a:extLst>
+              <a:ext uri="{FF2B5EF4-FFF2-40B4-BE49-F238E27FC236}">
+                <a16:creationId xmlns:a16="http://schemas.microsoft.com/office/drawing/2014/main" id="{04166588-10D4-46B9-B051-182E47381184}"/>
+              </a:ext>
+            </a:extLst>
+          </p:cNvPr>
+          <p:cNvSpPr/>
+          <p:nvPr/>
+        </p:nvSpPr>
+        <p:spPr>
+          <a:xfrm>
+            <a:off x="4107382" y="1620173"/>
+            <a:ext cx="333828" cy="355107"/>
+          </a:xfrm>
+          <a:prstGeom prst="rect">
+            <a:avLst/>
+          </a:prstGeom>
+        </p:spPr>
+        <p:style>
+          <a:lnRef idx="2">
+            <a:schemeClr val="accent2">
+              <a:shade val="50000"/>
+            </a:schemeClr>
+          </a:lnRef>
+          <a:fillRef idx="1">
+            <a:schemeClr val="accent2"/>
+          </a:fillRef>
+          <a:effectRef idx="0">
+            <a:schemeClr val="accent2"/>
+          </a:effectRef>
+          <a:fontRef idx="minor">
+            <a:schemeClr val="lt1"/>
+          </a:fontRef>
+        </p:style>
+        <p:txBody>
+          <a:bodyPr rtlCol="0" anchor="ctr"/>
+          <a:lstStyle/>
+          <a:p>
+            <a:pPr algn="ctr"/>
+            <a:r>
+              <a:rPr lang="en-US" altLang="ko-KR" dirty="0"/>
+              <a:t>-</a:t>
+            </a:r>
+            <a:endParaRPr lang="ko-KR" altLang="en-US" dirty="0"/>
+          </a:p>
+        </p:txBody>
+      </p:sp>
+      <p:sp>
+        <p:nvSpPr>
+          <p:cNvPr id="16" name="직사각형 15">
+            <a:extLst>
+              <a:ext uri="{FF2B5EF4-FFF2-40B4-BE49-F238E27FC236}">
+                <a16:creationId xmlns:a16="http://schemas.microsoft.com/office/drawing/2014/main" id="{7D03AD0C-B896-474F-8D81-951A0954E8B6}"/>
+              </a:ext>
+            </a:extLst>
+          </p:cNvPr>
+          <p:cNvSpPr/>
+          <p:nvPr/>
+        </p:nvSpPr>
+        <p:spPr>
+          <a:xfrm>
+            <a:off x="4608736" y="1620172"/>
+            <a:ext cx="333828" cy="355107"/>
+          </a:xfrm>
+          <a:prstGeom prst="rect">
+            <a:avLst/>
+          </a:prstGeom>
+        </p:spPr>
+        <p:style>
+          <a:lnRef idx="2">
+            <a:schemeClr val="accent2">
+              <a:shade val="50000"/>
+            </a:schemeClr>
+          </a:lnRef>
+          <a:fillRef idx="1">
+            <a:schemeClr val="accent2"/>
+          </a:fillRef>
+          <a:effectRef idx="0">
+            <a:schemeClr val="accent2"/>
+          </a:effectRef>
+          <a:fontRef idx="minor">
+            <a:schemeClr val="lt1"/>
+          </a:fontRef>
+        </p:style>
+        <p:txBody>
+          <a:bodyPr rtlCol="0" anchor="ctr"/>
+          <a:lstStyle/>
+          <a:p>
+            <a:pPr algn="ctr"/>
+            <a:r>
+              <a:rPr lang="en-US" altLang="ko-KR" dirty="0"/>
+              <a:t>-</a:t>
+            </a:r>
+            <a:endParaRPr lang="ko-KR" altLang="en-US" dirty="0"/>
+          </a:p>
+        </p:txBody>
+      </p:sp>
+      <p:sp>
+        <p:nvSpPr>
+          <p:cNvPr id="17" name="직사각형 16">
+            <a:extLst>
+              <a:ext uri="{FF2B5EF4-FFF2-40B4-BE49-F238E27FC236}">
+                <a16:creationId xmlns:a16="http://schemas.microsoft.com/office/drawing/2014/main" id="{229AF2E9-6BFC-40E1-8C95-019EACC136F7}"/>
+              </a:ext>
+            </a:extLst>
+          </p:cNvPr>
+          <p:cNvSpPr/>
+          <p:nvPr/>
+        </p:nvSpPr>
+        <p:spPr>
+          <a:xfrm>
+            <a:off x="5110090" y="1620171"/>
+            <a:ext cx="333828" cy="355107"/>
+          </a:xfrm>
+          <a:prstGeom prst="rect">
+            <a:avLst/>
+          </a:prstGeom>
+        </p:spPr>
+        <p:style>
+          <a:lnRef idx="2">
+            <a:schemeClr val="accent2">
+              <a:shade val="50000"/>
+            </a:schemeClr>
+          </a:lnRef>
+          <a:fillRef idx="1">
+            <a:schemeClr val="accent2"/>
+          </a:fillRef>
+          <a:effectRef idx="0">
+            <a:schemeClr val="accent2"/>
+          </a:effectRef>
+          <a:fontRef idx="minor">
+            <a:schemeClr val="lt1"/>
+          </a:fontRef>
+        </p:style>
+        <p:txBody>
+          <a:bodyPr rtlCol="0" anchor="ctr"/>
+          <a:lstStyle/>
+          <a:p>
+            <a:pPr algn="ctr"/>
+            <a:r>
+              <a:rPr lang="en-US" altLang="ko-KR" dirty="0"/>
+              <a:t>-</a:t>
+            </a:r>
+            <a:endParaRPr lang="ko-KR" altLang="en-US" dirty="0"/>
+          </a:p>
+        </p:txBody>
+      </p:sp>
+      <p:sp>
+        <p:nvSpPr>
+          <p:cNvPr id="18" name="직사각형 17">
+            <a:extLst>
+              <a:ext uri="{FF2B5EF4-FFF2-40B4-BE49-F238E27FC236}">
+                <a16:creationId xmlns:a16="http://schemas.microsoft.com/office/drawing/2014/main" id="{ACE25836-8356-47E2-8962-FE7EA8BD2DBC}"/>
+              </a:ext>
+            </a:extLst>
+          </p:cNvPr>
+          <p:cNvSpPr/>
+          <p:nvPr/>
+        </p:nvSpPr>
+        <p:spPr>
+          <a:xfrm>
+            <a:off x="5611444" y="1620169"/>
+            <a:ext cx="333828" cy="355107"/>
+          </a:xfrm>
+          <a:prstGeom prst="rect">
+            <a:avLst/>
+          </a:prstGeom>
+        </p:spPr>
+        <p:style>
+          <a:lnRef idx="2">
+            <a:schemeClr val="accent2">
+              <a:shade val="50000"/>
+            </a:schemeClr>
+          </a:lnRef>
+          <a:fillRef idx="1">
+            <a:schemeClr val="accent2"/>
+          </a:fillRef>
+          <a:effectRef idx="0">
+            <a:schemeClr val="accent2"/>
+          </a:effectRef>
+          <a:fontRef idx="minor">
+            <a:schemeClr val="lt1"/>
+          </a:fontRef>
+        </p:style>
+        <p:txBody>
+          <a:bodyPr rtlCol="0" anchor="ctr"/>
+          <a:lstStyle/>
+          <a:p>
+            <a:pPr algn="ctr"/>
+            <a:r>
+              <a:rPr lang="en-US" altLang="ko-KR" dirty="0"/>
+              <a:t>-</a:t>
+            </a:r>
+            <a:endParaRPr lang="ko-KR" altLang="en-US" dirty="0"/>
+          </a:p>
+        </p:txBody>
+      </p:sp>
+      <p:sp>
+        <p:nvSpPr>
+          <p:cNvPr id="19" name="직사각형 18">
+            <a:extLst>
+              <a:ext uri="{FF2B5EF4-FFF2-40B4-BE49-F238E27FC236}">
+                <a16:creationId xmlns:a16="http://schemas.microsoft.com/office/drawing/2014/main" id="{533516DC-8131-4DE6-932C-59C5370A781C}"/>
+              </a:ext>
+            </a:extLst>
+          </p:cNvPr>
+          <p:cNvSpPr/>
+          <p:nvPr/>
+        </p:nvSpPr>
+        <p:spPr>
+          <a:xfrm>
+            <a:off x="6112798" y="1620169"/>
+            <a:ext cx="333828" cy="355107"/>
+          </a:xfrm>
+          <a:prstGeom prst="rect">
+            <a:avLst/>
+          </a:prstGeom>
+        </p:spPr>
+        <p:style>
+          <a:lnRef idx="2">
+            <a:schemeClr val="accent2">
+              <a:shade val="50000"/>
+            </a:schemeClr>
+          </a:lnRef>
+          <a:fillRef idx="1">
+            <a:schemeClr val="accent2"/>
+          </a:fillRef>
+          <a:effectRef idx="0">
+            <a:schemeClr val="accent2"/>
+          </a:effectRef>
+          <a:fontRef idx="minor">
+            <a:schemeClr val="lt1"/>
+          </a:fontRef>
+        </p:style>
+        <p:txBody>
+          <a:bodyPr rtlCol="0" anchor="ctr"/>
+          <a:lstStyle/>
+          <a:p>
+            <a:pPr algn="ctr"/>
+            <a:r>
+              <a:rPr lang="en-US" altLang="ko-KR" dirty="0"/>
+              <a:t>-</a:t>
+            </a:r>
+            <a:endParaRPr lang="ko-KR" altLang="en-US" dirty="0"/>
+          </a:p>
+        </p:txBody>
+      </p:sp>
+      <p:sp>
+        <p:nvSpPr>
+          <p:cNvPr id="20" name="직사각형 19">
+            <a:extLst>
+              <a:ext uri="{FF2B5EF4-FFF2-40B4-BE49-F238E27FC236}">
+                <a16:creationId xmlns:a16="http://schemas.microsoft.com/office/drawing/2014/main" id="{AC7CE539-9BD2-4D08-8161-C6D30FAC4DF0}"/>
+              </a:ext>
+            </a:extLst>
+          </p:cNvPr>
+          <p:cNvSpPr/>
+          <p:nvPr/>
+        </p:nvSpPr>
+        <p:spPr>
+          <a:xfrm>
+            <a:off x="6614152" y="1620169"/>
+            <a:ext cx="333828" cy="355107"/>
+          </a:xfrm>
+          <a:prstGeom prst="rect">
+            <a:avLst/>
+          </a:prstGeom>
+        </p:spPr>
+        <p:style>
+          <a:lnRef idx="2">
+            <a:schemeClr val="accent2">
+              <a:shade val="50000"/>
+            </a:schemeClr>
+          </a:lnRef>
+          <a:fillRef idx="1">
+            <a:schemeClr val="accent2"/>
+          </a:fillRef>
+          <a:effectRef idx="0">
+            <a:schemeClr val="accent2"/>
+          </a:effectRef>
+          <a:fontRef idx="minor">
+            <a:schemeClr val="lt1"/>
+          </a:fontRef>
+        </p:style>
+        <p:txBody>
+          <a:bodyPr rtlCol="0" anchor="ctr"/>
+          <a:lstStyle/>
+          <a:p>
+            <a:pPr algn="ctr"/>
+            <a:r>
+              <a:rPr lang="en-US" altLang="ko-KR" dirty="0"/>
+              <a:t>-</a:t>
+            </a:r>
+            <a:endParaRPr lang="ko-KR" altLang="en-US" dirty="0"/>
+          </a:p>
+        </p:txBody>
+      </p:sp>
+      <p:sp>
+        <p:nvSpPr>
+          <p:cNvPr id="30" name="TextBox 29">
+            <a:extLst>
+              <a:ext uri="{FF2B5EF4-FFF2-40B4-BE49-F238E27FC236}">
+                <a16:creationId xmlns:a16="http://schemas.microsoft.com/office/drawing/2014/main" id="{01B54DDE-2F8A-4C6B-8E05-476B9DF3A796}"/>
+              </a:ext>
+            </a:extLst>
+          </p:cNvPr>
+          <p:cNvSpPr txBox="1"/>
+          <p:nvPr/>
+        </p:nvSpPr>
+        <p:spPr>
+          <a:xfrm>
+            <a:off x="7570544" y="1122115"/>
+            <a:ext cx="1030515" cy="369332"/>
+          </a:xfrm>
+          <a:prstGeom prst="rect">
+            <a:avLst/>
+          </a:prstGeom>
+          <a:noFill/>
+        </p:spPr>
+        <p:txBody>
+          <a:bodyPr wrap="square" rtlCol="0">
+            <a:spAutoFit/>
+          </a:bodyPr>
+          <a:lstStyle/>
+          <a:p>
+            <a:r>
+              <a:rPr lang="en-US" altLang="ko-KR" dirty="0"/>
+              <a:t>VD</a:t>
+            </a:r>
+            <a:endParaRPr lang="ko-KR" altLang="en-US" dirty="0"/>
+          </a:p>
+        </p:txBody>
+      </p:sp>
+      <p:cxnSp>
+        <p:nvCxnSpPr>
+          <p:cNvPr id="34" name="직선 화살표 연결선 33">
+            <a:extLst>
+              <a:ext uri="{FF2B5EF4-FFF2-40B4-BE49-F238E27FC236}">
+                <a16:creationId xmlns:a16="http://schemas.microsoft.com/office/drawing/2014/main" id="{B566EC46-0C0A-453B-A669-C4F7A7EDEACB}"/>
+              </a:ext>
+            </a:extLst>
+          </p:cNvPr>
+          <p:cNvCxnSpPr>
+            <a:cxnSpLocks/>
+          </p:cNvCxnSpPr>
+          <p:nvPr/>
+        </p:nvCxnSpPr>
+        <p:spPr>
+          <a:xfrm flipV="1">
+            <a:off x="3204839" y="3852909"/>
+            <a:ext cx="0" cy="2068497"/>
+          </a:xfrm>
+          <a:prstGeom prst="straightConnector1">
+            <a:avLst/>
+          </a:prstGeom>
+          <a:ln>
+            <a:tailEnd type="triangle"/>
+          </a:ln>
+        </p:spPr>
+        <p:style>
+          <a:lnRef idx="1">
+            <a:schemeClr val="accent1"/>
+          </a:lnRef>
+          <a:fillRef idx="0">
+            <a:schemeClr val="accent1"/>
+          </a:fillRef>
+          <a:effectRef idx="0">
+            <a:schemeClr val="accent1"/>
+          </a:effectRef>
+          <a:fontRef idx="minor">
+            <a:schemeClr val="tx1"/>
+          </a:fontRef>
+        </p:style>
+      </p:cxnSp>
+      <p:cxnSp>
+        <p:nvCxnSpPr>
+          <p:cNvPr id="36" name="직선 화살표 연결선 35">
+            <a:extLst>
+              <a:ext uri="{FF2B5EF4-FFF2-40B4-BE49-F238E27FC236}">
+                <a16:creationId xmlns:a16="http://schemas.microsoft.com/office/drawing/2014/main" id="{A21004F4-07A8-4600-A55E-793C8C7915AE}"/>
+              </a:ext>
+            </a:extLst>
+          </p:cNvPr>
+          <p:cNvCxnSpPr/>
+          <p:nvPr/>
+        </p:nvCxnSpPr>
+        <p:spPr>
+          <a:xfrm>
+            <a:off x="2778711" y="5575177"/>
+            <a:ext cx="5211192" cy="0"/>
+          </a:xfrm>
+          <a:prstGeom prst="straightConnector1">
+            <a:avLst/>
+          </a:prstGeom>
+          <a:ln>
+            <a:tailEnd type="triangle"/>
+          </a:ln>
+        </p:spPr>
+        <p:style>
+          <a:lnRef idx="1">
+            <a:schemeClr val="accent1"/>
+          </a:lnRef>
+          <a:fillRef idx="0">
+            <a:schemeClr val="accent1"/>
+          </a:fillRef>
+          <a:effectRef idx="0">
+            <a:schemeClr val="accent1"/>
+          </a:effectRef>
+          <a:fontRef idx="minor">
+            <a:schemeClr val="tx1"/>
+          </a:fontRef>
+        </p:style>
+      </p:cxnSp>
+      <p:cxnSp>
+        <p:nvCxnSpPr>
+          <p:cNvPr id="38" name="직선 연결선 37">
+            <a:extLst>
+              <a:ext uri="{FF2B5EF4-FFF2-40B4-BE49-F238E27FC236}">
+                <a16:creationId xmlns:a16="http://schemas.microsoft.com/office/drawing/2014/main" id="{652BEFCF-4F14-434F-8E7E-003FC267E9FC}"/>
+              </a:ext>
+            </a:extLst>
+          </p:cNvPr>
+          <p:cNvCxnSpPr/>
+          <p:nvPr/>
+        </p:nvCxnSpPr>
+        <p:spPr>
+          <a:xfrm>
+            <a:off x="7279690" y="513443"/>
+            <a:ext cx="0" cy="5407963"/>
+          </a:xfrm>
+          <a:prstGeom prst="line">
+            <a:avLst/>
+          </a:prstGeom>
+          <a:ln>
+            <a:prstDash val="lgDash"/>
+          </a:ln>
+        </p:spPr>
+        <p:style>
+          <a:lnRef idx="1">
+            <a:schemeClr val="accent1"/>
+          </a:lnRef>
+          <a:fillRef idx="0">
+            <a:schemeClr val="accent1"/>
+          </a:fillRef>
+          <a:effectRef idx="0">
+            <a:schemeClr val="accent1"/>
+          </a:effectRef>
+          <a:fontRef idx="minor">
+            <a:schemeClr val="tx1"/>
+          </a:fontRef>
+        </p:style>
+      </p:cxnSp>
+      <p:cxnSp>
+        <p:nvCxnSpPr>
+          <p:cNvPr id="40" name="직선 연결선 39">
+            <a:extLst>
+              <a:ext uri="{FF2B5EF4-FFF2-40B4-BE49-F238E27FC236}">
+                <a16:creationId xmlns:a16="http://schemas.microsoft.com/office/drawing/2014/main" id="{56B097F8-566D-4809-9269-825708AB1FFE}"/>
+              </a:ext>
+            </a:extLst>
+          </p:cNvPr>
+          <p:cNvCxnSpPr/>
+          <p:nvPr/>
+        </p:nvCxnSpPr>
+        <p:spPr>
+          <a:xfrm>
+            <a:off x="3204839" y="698109"/>
+            <a:ext cx="0" cy="3154800"/>
+          </a:xfrm>
+          <a:prstGeom prst="line">
+            <a:avLst/>
+          </a:prstGeom>
+          <a:ln>
+            <a:prstDash val="dashDot"/>
+          </a:ln>
+        </p:spPr>
+        <p:style>
+          <a:lnRef idx="1">
+            <a:schemeClr val="accent1"/>
+          </a:lnRef>
+          <a:fillRef idx="0">
+            <a:schemeClr val="accent1"/>
+          </a:fillRef>
+          <a:effectRef idx="0">
+            <a:schemeClr val="accent1"/>
+          </a:effectRef>
+          <a:fontRef idx="minor">
+            <a:schemeClr val="tx1"/>
+          </a:fontRef>
+        </p:style>
+      </p:cxnSp>
+      <p:sp>
+        <p:nvSpPr>
+          <p:cNvPr id="41" name="TextBox 40">
+            <a:extLst>
+              <a:ext uri="{FF2B5EF4-FFF2-40B4-BE49-F238E27FC236}">
+                <a16:creationId xmlns:a16="http://schemas.microsoft.com/office/drawing/2014/main" id="{8C5493C3-0BB5-4A0B-9E91-E95D3D8BDBF0}"/>
+              </a:ext>
+            </a:extLst>
+          </p:cNvPr>
+          <p:cNvSpPr txBox="1"/>
+          <p:nvPr/>
+        </p:nvSpPr>
+        <p:spPr>
+          <a:xfrm>
+            <a:off x="2423485" y="1074197"/>
+            <a:ext cx="710451" cy="369332"/>
+          </a:xfrm>
+          <a:prstGeom prst="rect">
+            <a:avLst/>
+          </a:prstGeom>
+          <a:noFill/>
+        </p:spPr>
+        <p:txBody>
+          <a:bodyPr wrap="none" rtlCol="0">
+            <a:spAutoFit/>
+          </a:bodyPr>
+          <a:lstStyle/>
+          <a:p>
+            <a:r>
+              <a:rPr lang="en-US" altLang="ko-KR" dirty="0"/>
+              <a:t>Vs=0</a:t>
+            </a:r>
+            <a:endParaRPr lang="ko-KR" altLang="en-US" dirty="0"/>
+          </a:p>
+        </p:txBody>
+      </p:sp>
+      <p:sp>
+        <p:nvSpPr>
+          <p:cNvPr id="43" name="TextBox 42">
+            <a:extLst>
+              <a:ext uri="{FF2B5EF4-FFF2-40B4-BE49-F238E27FC236}">
+                <a16:creationId xmlns:a16="http://schemas.microsoft.com/office/drawing/2014/main" id="{430C9D59-586D-414A-854C-D6276C8F9D72}"/>
+              </a:ext>
+            </a:extLst>
+          </p:cNvPr>
+          <p:cNvSpPr txBox="1"/>
+          <p:nvPr/>
+        </p:nvSpPr>
+        <p:spPr>
+          <a:xfrm>
+            <a:off x="8052941" y="5366553"/>
+            <a:ext cx="292068" cy="369332"/>
+          </a:xfrm>
+          <a:prstGeom prst="rect">
+            <a:avLst/>
+          </a:prstGeom>
+          <a:noFill/>
+        </p:spPr>
+        <p:txBody>
+          <a:bodyPr wrap="none" rtlCol="0">
+            <a:spAutoFit/>
+          </a:bodyPr>
+          <a:lstStyle/>
+          <a:p>
+            <a:r>
+              <a:rPr lang="en-US" altLang="ko-KR" dirty="0"/>
+              <a:t>x</a:t>
+            </a:r>
+            <a:endParaRPr lang="ko-KR" altLang="en-US" dirty="0"/>
+          </a:p>
+        </p:txBody>
+      </p:sp>
+      <p:sp>
+        <p:nvSpPr>
+          <p:cNvPr id="45" name="TextBox 44">
+            <a:extLst>
+              <a:ext uri="{FF2B5EF4-FFF2-40B4-BE49-F238E27FC236}">
+                <a16:creationId xmlns:a16="http://schemas.microsoft.com/office/drawing/2014/main" id="{0E943DAA-BB42-4A26-9390-7164DEC5F8D5}"/>
+              </a:ext>
+            </a:extLst>
+          </p:cNvPr>
+          <p:cNvSpPr txBox="1"/>
+          <p:nvPr/>
+        </p:nvSpPr>
+        <p:spPr>
+          <a:xfrm>
+            <a:off x="1817932" y="3538622"/>
+            <a:ext cx="1433406" cy="646331"/>
+          </a:xfrm>
+          <a:prstGeom prst="rect">
+            <a:avLst/>
+          </a:prstGeom>
+          <a:noFill/>
+        </p:spPr>
+        <p:txBody>
+          <a:bodyPr wrap="none" rtlCol="0">
+            <a:spAutoFit/>
+          </a:bodyPr>
+          <a:lstStyle/>
+          <a:p>
+            <a:r>
+              <a:rPr lang="ko-KR" altLang="en-US" dirty="0"/>
+              <a:t>게이트</a:t>
+            </a:r>
+            <a:r>
+              <a:rPr lang="en-US" altLang="ko-KR" dirty="0"/>
+              <a:t>-</a:t>
+            </a:r>
+            <a:r>
+              <a:rPr lang="ko-KR" altLang="en-US" dirty="0"/>
+              <a:t>바디</a:t>
+            </a:r>
+            <a:endParaRPr lang="en-US" altLang="ko-KR" dirty="0"/>
+          </a:p>
+          <a:p>
+            <a:pPr algn="ctr"/>
+            <a:r>
+              <a:rPr lang="ko-KR" altLang="en-US" dirty="0" err="1"/>
+              <a:t>전압차</a:t>
+            </a:r>
+            <a:endParaRPr lang="ko-KR" altLang="en-US" dirty="0"/>
+          </a:p>
+        </p:txBody>
+      </p:sp>
+      <p:sp>
+        <p:nvSpPr>
+          <p:cNvPr id="46" name="자유형: 도형 45">
+            <a:extLst>
+              <a:ext uri="{FF2B5EF4-FFF2-40B4-BE49-F238E27FC236}">
+                <a16:creationId xmlns:a16="http://schemas.microsoft.com/office/drawing/2014/main" id="{AF77E8FC-FE8C-42A2-8D0B-ECF21D66A7EE}"/>
+              </a:ext>
+            </a:extLst>
+          </p:cNvPr>
+          <p:cNvSpPr/>
+          <p:nvPr/>
+        </p:nvSpPr>
+        <p:spPr>
+          <a:xfrm>
+            <a:off x="3204839" y="4208016"/>
+            <a:ext cx="4074850" cy="1162974"/>
+          </a:xfrm>
+          <a:custGeom>
+            <a:avLst/>
+            <a:gdLst>
+              <a:gd name="connsiteX0" fmla="*/ 0 w 4074850"/>
+              <a:gd name="connsiteY0" fmla="*/ 0 h 1162974"/>
+              <a:gd name="connsiteX1" fmla="*/ 1065320 w 4074850"/>
+              <a:gd name="connsiteY1" fmla="*/ 745724 h 1162974"/>
+              <a:gd name="connsiteX2" fmla="*/ 4074850 w 4074850"/>
+              <a:gd name="connsiteY2" fmla="*/ 1162974 h 1162974"/>
+            </a:gdLst>
+            <a:ahLst/>
+            <a:cxnLst>
+              <a:cxn ang="0">
+                <a:pos x="connsiteX0" y="connsiteY0"/>
+              </a:cxn>
+              <a:cxn ang="0">
+                <a:pos x="connsiteX1" y="connsiteY1"/>
+              </a:cxn>
+              <a:cxn ang="0">
+                <a:pos x="connsiteX2" y="connsiteY2"/>
+              </a:cxn>
+            </a:cxnLst>
+            <a:rect l="l" t="t" r="r" b="b"/>
+            <a:pathLst>
+              <a:path w="4074850" h="1162974">
+                <a:moveTo>
+                  <a:pt x="0" y="0"/>
+                </a:moveTo>
+                <a:cubicBezTo>
+                  <a:pt x="193089" y="275947"/>
+                  <a:pt x="386178" y="551895"/>
+                  <a:pt x="1065320" y="745724"/>
+                </a:cubicBezTo>
+                <a:cubicBezTo>
+                  <a:pt x="1744462" y="939553"/>
+                  <a:pt x="3562904" y="1130423"/>
+                  <a:pt x="4074850" y="1162974"/>
+                </a:cubicBezTo>
+              </a:path>
+            </a:pathLst>
+          </a:custGeom>
+          <a:noFill/>
+        </p:spPr>
+        <p:style>
+          <a:lnRef idx="2">
+            <a:schemeClr val="accent1">
+              <a:shade val="50000"/>
+            </a:schemeClr>
+          </a:lnRef>
+          <a:fillRef idx="1">
+            <a:schemeClr val="accent1"/>
+          </a:fillRef>
+          <a:effectRef idx="0">
+            <a:schemeClr val="accent1"/>
+          </a:effectRef>
+          <a:fontRef idx="minor">
+            <a:schemeClr val="lt1"/>
+          </a:fontRef>
+        </p:style>
+        <p:txBody>
+          <a:bodyPr rtlCol="0" anchor="ctr"/>
+          <a:lstStyle/>
+          <a:p>
+            <a:pPr algn="ctr"/>
+            <a:endParaRPr lang="ko-KR" altLang="en-US"/>
+          </a:p>
+        </p:txBody>
+      </p:sp>
+      <p:sp>
+        <p:nvSpPr>
+          <p:cNvPr id="47" name="TextBox 46">
+            <a:extLst>
+              <a:ext uri="{FF2B5EF4-FFF2-40B4-BE49-F238E27FC236}">
+                <a16:creationId xmlns:a16="http://schemas.microsoft.com/office/drawing/2014/main" id="{F473D098-CF11-477D-80D1-95B3D5A702E6}"/>
+              </a:ext>
+            </a:extLst>
+          </p:cNvPr>
+          <p:cNvSpPr txBox="1"/>
+          <p:nvPr/>
+        </p:nvSpPr>
+        <p:spPr>
+          <a:xfrm>
+            <a:off x="3290199" y="4023350"/>
+            <a:ext cx="487249" cy="369332"/>
+          </a:xfrm>
+          <a:prstGeom prst="rect">
+            <a:avLst/>
+          </a:prstGeom>
+          <a:noFill/>
+        </p:spPr>
+        <p:txBody>
+          <a:bodyPr wrap="none" rtlCol="0">
+            <a:spAutoFit/>
+          </a:bodyPr>
+          <a:lstStyle/>
+          <a:p>
+            <a:r>
+              <a:rPr lang="en-US" altLang="ko-KR" dirty="0"/>
+              <a:t>VG</a:t>
+            </a:r>
+            <a:endParaRPr lang="ko-KR" altLang="en-US" dirty="0"/>
+          </a:p>
+        </p:txBody>
+      </p:sp>
+      <p:sp>
+        <p:nvSpPr>
+          <p:cNvPr id="48" name="TextBox 47">
+            <a:extLst>
+              <a:ext uri="{FF2B5EF4-FFF2-40B4-BE49-F238E27FC236}">
+                <a16:creationId xmlns:a16="http://schemas.microsoft.com/office/drawing/2014/main" id="{61BF632F-E2D4-4D36-AE7E-D0AE47D51312}"/>
+              </a:ext>
+            </a:extLst>
+          </p:cNvPr>
+          <p:cNvSpPr txBox="1"/>
+          <p:nvPr/>
+        </p:nvSpPr>
+        <p:spPr>
+          <a:xfrm>
+            <a:off x="7346562" y="5103752"/>
+            <a:ext cx="892809" cy="369332"/>
+          </a:xfrm>
+          <a:prstGeom prst="rect">
+            <a:avLst/>
+          </a:prstGeom>
+          <a:noFill/>
+        </p:spPr>
+        <p:txBody>
+          <a:bodyPr wrap="none" rtlCol="0">
+            <a:spAutoFit/>
+          </a:bodyPr>
+          <a:lstStyle/>
+          <a:p>
+            <a:r>
+              <a:rPr lang="en-US" altLang="ko-KR" dirty="0"/>
+              <a:t>VG-VD</a:t>
+            </a:r>
+            <a:endParaRPr lang="ko-KR" altLang="en-US" dirty="0"/>
+          </a:p>
+        </p:txBody>
+      </p:sp>
+    </p:spTree>
+    <p:extLst>
+      <p:ext uri="{BB962C8B-B14F-4D97-AF65-F5344CB8AC3E}">
+        <p14:creationId xmlns:p14="http://schemas.microsoft.com/office/powerpoint/2010/main" val="261582131"/>
+      </p:ext>
+    </p:extLst>
+  </p:cSld>
+  <p:clrMapOvr>
+    <a:masterClrMapping/>
+  </p:clrMapOvr>
+</p:sld>
+</file>
+
+<file path=ppt/slides/slide18.xml><?xml version="1.0" encoding="utf-8"?>
+<p:sld xmlns:a="http://schemas.openxmlformats.org/drawingml/2006/main" xmlns:r="http://schemas.openxmlformats.org/officeDocument/2006/relationships" xmlns:p="http://schemas.openxmlformats.org/presentationml/2006/main">
+  <p:cSld>
+    <p:spTree>
+      <p:nvGrpSpPr>
+        <p:cNvPr id="1" name=""/>
+        <p:cNvGrpSpPr/>
+        <p:nvPr/>
+      </p:nvGrpSpPr>
+      <p:grpSpPr>
+        <a:xfrm>
+          <a:off x="0" y="0"/>
+          <a:ext cx="0" cy="0"/>
+          <a:chOff x="0" y="0"/>
+          <a:chExt cx="0" cy="0"/>
+        </a:xfrm>
+      </p:grpSpPr>
+      <p:cxnSp>
+        <p:nvCxnSpPr>
+          <p:cNvPr id="3" name="직선 화살표 연결선 2">
+            <a:extLst>
+              <a:ext uri="{FF2B5EF4-FFF2-40B4-BE49-F238E27FC236}">
+                <a16:creationId xmlns:a16="http://schemas.microsoft.com/office/drawing/2014/main" id="{FA6F1964-688D-483E-A436-AD0598459748}"/>
+              </a:ext>
+            </a:extLst>
+          </p:cNvPr>
+          <p:cNvCxnSpPr>
+            <a:cxnSpLocks/>
+          </p:cNvCxnSpPr>
+          <p:nvPr/>
+        </p:nvCxnSpPr>
+        <p:spPr>
+          <a:xfrm flipV="1">
+            <a:off x="3453414" y="1207363"/>
+            <a:ext cx="0" cy="3089429"/>
+          </a:xfrm>
+          <a:prstGeom prst="straightConnector1">
+            <a:avLst/>
+          </a:prstGeom>
+          <a:ln>
+            <a:tailEnd type="triangle"/>
+          </a:ln>
+        </p:spPr>
+        <p:style>
+          <a:lnRef idx="1">
+            <a:schemeClr val="accent1"/>
+          </a:lnRef>
+          <a:fillRef idx="0">
+            <a:schemeClr val="accent1"/>
+          </a:fillRef>
+          <a:effectRef idx="0">
+            <a:schemeClr val="accent1"/>
+          </a:effectRef>
+          <a:fontRef idx="minor">
+            <a:schemeClr val="tx1"/>
+          </a:fontRef>
+        </p:style>
+      </p:cxnSp>
+      <p:cxnSp>
+        <p:nvCxnSpPr>
+          <p:cNvPr id="5" name="직선 화살표 연결선 4">
+            <a:extLst>
+              <a:ext uri="{FF2B5EF4-FFF2-40B4-BE49-F238E27FC236}">
+                <a16:creationId xmlns:a16="http://schemas.microsoft.com/office/drawing/2014/main" id="{F6A60BC4-A6D8-4E6E-8CAD-42F6A558A77C}"/>
+              </a:ext>
+            </a:extLst>
+          </p:cNvPr>
+          <p:cNvCxnSpPr/>
+          <p:nvPr/>
+        </p:nvCxnSpPr>
+        <p:spPr>
+          <a:xfrm>
+            <a:off x="3453414" y="4296792"/>
+            <a:ext cx="4350058" cy="0"/>
+          </a:xfrm>
+          <a:prstGeom prst="straightConnector1">
+            <a:avLst/>
+          </a:prstGeom>
+          <a:ln>
+            <a:tailEnd type="triangle"/>
+          </a:ln>
+        </p:spPr>
+        <p:style>
+          <a:lnRef idx="1">
+            <a:schemeClr val="accent1"/>
+          </a:lnRef>
+          <a:fillRef idx="0">
+            <a:schemeClr val="accent1"/>
+          </a:fillRef>
+          <a:effectRef idx="0">
+            <a:schemeClr val="accent1"/>
+          </a:effectRef>
+          <a:fontRef idx="minor">
+            <a:schemeClr val="tx1"/>
+          </a:fontRef>
+        </p:style>
+      </p:cxnSp>
+      <p:sp>
+        <p:nvSpPr>
+          <p:cNvPr id="7" name="자유형: 도형 6">
+            <a:extLst>
+              <a:ext uri="{FF2B5EF4-FFF2-40B4-BE49-F238E27FC236}">
+                <a16:creationId xmlns:a16="http://schemas.microsoft.com/office/drawing/2014/main" id="{33AD3377-CD2B-4C24-BDB5-96CE29DB96AB}"/>
+              </a:ext>
+            </a:extLst>
+          </p:cNvPr>
+          <p:cNvSpPr/>
+          <p:nvPr/>
+        </p:nvSpPr>
+        <p:spPr>
+          <a:xfrm>
+            <a:off x="3462292" y="2281135"/>
+            <a:ext cx="4074848" cy="2015657"/>
+          </a:xfrm>
+          <a:custGeom>
+            <a:avLst/>
+            <a:gdLst>
+              <a:gd name="connsiteX0" fmla="*/ 0 w 4145872"/>
+              <a:gd name="connsiteY0" fmla="*/ 2015657 h 2015657"/>
+              <a:gd name="connsiteX1" fmla="*/ 1917577 w 4145872"/>
+              <a:gd name="connsiteY1" fmla="*/ 311144 h 2015657"/>
+              <a:gd name="connsiteX2" fmla="*/ 4145872 w 4145872"/>
+              <a:gd name="connsiteY2" fmla="*/ 426 h 2015657"/>
+              <a:gd name="connsiteX3" fmla="*/ 4145872 w 4145872"/>
+              <a:gd name="connsiteY3" fmla="*/ 426 h 2015657"/>
+            </a:gdLst>
+            <a:ahLst/>
+            <a:cxnLst>
+              <a:cxn ang="0">
+                <a:pos x="connsiteX0" y="connsiteY0"/>
+              </a:cxn>
+              <a:cxn ang="0">
+                <a:pos x="connsiteX1" y="connsiteY1"/>
+              </a:cxn>
+              <a:cxn ang="0">
+                <a:pos x="connsiteX2" y="connsiteY2"/>
+              </a:cxn>
+              <a:cxn ang="0">
+                <a:pos x="connsiteX3" y="connsiteY3"/>
+              </a:cxn>
+            </a:cxnLst>
+            <a:rect l="l" t="t" r="r" b="b"/>
+            <a:pathLst>
+              <a:path w="4145872" h="2015657">
+                <a:moveTo>
+                  <a:pt x="0" y="2015657"/>
+                </a:moveTo>
+                <a:cubicBezTo>
+                  <a:pt x="613299" y="1331336"/>
+                  <a:pt x="1226598" y="647016"/>
+                  <a:pt x="1917577" y="311144"/>
+                </a:cubicBezTo>
+                <a:cubicBezTo>
+                  <a:pt x="2608556" y="-24728"/>
+                  <a:pt x="4145872" y="426"/>
+                  <a:pt x="4145872" y="426"/>
+                </a:cubicBezTo>
+                <a:lnTo>
+                  <a:pt x="4145872" y="426"/>
+                </a:lnTo>
+              </a:path>
+            </a:pathLst>
+          </a:custGeom>
+          <a:noFill/>
+          <a:ln>
+            <a:solidFill>
+              <a:srgbClr val="FF0000"/>
+            </a:solidFill>
+          </a:ln>
+        </p:spPr>
+        <p:style>
+          <a:lnRef idx="2">
+            <a:schemeClr val="accent1">
+              <a:shade val="50000"/>
+            </a:schemeClr>
+          </a:lnRef>
+          <a:fillRef idx="1">
+            <a:schemeClr val="accent1"/>
+          </a:fillRef>
+          <a:effectRef idx="0">
+            <a:schemeClr val="accent1"/>
+          </a:effectRef>
+          <a:fontRef idx="minor">
+            <a:schemeClr val="lt1"/>
+          </a:fontRef>
+        </p:style>
+        <p:txBody>
+          <a:bodyPr rtlCol="0" anchor="ctr"/>
+          <a:lstStyle/>
+          <a:p>
+            <a:pPr algn="ctr"/>
+            <a:endParaRPr lang="ko-KR" altLang="en-US"/>
+          </a:p>
+        </p:txBody>
+      </p:sp>
+      <p:sp>
+        <p:nvSpPr>
+          <p:cNvPr id="8" name="TextBox 7">
+            <a:extLst>
+              <a:ext uri="{FF2B5EF4-FFF2-40B4-BE49-F238E27FC236}">
+                <a16:creationId xmlns:a16="http://schemas.microsoft.com/office/drawing/2014/main" id="{B3E9B50D-08F2-40BD-9009-77D732E03427}"/>
+              </a:ext>
+            </a:extLst>
+          </p:cNvPr>
+          <p:cNvSpPr txBox="1"/>
+          <p:nvPr/>
+        </p:nvSpPr>
+        <p:spPr>
+          <a:xfrm>
+            <a:off x="3032245" y="1022697"/>
+            <a:ext cx="412292" cy="369332"/>
+          </a:xfrm>
+          <a:prstGeom prst="rect">
+            <a:avLst/>
+          </a:prstGeom>
+          <a:noFill/>
+        </p:spPr>
+        <p:txBody>
+          <a:bodyPr wrap="none" rtlCol="0">
+            <a:spAutoFit/>
+          </a:bodyPr>
+          <a:lstStyle/>
+          <a:p>
+            <a:r>
+              <a:rPr lang="en-US" altLang="ko-KR" dirty="0"/>
+              <a:t>ID</a:t>
+            </a:r>
+            <a:endParaRPr lang="ko-KR" altLang="en-US" dirty="0"/>
+          </a:p>
+        </p:txBody>
+      </p:sp>
+      <p:sp>
+        <p:nvSpPr>
+          <p:cNvPr id="9" name="TextBox 8">
+            <a:extLst>
+              <a:ext uri="{FF2B5EF4-FFF2-40B4-BE49-F238E27FC236}">
+                <a16:creationId xmlns:a16="http://schemas.microsoft.com/office/drawing/2014/main" id="{0AB46353-2D82-4419-90AD-52DB658D4D5D}"/>
+              </a:ext>
+            </a:extLst>
+          </p:cNvPr>
+          <p:cNvSpPr txBox="1"/>
+          <p:nvPr/>
+        </p:nvSpPr>
+        <p:spPr>
+          <a:xfrm>
+            <a:off x="7697690" y="4296792"/>
+            <a:ext cx="620683" cy="369332"/>
+          </a:xfrm>
+          <a:prstGeom prst="rect">
+            <a:avLst/>
+          </a:prstGeom>
+          <a:noFill/>
+        </p:spPr>
+        <p:txBody>
+          <a:bodyPr wrap="none" rtlCol="0">
+            <a:spAutoFit/>
+          </a:bodyPr>
+          <a:lstStyle/>
+          <a:p>
+            <a:r>
+              <a:rPr lang="en-US" altLang="ko-KR" dirty="0"/>
+              <a:t>VDS</a:t>
+            </a:r>
+            <a:endParaRPr lang="ko-KR" altLang="en-US" dirty="0"/>
+          </a:p>
+        </p:txBody>
+      </p:sp>
+      <p:cxnSp>
+        <p:nvCxnSpPr>
+          <p:cNvPr id="11" name="직선 연결선 10">
+            <a:extLst>
+              <a:ext uri="{FF2B5EF4-FFF2-40B4-BE49-F238E27FC236}">
+                <a16:creationId xmlns:a16="http://schemas.microsoft.com/office/drawing/2014/main" id="{E242318B-2785-49D5-BE41-52DF7B64E304}"/>
+              </a:ext>
+            </a:extLst>
+          </p:cNvPr>
+          <p:cNvCxnSpPr>
+            <a:stCxn id="7" idx="0"/>
+          </p:cNvCxnSpPr>
+          <p:nvPr/>
+        </p:nvCxnSpPr>
+        <p:spPr>
+          <a:xfrm flipV="1">
+            <a:off x="3462292" y="1482571"/>
+            <a:ext cx="2512381" cy="2814221"/>
+          </a:xfrm>
+          <a:prstGeom prst="line">
+            <a:avLst/>
+          </a:prstGeom>
+          <a:ln>
+            <a:prstDash val="dashDot"/>
+          </a:ln>
+        </p:spPr>
+        <p:style>
+          <a:lnRef idx="1">
+            <a:schemeClr val="accent1"/>
+          </a:lnRef>
+          <a:fillRef idx="0">
+            <a:schemeClr val="accent1"/>
+          </a:fillRef>
+          <a:effectRef idx="0">
+            <a:schemeClr val="accent1"/>
+          </a:effectRef>
+          <a:fontRef idx="minor">
+            <a:schemeClr val="tx1"/>
+          </a:fontRef>
+        </p:style>
+      </p:cxnSp>
+    </p:spTree>
+    <p:extLst>
+      <p:ext uri="{BB962C8B-B14F-4D97-AF65-F5344CB8AC3E}">
+        <p14:creationId xmlns:p14="http://schemas.microsoft.com/office/powerpoint/2010/main" val="3659158093"/>
+      </p:ext>
+    </p:extLst>
+  </p:cSld>
+  <p:clrMapOvr>
+    <a:masterClrMapping/>
+  </p:clrMapOvr>
+</p:sld>
+</file>
+
 <file path=ppt/slides/slide2.xml><?xml version="1.0" encoding="utf-8"?>
 <p:sld xmlns:a="http://schemas.openxmlformats.org/drawingml/2006/main" xmlns:r="http://schemas.openxmlformats.org/officeDocument/2006/relationships" xmlns:p="http://schemas.openxmlformats.org/presentationml/2006/main">
   <p:cSld>
